--- a/plan/영화-관리자.pptx
+++ b/plan/영화-관리자.pptx
@@ -3635,17 +3635,7 @@
                 <a:latin typeface="나눔바른펜" panose="020B0503000000000000" pitchFamily="50" charset="-127"/>
                 <a:ea typeface="나눔바른펜" panose="020B0503000000000000" pitchFamily="50" charset="-127"/>
               </a:rPr>
-              <a:t>프로젝트 </a:t>
-            </a:r>
-            <a:r>
-              <a:rPr lang="ko-KR" altLang="en-US" b="1" dirty="0" smtClean="0">
-                <a:solidFill>
-                  <a:prstClr val="black"/>
-                </a:solidFill>
-                <a:latin typeface="나눔바른펜" panose="020B0503000000000000" pitchFamily="50" charset="-127"/>
-                <a:ea typeface="나눔바른펜" panose="020B0503000000000000" pitchFamily="50" charset="-127"/>
-              </a:rPr>
-              <a:t>스토리보드</a:t>
+              <a:t>프로젝트 스토리보드</a:t>
             </a:r>
             <a:endParaRPr lang="en-US" altLang="ko-KR" b="1" dirty="0" smtClean="0">
               <a:solidFill>
@@ -3825,13 +3815,6 @@
               </a:rPr>
               <a:t>최나영</a:t>
             </a:r>
-            <a:endParaRPr lang="ko-KR" altLang="en-US" b="1" dirty="0">
-              <a:solidFill>
-                <a:prstClr val="black"/>
-              </a:solidFill>
-              <a:latin typeface="나눔바른펜" panose="020B0503000000000000" pitchFamily="50" charset="-127"/>
-              <a:ea typeface="나눔바른펜" panose="020B0503000000000000" pitchFamily="50" charset="-127"/>
-            </a:endParaRPr>
           </a:p>
         </p:txBody>
       </p:sp>
@@ -5032,13 +5015,6 @@
               </a:rPr>
               <a:t>로고</a:t>
             </a:r>
-            <a:endParaRPr lang="ko-KR" altLang="en-US" sz="4400" b="1" dirty="0">
-              <a:solidFill>
-                <a:prstClr val="black"/>
-              </a:solidFill>
-              <a:latin typeface="나눔바른펜" panose="020B0503000000000000" pitchFamily="50" charset="-127"/>
-              <a:ea typeface="나눔바른펜" panose="020B0503000000000000" pitchFamily="50" charset="-127"/>
-            </a:endParaRPr>
           </a:p>
         </p:txBody>
       </p:sp>
@@ -5669,7 +5645,7 @@
         </p:nvCxnSpPr>
         <p:spPr>
           <a:xfrm>
-            <a:off x="395536" y="2526596"/>
+            <a:off x="375574" y="4149080"/>
             <a:ext cx="8352928" cy="0"/>
           </a:xfrm>
           <a:prstGeom prst="line">
@@ -5699,1281 +5675,6 @@
           </a:fontRef>
         </p:style>
       </p:cxnSp>
-      <p:sp>
-        <p:nvSpPr>
-          <p:cNvPr id="38" name="직사각형 37"/>
-          <p:cNvSpPr/>
-          <p:nvPr/>
-        </p:nvSpPr>
-        <p:spPr>
-          <a:xfrm>
-            <a:off x="1043608" y="2852936"/>
-            <a:ext cx="1978296" cy="2448272"/>
-          </a:xfrm>
-          <a:prstGeom prst="rect">
-            <a:avLst/>
-          </a:prstGeom>
-          <a:noFill/>
-          <a:ln>
-            <a:solidFill>
-              <a:schemeClr val="accent3">
-                <a:lumMod val="40000"/>
-                <a:lumOff val="60000"/>
-              </a:schemeClr>
-            </a:solidFill>
-          </a:ln>
-        </p:spPr>
-        <p:style>
-          <a:lnRef idx="2">
-            <a:schemeClr val="accent1">
-              <a:shade val="50000"/>
-            </a:schemeClr>
-          </a:lnRef>
-          <a:fillRef idx="1">
-            <a:schemeClr val="accent1"/>
-          </a:fillRef>
-          <a:effectRef idx="0">
-            <a:schemeClr val="accent1"/>
-          </a:effectRef>
-          <a:fontRef idx="minor">
-            <a:schemeClr val="lt1"/>
-          </a:fontRef>
-        </p:style>
-        <p:txBody>
-          <a:bodyPr rtlCol="0" anchor="ctr"/>
-          <a:lstStyle/>
-          <a:p>
-            <a:pPr algn="ctr"/>
-            <a:endParaRPr lang="ko-KR" altLang="en-US" dirty="0">
-              <a:solidFill>
-                <a:prstClr val="white"/>
-              </a:solidFill>
-            </a:endParaRPr>
-          </a:p>
-        </p:txBody>
-      </p:sp>
-      <p:sp>
-        <p:nvSpPr>
-          <p:cNvPr id="39" name="직사각형 38"/>
-          <p:cNvSpPr/>
-          <p:nvPr/>
-        </p:nvSpPr>
-        <p:spPr>
-          <a:xfrm>
-            <a:off x="3541302" y="2852936"/>
-            <a:ext cx="1978296" cy="2448272"/>
-          </a:xfrm>
-          <a:prstGeom prst="rect">
-            <a:avLst/>
-          </a:prstGeom>
-          <a:noFill/>
-          <a:ln>
-            <a:solidFill>
-              <a:schemeClr val="accent3">
-                <a:lumMod val="40000"/>
-                <a:lumOff val="60000"/>
-              </a:schemeClr>
-            </a:solidFill>
-          </a:ln>
-        </p:spPr>
-        <p:style>
-          <a:lnRef idx="2">
-            <a:schemeClr val="accent1">
-              <a:shade val="50000"/>
-            </a:schemeClr>
-          </a:lnRef>
-          <a:fillRef idx="1">
-            <a:schemeClr val="accent1"/>
-          </a:fillRef>
-          <a:effectRef idx="0">
-            <a:schemeClr val="accent1"/>
-          </a:effectRef>
-          <a:fontRef idx="minor">
-            <a:schemeClr val="lt1"/>
-          </a:fontRef>
-        </p:style>
-        <p:txBody>
-          <a:bodyPr rtlCol="0" anchor="ctr"/>
-          <a:lstStyle/>
-          <a:p>
-            <a:pPr algn="ctr"/>
-            <a:endParaRPr lang="ko-KR" altLang="en-US" dirty="0">
-              <a:solidFill>
-                <a:prstClr val="white"/>
-              </a:solidFill>
-            </a:endParaRPr>
-          </a:p>
-        </p:txBody>
-      </p:sp>
-      <p:sp>
-        <p:nvSpPr>
-          <p:cNvPr id="40" name="직사각형 39"/>
-          <p:cNvSpPr/>
-          <p:nvPr/>
-        </p:nvSpPr>
-        <p:spPr>
-          <a:xfrm>
-            <a:off x="6038997" y="2852936"/>
-            <a:ext cx="1978296" cy="2448272"/>
-          </a:xfrm>
-          <a:prstGeom prst="rect">
-            <a:avLst/>
-          </a:prstGeom>
-          <a:noFill/>
-          <a:ln>
-            <a:solidFill>
-              <a:schemeClr val="accent3">
-                <a:lumMod val="40000"/>
-                <a:lumOff val="60000"/>
-              </a:schemeClr>
-            </a:solidFill>
-          </a:ln>
-        </p:spPr>
-        <p:style>
-          <a:lnRef idx="2">
-            <a:schemeClr val="accent1">
-              <a:shade val="50000"/>
-            </a:schemeClr>
-          </a:lnRef>
-          <a:fillRef idx="1">
-            <a:schemeClr val="accent1"/>
-          </a:fillRef>
-          <a:effectRef idx="0">
-            <a:schemeClr val="accent1"/>
-          </a:effectRef>
-          <a:fontRef idx="minor">
-            <a:schemeClr val="lt1"/>
-          </a:fontRef>
-        </p:style>
-        <p:txBody>
-          <a:bodyPr rtlCol="0" anchor="ctr"/>
-          <a:lstStyle/>
-          <a:p>
-            <a:pPr algn="ctr"/>
-            <a:endParaRPr lang="ko-KR" altLang="en-US" dirty="0">
-              <a:solidFill>
-                <a:prstClr val="white"/>
-              </a:solidFill>
-            </a:endParaRPr>
-          </a:p>
-        </p:txBody>
-      </p:sp>
-      <p:sp>
-        <p:nvSpPr>
-          <p:cNvPr id="5" name="직사각형 4"/>
-          <p:cNvSpPr/>
-          <p:nvPr/>
-        </p:nvSpPr>
-        <p:spPr>
-          <a:xfrm>
-            <a:off x="1115616" y="2907014"/>
-            <a:ext cx="288032" cy="288032"/>
-          </a:xfrm>
-          <a:prstGeom prst="rect">
-            <a:avLst/>
-          </a:prstGeom>
-          <a:noFill/>
-          <a:ln>
-            <a:solidFill>
-              <a:schemeClr val="accent3">
-                <a:lumMod val="40000"/>
-                <a:lumOff val="60000"/>
-              </a:schemeClr>
-            </a:solidFill>
-          </a:ln>
-        </p:spPr>
-        <p:style>
-          <a:lnRef idx="2">
-            <a:schemeClr val="accent1">
-              <a:shade val="50000"/>
-            </a:schemeClr>
-          </a:lnRef>
-          <a:fillRef idx="1">
-            <a:schemeClr val="accent1"/>
-          </a:fillRef>
-          <a:effectRef idx="0">
-            <a:schemeClr val="accent1"/>
-          </a:effectRef>
-          <a:fontRef idx="minor">
-            <a:schemeClr val="lt1"/>
-          </a:fontRef>
-        </p:style>
-        <p:txBody>
-          <a:bodyPr rtlCol="0" anchor="ctr"/>
-          <a:lstStyle/>
-          <a:p>
-            <a:pPr algn="ctr"/>
-            <a:endParaRPr lang="ko-KR" altLang="en-US" dirty="0">
-              <a:solidFill>
-                <a:prstClr val="white"/>
-              </a:solidFill>
-            </a:endParaRPr>
-          </a:p>
-        </p:txBody>
-      </p:sp>
-      <p:sp>
-        <p:nvSpPr>
-          <p:cNvPr id="41" name="직사각형 40"/>
-          <p:cNvSpPr/>
-          <p:nvPr/>
-        </p:nvSpPr>
-        <p:spPr>
-          <a:xfrm>
-            <a:off x="3622976" y="2915398"/>
-            <a:ext cx="288032" cy="288032"/>
-          </a:xfrm>
-          <a:prstGeom prst="rect">
-            <a:avLst/>
-          </a:prstGeom>
-          <a:noFill/>
-          <a:ln>
-            <a:solidFill>
-              <a:schemeClr val="accent3">
-                <a:lumMod val="40000"/>
-                <a:lumOff val="60000"/>
-              </a:schemeClr>
-            </a:solidFill>
-          </a:ln>
-        </p:spPr>
-        <p:style>
-          <a:lnRef idx="2">
-            <a:schemeClr val="accent1">
-              <a:shade val="50000"/>
-            </a:schemeClr>
-          </a:lnRef>
-          <a:fillRef idx="1">
-            <a:schemeClr val="accent1"/>
-          </a:fillRef>
-          <a:effectRef idx="0">
-            <a:schemeClr val="accent1"/>
-          </a:effectRef>
-          <a:fontRef idx="minor">
-            <a:schemeClr val="lt1"/>
-          </a:fontRef>
-        </p:style>
-        <p:txBody>
-          <a:bodyPr rtlCol="0" anchor="ctr"/>
-          <a:lstStyle/>
-          <a:p>
-            <a:pPr algn="ctr"/>
-            <a:endParaRPr lang="ko-KR" altLang="en-US" dirty="0">
-              <a:solidFill>
-                <a:prstClr val="white"/>
-              </a:solidFill>
-            </a:endParaRPr>
-          </a:p>
-        </p:txBody>
-      </p:sp>
-      <p:sp>
-        <p:nvSpPr>
-          <p:cNvPr id="42" name="직사각형 41"/>
-          <p:cNvSpPr/>
-          <p:nvPr/>
-        </p:nvSpPr>
-        <p:spPr>
-          <a:xfrm>
-            <a:off x="6111063" y="2923782"/>
-            <a:ext cx="288032" cy="288032"/>
-          </a:xfrm>
-          <a:prstGeom prst="rect">
-            <a:avLst/>
-          </a:prstGeom>
-          <a:noFill/>
-          <a:ln>
-            <a:solidFill>
-              <a:schemeClr val="accent3">
-                <a:lumMod val="40000"/>
-                <a:lumOff val="60000"/>
-              </a:schemeClr>
-            </a:solidFill>
-          </a:ln>
-        </p:spPr>
-        <p:style>
-          <a:lnRef idx="2">
-            <a:schemeClr val="accent1">
-              <a:shade val="50000"/>
-            </a:schemeClr>
-          </a:lnRef>
-          <a:fillRef idx="1">
-            <a:schemeClr val="accent1"/>
-          </a:fillRef>
-          <a:effectRef idx="0">
-            <a:schemeClr val="accent1"/>
-          </a:effectRef>
-          <a:fontRef idx="minor">
-            <a:schemeClr val="lt1"/>
-          </a:fontRef>
-        </p:style>
-        <p:txBody>
-          <a:bodyPr rtlCol="0" anchor="ctr"/>
-          <a:lstStyle/>
-          <a:p>
-            <a:pPr algn="ctr"/>
-            <a:endParaRPr lang="ko-KR" altLang="en-US" dirty="0">
-              <a:solidFill>
-                <a:prstClr val="white"/>
-              </a:solidFill>
-            </a:endParaRPr>
-          </a:p>
-        </p:txBody>
-      </p:sp>
-      <p:sp>
-        <p:nvSpPr>
-          <p:cNvPr id="8" name="TextBox 7"/>
-          <p:cNvSpPr txBox="1"/>
-          <p:nvPr/>
-        </p:nvSpPr>
-        <p:spPr>
-          <a:xfrm>
-            <a:off x="1106651" y="2861901"/>
-            <a:ext cx="261610" cy="369332"/>
-          </a:xfrm>
-          <a:prstGeom prst="rect">
-            <a:avLst/>
-          </a:prstGeom>
-          <a:noFill/>
-        </p:spPr>
-        <p:txBody>
-          <a:bodyPr wrap="none" rtlCol="0">
-            <a:spAutoFit/>
-          </a:bodyPr>
-          <a:lstStyle/>
-          <a:p>
-            <a:r>
-              <a:rPr lang="en-US" altLang="ko-KR" dirty="0">
-                <a:gradFill>
-                  <a:gsLst>
-                    <a:gs pos="0">
-                      <a:prstClr val="black"/>
-                    </a:gs>
-                    <a:gs pos="50000">
-                      <a:prstClr val="black"/>
-                    </a:gs>
-                    <a:gs pos="100000">
-                      <a:prstClr val="black"/>
-                    </a:gs>
-                  </a:gsLst>
-                  <a:lin ang="5400000" scaled="0"/>
-                </a:gradFill>
-                <a:latin typeface="나눔바른펜" panose="020B0503000000000000" pitchFamily="50" charset="-127"/>
-                <a:ea typeface="나눔바른펜" panose="020B0503000000000000" pitchFamily="50" charset="-127"/>
-              </a:rPr>
-              <a:t>1</a:t>
-            </a:r>
-            <a:endParaRPr lang="ko-KR" altLang="en-US" dirty="0">
-              <a:gradFill>
-                <a:gsLst>
-                  <a:gs pos="0">
-                    <a:prstClr val="black"/>
-                  </a:gs>
-                  <a:gs pos="50000">
-                    <a:prstClr val="black"/>
-                  </a:gs>
-                  <a:gs pos="100000">
-                    <a:prstClr val="black"/>
-                  </a:gs>
-                </a:gsLst>
-                <a:lin ang="5400000" scaled="0"/>
-              </a:gradFill>
-              <a:latin typeface="나눔바른펜" panose="020B0503000000000000" pitchFamily="50" charset="-127"/>
-              <a:ea typeface="나눔바른펜" panose="020B0503000000000000" pitchFamily="50" charset="-127"/>
-            </a:endParaRPr>
-          </a:p>
-        </p:txBody>
-      </p:sp>
-      <p:sp>
-        <p:nvSpPr>
-          <p:cNvPr id="9" name="TextBox 8"/>
-          <p:cNvSpPr txBox="1"/>
-          <p:nvPr/>
-        </p:nvSpPr>
-        <p:spPr>
-          <a:xfrm>
-            <a:off x="3612624" y="2870866"/>
-            <a:ext cx="288862" cy="369332"/>
-          </a:xfrm>
-          <a:prstGeom prst="rect">
-            <a:avLst/>
-          </a:prstGeom>
-          <a:noFill/>
-        </p:spPr>
-        <p:txBody>
-          <a:bodyPr wrap="none" rtlCol="0">
-            <a:spAutoFit/>
-          </a:bodyPr>
-          <a:lstStyle/>
-          <a:p>
-            <a:r>
-              <a:rPr lang="en-US" altLang="ko-KR" dirty="0">
-                <a:gradFill>
-                  <a:gsLst>
-                    <a:gs pos="0">
-                      <a:prstClr val="black"/>
-                    </a:gs>
-                    <a:gs pos="50000">
-                      <a:prstClr val="black"/>
-                    </a:gs>
-                    <a:gs pos="100000">
-                      <a:prstClr val="black"/>
-                    </a:gs>
-                  </a:gsLst>
-                  <a:lin ang="5400000" scaled="0"/>
-                </a:gradFill>
-                <a:latin typeface="나눔바른펜" panose="020B0503000000000000" pitchFamily="50" charset="-127"/>
-                <a:ea typeface="나눔바른펜" panose="020B0503000000000000" pitchFamily="50" charset="-127"/>
-              </a:rPr>
-              <a:t>2</a:t>
-            </a:r>
-            <a:endParaRPr lang="ko-KR" altLang="en-US" dirty="0">
-              <a:gradFill>
-                <a:gsLst>
-                  <a:gs pos="0">
-                    <a:prstClr val="black"/>
-                  </a:gs>
-                  <a:gs pos="50000">
-                    <a:prstClr val="black"/>
-                  </a:gs>
-                  <a:gs pos="100000">
-                    <a:prstClr val="black"/>
-                  </a:gs>
-                </a:gsLst>
-                <a:lin ang="5400000" scaled="0"/>
-              </a:gradFill>
-              <a:latin typeface="나눔바른펜" panose="020B0503000000000000" pitchFamily="50" charset="-127"/>
-              <a:ea typeface="나눔바른펜" panose="020B0503000000000000" pitchFamily="50" charset="-127"/>
-            </a:endParaRPr>
-          </a:p>
-        </p:txBody>
-      </p:sp>
-      <p:sp>
-        <p:nvSpPr>
-          <p:cNvPr id="10" name="TextBox 9"/>
-          <p:cNvSpPr txBox="1"/>
-          <p:nvPr/>
-        </p:nvSpPr>
-        <p:spPr>
-          <a:xfrm>
-            <a:off x="6111351" y="2879831"/>
-            <a:ext cx="288862" cy="369332"/>
-          </a:xfrm>
-          <a:prstGeom prst="rect">
-            <a:avLst/>
-          </a:prstGeom>
-          <a:noFill/>
-        </p:spPr>
-        <p:txBody>
-          <a:bodyPr wrap="none" rtlCol="0">
-            <a:spAutoFit/>
-          </a:bodyPr>
-          <a:lstStyle/>
-          <a:p>
-            <a:r>
-              <a:rPr lang="en-US" altLang="ko-KR" dirty="0">
-                <a:gradFill>
-                  <a:gsLst>
-                    <a:gs pos="0">
-                      <a:prstClr val="black"/>
-                    </a:gs>
-                    <a:gs pos="50000">
-                      <a:prstClr val="black"/>
-                    </a:gs>
-                    <a:gs pos="100000">
-                      <a:prstClr val="black"/>
-                    </a:gs>
-                  </a:gsLst>
-                  <a:lin ang="5400000" scaled="0"/>
-                </a:gradFill>
-                <a:latin typeface="나눔바른펜" panose="020B0503000000000000" pitchFamily="50" charset="-127"/>
-                <a:ea typeface="나눔바른펜" panose="020B0503000000000000" pitchFamily="50" charset="-127"/>
-              </a:rPr>
-              <a:t>3</a:t>
-            </a:r>
-            <a:endParaRPr lang="ko-KR" altLang="en-US" dirty="0">
-              <a:gradFill>
-                <a:gsLst>
-                  <a:gs pos="0">
-                    <a:prstClr val="black"/>
-                  </a:gs>
-                  <a:gs pos="50000">
-                    <a:prstClr val="black"/>
-                  </a:gs>
-                  <a:gs pos="100000">
-                    <a:prstClr val="black"/>
-                  </a:gs>
-                </a:gsLst>
-                <a:lin ang="5400000" scaled="0"/>
-              </a:gradFill>
-              <a:latin typeface="나눔바른펜" panose="020B0503000000000000" pitchFamily="50" charset="-127"/>
-              <a:ea typeface="나눔바른펜" panose="020B0503000000000000" pitchFamily="50" charset="-127"/>
-            </a:endParaRPr>
-          </a:p>
-        </p:txBody>
-      </p:sp>
-      <p:sp>
-        <p:nvSpPr>
-          <p:cNvPr id="45" name="직사각형 44"/>
-          <p:cNvSpPr/>
-          <p:nvPr/>
-        </p:nvSpPr>
-        <p:spPr>
-          <a:xfrm>
-            <a:off x="1356925" y="5413702"/>
-            <a:ext cx="648072" cy="288032"/>
-          </a:xfrm>
-          <a:prstGeom prst="rect">
-            <a:avLst/>
-          </a:prstGeom>
-          <a:noFill/>
-          <a:ln>
-            <a:solidFill>
-              <a:schemeClr val="accent3">
-                <a:lumMod val="60000"/>
-                <a:lumOff val="40000"/>
-              </a:schemeClr>
-            </a:solidFill>
-          </a:ln>
-        </p:spPr>
-        <p:style>
-          <a:lnRef idx="2">
-            <a:schemeClr val="accent1">
-              <a:shade val="50000"/>
-            </a:schemeClr>
-          </a:lnRef>
-          <a:fillRef idx="1">
-            <a:schemeClr val="accent1"/>
-          </a:fillRef>
-          <a:effectRef idx="0">
-            <a:schemeClr val="accent1"/>
-          </a:effectRef>
-          <a:fontRef idx="minor">
-            <a:schemeClr val="lt1"/>
-          </a:fontRef>
-        </p:style>
-        <p:txBody>
-          <a:bodyPr rtlCol="0" anchor="ctr"/>
-          <a:lstStyle/>
-          <a:p>
-            <a:pPr algn="ctr"/>
-            <a:endParaRPr lang="ko-KR" altLang="en-US" dirty="0">
-              <a:solidFill>
-                <a:prstClr val="white"/>
-              </a:solidFill>
-            </a:endParaRPr>
-          </a:p>
-        </p:txBody>
-      </p:sp>
-      <p:sp>
-        <p:nvSpPr>
-          <p:cNvPr id="46" name="직사각형 45"/>
-          <p:cNvSpPr/>
-          <p:nvPr/>
-        </p:nvSpPr>
-        <p:spPr>
-          <a:xfrm>
-            <a:off x="2096833" y="5413702"/>
-            <a:ext cx="648072" cy="288032"/>
-          </a:xfrm>
-          <a:prstGeom prst="rect">
-            <a:avLst/>
-          </a:prstGeom>
-          <a:noFill/>
-          <a:ln>
-            <a:solidFill>
-              <a:schemeClr val="accent3">
-                <a:lumMod val="60000"/>
-                <a:lumOff val="40000"/>
-              </a:schemeClr>
-            </a:solidFill>
-          </a:ln>
-        </p:spPr>
-        <p:style>
-          <a:lnRef idx="2">
-            <a:schemeClr val="accent1">
-              <a:shade val="50000"/>
-            </a:schemeClr>
-          </a:lnRef>
-          <a:fillRef idx="1">
-            <a:schemeClr val="accent1"/>
-          </a:fillRef>
-          <a:effectRef idx="0">
-            <a:schemeClr val="accent1"/>
-          </a:effectRef>
-          <a:fontRef idx="minor">
-            <a:schemeClr val="lt1"/>
-          </a:fontRef>
-        </p:style>
-        <p:txBody>
-          <a:bodyPr rtlCol="0" anchor="ctr"/>
-          <a:lstStyle/>
-          <a:p>
-            <a:pPr algn="ctr"/>
-            <a:endParaRPr lang="ko-KR" altLang="en-US" dirty="0">
-              <a:solidFill>
-                <a:prstClr val="white"/>
-              </a:solidFill>
-            </a:endParaRPr>
-          </a:p>
-        </p:txBody>
-      </p:sp>
-      <p:sp>
-        <p:nvSpPr>
-          <p:cNvPr id="14" name="TextBox 13"/>
-          <p:cNvSpPr txBox="1"/>
-          <p:nvPr/>
-        </p:nvSpPr>
-        <p:spPr>
-          <a:xfrm>
-            <a:off x="1466691" y="5403830"/>
-            <a:ext cx="457176" cy="307777"/>
-          </a:xfrm>
-          <a:prstGeom prst="rect">
-            <a:avLst/>
-          </a:prstGeom>
-          <a:noFill/>
-        </p:spPr>
-        <p:txBody>
-          <a:bodyPr wrap="none" rtlCol="0">
-            <a:spAutoFit/>
-          </a:bodyPr>
-          <a:lstStyle/>
-          <a:p>
-            <a:r>
-              <a:rPr lang="ko-KR" altLang="en-US" sz="1400" dirty="0" smtClean="0">
-                <a:gradFill>
-                  <a:gsLst>
-                    <a:gs pos="0">
-                      <a:prstClr val="black"/>
-                    </a:gs>
-                    <a:gs pos="50000">
-                      <a:prstClr val="black"/>
-                    </a:gs>
-                    <a:gs pos="100000">
-                      <a:prstClr val="black"/>
-                    </a:gs>
-                  </a:gsLst>
-                  <a:lin ang="5400000" scaled="0"/>
-                </a:gradFill>
-                <a:latin typeface="나눔바른펜" panose="020B0503000000000000" pitchFamily="50" charset="-127"/>
-                <a:ea typeface="나눔바른펜" panose="020B0503000000000000" pitchFamily="50" charset="-127"/>
-              </a:rPr>
-              <a:t>수</a:t>
-            </a:r>
-            <a:r>
-              <a:rPr lang="ko-KR" altLang="en-US" sz="1400" dirty="0">
-                <a:gradFill>
-                  <a:gsLst>
-                    <a:gs pos="0">
-                      <a:prstClr val="black"/>
-                    </a:gs>
-                    <a:gs pos="50000">
-                      <a:prstClr val="black"/>
-                    </a:gs>
-                    <a:gs pos="100000">
-                      <a:prstClr val="black"/>
-                    </a:gs>
-                  </a:gsLst>
-                  <a:lin ang="5400000" scaled="0"/>
-                </a:gradFill>
-                <a:latin typeface="나눔바른펜" panose="020B0503000000000000" pitchFamily="50" charset="-127"/>
-                <a:ea typeface="나눔바른펜" panose="020B0503000000000000" pitchFamily="50" charset="-127"/>
-              </a:rPr>
-              <a:t>정</a:t>
-            </a:r>
-            <a:endParaRPr lang="ko-KR" altLang="en-US" sz="1400" dirty="0">
-              <a:gradFill>
-                <a:gsLst>
-                  <a:gs pos="0">
-                    <a:prstClr val="black"/>
-                  </a:gs>
-                  <a:gs pos="50000">
-                    <a:prstClr val="black"/>
-                  </a:gs>
-                  <a:gs pos="100000">
-                    <a:prstClr val="black"/>
-                  </a:gs>
-                </a:gsLst>
-                <a:lin ang="5400000" scaled="0"/>
-              </a:gradFill>
-              <a:latin typeface="나눔바른펜" panose="020B0503000000000000" pitchFamily="50" charset="-127"/>
-              <a:ea typeface="나눔바른펜" panose="020B0503000000000000" pitchFamily="50" charset="-127"/>
-            </a:endParaRPr>
-          </a:p>
-        </p:txBody>
-      </p:sp>
-      <p:sp>
-        <p:nvSpPr>
-          <p:cNvPr id="47" name="TextBox 46"/>
-          <p:cNvSpPr txBox="1"/>
-          <p:nvPr/>
-        </p:nvSpPr>
-        <p:spPr>
-          <a:xfrm>
-            <a:off x="2195448" y="5403830"/>
-            <a:ext cx="473206" cy="307777"/>
-          </a:xfrm>
-          <a:prstGeom prst="rect">
-            <a:avLst/>
-          </a:prstGeom>
-          <a:noFill/>
-        </p:spPr>
-        <p:txBody>
-          <a:bodyPr wrap="none" rtlCol="0">
-            <a:spAutoFit/>
-          </a:bodyPr>
-          <a:lstStyle/>
-          <a:p>
-            <a:r>
-              <a:rPr lang="ko-KR" altLang="en-US" sz="1400" dirty="0" smtClean="0">
-                <a:gradFill>
-                  <a:gsLst>
-                    <a:gs pos="0">
-                      <a:prstClr val="black"/>
-                    </a:gs>
-                    <a:gs pos="50000">
-                      <a:prstClr val="black"/>
-                    </a:gs>
-                    <a:gs pos="100000">
-                      <a:prstClr val="black"/>
-                    </a:gs>
-                  </a:gsLst>
-                  <a:lin ang="5400000" scaled="0"/>
-                </a:gradFill>
-                <a:latin typeface="나눔바른펜" panose="020B0503000000000000" pitchFamily="50" charset="-127"/>
-                <a:ea typeface="나눔바른펜" panose="020B0503000000000000" pitchFamily="50" charset="-127"/>
-              </a:rPr>
-              <a:t>삭</a:t>
-            </a:r>
-            <a:r>
-              <a:rPr lang="ko-KR" altLang="en-US" sz="1400" dirty="0">
-                <a:gradFill>
-                  <a:gsLst>
-                    <a:gs pos="0">
-                      <a:prstClr val="black"/>
-                    </a:gs>
-                    <a:gs pos="50000">
-                      <a:prstClr val="black"/>
-                    </a:gs>
-                    <a:gs pos="100000">
-                      <a:prstClr val="black"/>
-                    </a:gs>
-                  </a:gsLst>
-                  <a:lin ang="5400000" scaled="0"/>
-                </a:gradFill>
-                <a:latin typeface="나눔바른펜" panose="020B0503000000000000" pitchFamily="50" charset="-127"/>
-                <a:ea typeface="나눔바른펜" panose="020B0503000000000000" pitchFamily="50" charset="-127"/>
-              </a:rPr>
-              <a:t>제</a:t>
-            </a:r>
-            <a:endParaRPr lang="ko-KR" altLang="en-US" sz="1400" dirty="0">
-              <a:gradFill>
-                <a:gsLst>
-                  <a:gs pos="0">
-                    <a:prstClr val="black"/>
-                  </a:gs>
-                  <a:gs pos="50000">
-                    <a:prstClr val="black"/>
-                  </a:gs>
-                  <a:gs pos="100000">
-                    <a:prstClr val="black"/>
-                  </a:gs>
-                </a:gsLst>
-                <a:lin ang="5400000" scaled="0"/>
-              </a:gradFill>
-              <a:latin typeface="나눔바른펜" panose="020B0503000000000000" pitchFamily="50" charset="-127"/>
-              <a:ea typeface="나눔바른펜" panose="020B0503000000000000" pitchFamily="50" charset="-127"/>
-            </a:endParaRPr>
-          </a:p>
-        </p:txBody>
-      </p:sp>
-      <p:sp>
-        <p:nvSpPr>
-          <p:cNvPr id="48" name="직사각형 47"/>
-          <p:cNvSpPr/>
-          <p:nvPr/>
-        </p:nvSpPr>
-        <p:spPr>
-          <a:xfrm>
-            <a:off x="3842955" y="5413702"/>
-            <a:ext cx="648072" cy="288032"/>
-          </a:xfrm>
-          <a:prstGeom prst="rect">
-            <a:avLst/>
-          </a:prstGeom>
-          <a:noFill/>
-          <a:ln>
-            <a:solidFill>
-              <a:schemeClr val="accent3">
-                <a:lumMod val="60000"/>
-                <a:lumOff val="40000"/>
-              </a:schemeClr>
-            </a:solidFill>
-          </a:ln>
-        </p:spPr>
-        <p:style>
-          <a:lnRef idx="2">
-            <a:schemeClr val="accent1">
-              <a:shade val="50000"/>
-            </a:schemeClr>
-          </a:lnRef>
-          <a:fillRef idx="1">
-            <a:schemeClr val="accent1"/>
-          </a:fillRef>
-          <a:effectRef idx="0">
-            <a:schemeClr val="accent1"/>
-          </a:effectRef>
-          <a:fontRef idx="minor">
-            <a:schemeClr val="lt1"/>
-          </a:fontRef>
-        </p:style>
-        <p:txBody>
-          <a:bodyPr rtlCol="0" anchor="ctr"/>
-          <a:lstStyle/>
-          <a:p>
-            <a:pPr algn="ctr"/>
-            <a:endParaRPr lang="ko-KR" altLang="en-US" dirty="0">
-              <a:solidFill>
-                <a:prstClr val="white"/>
-              </a:solidFill>
-            </a:endParaRPr>
-          </a:p>
-        </p:txBody>
-      </p:sp>
-      <p:sp>
-        <p:nvSpPr>
-          <p:cNvPr id="49" name="직사각형 48"/>
-          <p:cNvSpPr/>
-          <p:nvPr/>
-        </p:nvSpPr>
-        <p:spPr>
-          <a:xfrm>
-            <a:off x="4582863" y="5413702"/>
-            <a:ext cx="648072" cy="288032"/>
-          </a:xfrm>
-          <a:prstGeom prst="rect">
-            <a:avLst/>
-          </a:prstGeom>
-          <a:noFill/>
-          <a:ln>
-            <a:solidFill>
-              <a:schemeClr val="accent3">
-                <a:lumMod val="60000"/>
-                <a:lumOff val="40000"/>
-              </a:schemeClr>
-            </a:solidFill>
-          </a:ln>
-        </p:spPr>
-        <p:style>
-          <a:lnRef idx="2">
-            <a:schemeClr val="accent1">
-              <a:shade val="50000"/>
-            </a:schemeClr>
-          </a:lnRef>
-          <a:fillRef idx="1">
-            <a:schemeClr val="accent1"/>
-          </a:fillRef>
-          <a:effectRef idx="0">
-            <a:schemeClr val="accent1"/>
-          </a:effectRef>
-          <a:fontRef idx="minor">
-            <a:schemeClr val="lt1"/>
-          </a:fontRef>
-        </p:style>
-        <p:txBody>
-          <a:bodyPr rtlCol="0" anchor="ctr"/>
-          <a:lstStyle/>
-          <a:p>
-            <a:pPr algn="ctr"/>
-            <a:endParaRPr lang="ko-KR" altLang="en-US" dirty="0">
-              <a:solidFill>
-                <a:prstClr val="white"/>
-              </a:solidFill>
-            </a:endParaRPr>
-          </a:p>
-        </p:txBody>
-      </p:sp>
-      <p:sp>
-        <p:nvSpPr>
-          <p:cNvPr id="50" name="TextBox 49"/>
-          <p:cNvSpPr txBox="1"/>
-          <p:nvPr/>
-        </p:nvSpPr>
-        <p:spPr>
-          <a:xfrm>
-            <a:off x="3952721" y="5403830"/>
-            <a:ext cx="457176" cy="307777"/>
-          </a:xfrm>
-          <a:prstGeom prst="rect">
-            <a:avLst/>
-          </a:prstGeom>
-          <a:noFill/>
-        </p:spPr>
-        <p:txBody>
-          <a:bodyPr wrap="none" rtlCol="0">
-            <a:spAutoFit/>
-          </a:bodyPr>
-          <a:lstStyle/>
-          <a:p>
-            <a:r>
-              <a:rPr lang="ko-KR" altLang="en-US" sz="1400" dirty="0" smtClean="0">
-                <a:gradFill>
-                  <a:gsLst>
-                    <a:gs pos="0">
-                      <a:prstClr val="black"/>
-                    </a:gs>
-                    <a:gs pos="50000">
-                      <a:prstClr val="black"/>
-                    </a:gs>
-                    <a:gs pos="100000">
-                      <a:prstClr val="black"/>
-                    </a:gs>
-                  </a:gsLst>
-                  <a:lin ang="5400000" scaled="0"/>
-                </a:gradFill>
-                <a:latin typeface="나눔바른펜" panose="020B0503000000000000" pitchFamily="50" charset="-127"/>
-                <a:ea typeface="나눔바른펜" panose="020B0503000000000000" pitchFamily="50" charset="-127"/>
-              </a:rPr>
-              <a:t>수정</a:t>
-            </a:r>
-            <a:endParaRPr lang="ko-KR" altLang="en-US" sz="1400" dirty="0">
-              <a:gradFill>
-                <a:gsLst>
-                  <a:gs pos="0">
-                    <a:prstClr val="black"/>
-                  </a:gs>
-                  <a:gs pos="50000">
-                    <a:prstClr val="black"/>
-                  </a:gs>
-                  <a:gs pos="100000">
-                    <a:prstClr val="black"/>
-                  </a:gs>
-                </a:gsLst>
-                <a:lin ang="5400000" scaled="0"/>
-              </a:gradFill>
-              <a:latin typeface="나눔바른펜" panose="020B0503000000000000" pitchFamily="50" charset="-127"/>
-              <a:ea typeface="나눔바른펜" panose="020B0503000000000000" pitchFamily="50" charset="-127"/>
-            </a:endParaRPr>
-          </a:p>
-        </p:txBody>
-      </p:sp>
-      <p:sp>
-        <p:nvSpPr>
-          <p:cNvPr id="51" name="TextBox 50"/>
-          <p:cNvSpPr txBox="1"/>
-          <p:nvPr/>
-        </p:nvSpPr>
-        <p:spPr>
-          <a:xfrm>
-            <a:off x="4681478" y="5403830"/>
-            <a:ext cx="473206" cy="307777"/>
-          </a:xfrm>
-          <a:prstGeom prst="rect">
-            <a:avLst/>
-          </a:prstGeom>
-          <a:noFill/>
-        </p:spPr>
-        <p:txBody>
-          <a:bodyPr wrap="none" rtlCol="0">
-            <a:spAutoFit/>
-          </a:bodyPr>
-          <a:lstStyle/>
-          <a:p>
-            <a:r>
-              <a:rPr lang="ko-KR" altLang="en-US" sz="1400" dirty="0" smtClean="0">
-                <a:gradFill>
-                  <a:gsLst>
-                    <a:gs pos="0">
-                      <a:prstClr val="black"/>
-                    </a:gs>
-                    <a:gs pos="50000">
-                      <a:prstClr val="black"/>
-                    </a:gs>
-                    <a:gs pos="100000">
-                      <a:prstClr val="black"/>
-                    </a:gs>
-                  </a:gsLst>
-                  <a:lin ang="5400000" scaled="0"/>
-                </a:gradFill>
-                <a:latin typeface="나눔바른펜" panose="020B0503000000000000" pitchFamily="50" charset="-127"/>
-                <a:ea typeface="나눔바른펜" panose="020B0503000000000000" pitchFamily="50" charset="-127"/>
-              </a:rPr>
-              <a:t>삭제</a:t>
-            </a:r>
-            <a:endParaRPr lang="ko-KR" altLang="en-US" sz="1400" dirty="0">
-              <a:gradFill>
-                <a:gsLst>
-                  <a:gs pos="0">
-                    <a:prstClr val="black"/>
-                  </a:gs>
-                  <a:gs pos="50000">
-                    <a:prstClr val="black"/>
-                  </a:gs>
-                  <a:gs pos="100000">
-                    <a:prstClr val="black"/>
-                  </a:gs>
-                </a:gsLst>
-                <a:lin ang="5400000" scaled="0"/>
-              </a:gradFill>
-              <a:latin typeface="나눔바른펜" panose="020B0503000000000000" pitchFamily="50" charset="-127"/>
-              <a:ea typeface="나눔바른펜" panose="020B0503000000000000" pitchFamily="50" charset="-127"/>
-            </a:endParaRPr>
-          </a:p>
-        </p:txBody>
-      </p:sp>
-      <p:sp>
-        <p:nvSpPr>
-          <p:cNvPr id="52" name="직사각형 51"/>
-          <p:cNvSpPr/>
-          <p:nvPr/>
-        </p:nvSpPr>
-        <p:spPr>
-          <a:xfrm>
-            <a:off x="6424380" y="5413702"/>
-            <a:ext cx="648072" cy="288032"/>
-          </a:xfrm>
-          <a:prstGeom prst="rect">
-            <a:avLst/>
-          </a:prstGeom>
-          <a:noFill/>
-          <a:ln>
-            <a:solidFill>
-              <a:schemeClr val="accent3">
-                <a:lumMod val="60000"/>
-                <a:lumOff val="40000"/>
-              </a:schemeClr>
-            </a:solidFill>
-          </a:ln>
-        </p:spPr>
-        <p:style>
-          <a:lnRef idx="2">
-            <a:schemeClr val="accent1">
-              <a:shade val="50000"/>
-            </a:schemeClr>
-          </a:lnRef>
-          <a:fillRef idx="1">
-            <a:schemeClr val="accent1"/>
-          </a:fillRef>
-          <a:effectRef idx="0">
-            <a:schemeClr val="accent1"/>
-          </a:effectRef>
-          <a:fontRef idx="minor">
-            <a:schemeClr val="lt1"/>
-          </a:fontRef>
-        </p:style>
-        <p:txBody>
-          <a:bodyPr rtlCol="0" anchor="ctr"/>
-          <a:lstStyle/>
-          <a:p>
-            <a:pPr algn="ctr"/>
-            <a:endParaRPr lang="ko-KR" altLang="en-US" dirty="0">
-              <a:solidFill>
-                <a:prstClr val="white"/>
-              </a:solidFill>
-            </a:endParaRPr>
-          </a:p>
-        </p:txBody>
-      </p:sp>
-      <p:sp>
-        <p:nvSpPr>
-          <p:cNvPr id="53" name="직사각형 52"/>
-          <p:cNvSpPr/>
-          <p:nvPr/>
-        </p:nvSpPr>
-        <p:spPr>
-          <a:xfrm>
-            <a:off x="7164288" y="5413702"/>
-            <a:ext cx="648072" cy="288032"/>
-          </a:xfrm>
-          <a:prstGeom prst="rect">
-            <a:avLst/>
-          </a:prstGeom>
-          <a:noFill/>
-          <a:ln>
-            <a:solidFill>
-              <a:schemeClr val="accent3">
-                <a:lumMod val="60000"/>
-                <a:lumOff val="40000"/>
-              </a:schemeClr>
-            </a:solidFill>
-          </a:ln>
-        </p:spPr>
-        <p:style>
-          <a:lnRef idx="2">
-            <a:schemeClr val="accent1">
-              <a:shade val="50000"/>
-            </a:schemeClr>
-          </a:lnRef>
-          <a:fillRef idx="1">
-            <a:schemeClr val="accent1"/>
-          </a:fillRef>
-          <a:effectRef idx="0">
-            <a:schemeClr val="accent1"/>
-          </a:effectRef>
-          <a:fontRef idx="minor">
-            <a:schemeClr val="lt1"/>
-          </a:fontRef>
-        </p:style>
-        <p:txBody>
-          <a:bodyPr rtlCol="0" anchor="ctr"/>
-          <a:lstStyle/>
-          <a:p>
-            <a:pPr algn="ctr"/>
-            <a:endParaRPr lang="ko-KR" altLang="en-US" dirty="0">
-              <a:solidFill>
-                <a:prstClr val="white"/>
-              </a:solidFill>
-            </a:endParaRPr>
-          </a:p>
-        </p:txBody>
-      </p:sp>
-      <p:sp>
-        <p:nvSpPr>
-          <p:cNvPr id="54" name="TextBox 53"/>
-          <p:cNvSpPr txBox="1"/>
-          <p:nvPr/>
-        </p:nvSpPr>
-        <p:spPr>
-          <a:xfrm>
-            <a:off x="6534146" y="5403830"/>
-            <a:ext cx="457176" cy="307777"/>
-          </a:xfrm>
-          <a:prstGeom prst="rect">
-            <a:avLst/>
-          </a:prstGeom>
-          <a:noFill/>
-        </p:spPr>
-        <p:txBody>
-          <a:bodyPr wrap="none" rtlCol="0">
-            <a:spAutoFit/>
-          </a:bodyPr>
-          <a:lstStyle/>
-          <a:p>
-            <a:r>
-              <a:rPr lang="ko-KR" altLang="en-US" sz="1400" dirty="0" smtClean="0">
-                <a:gradFill>
-                  <a:gsLst>
-                    <a:gs pos="0">
-                      <a:prstClr val="black"/>
-                    </a:gs>
-                    <a:gs pos="50000">
-                      <a:prstClr val="black"/>
-                    </a:gs>
-                    <a:gs pos="100000">
-                      <a:prstClr val="black"/>
-                    </a:gs>
-                  </a:gsLst>
-                  <a:lin ang="5400000" scaled="0"/>
-                </a:gradFill>
-                <a:latin typeface="나눔바른펜" panose="020B0503000000000000" pitchFamily="50" charset="-127"/>
-                <a:ea typeface="나눔바른펜" panose="020B0503000000000000" pitchFamily="50" charset="-127"/>
-              </a:rPr>
-              <a:t>수정</a:t>
-            </a:r>
-            <a:endParaRPr lang="ko-KR" altLang="en-US" sz="1400" dirty="0">
-              <a:gradFill>
-                <a:gsLst>
-                  <a:gs pos="0">
-                    <a:prstClr val="black"/>
-                  </a:gs>
-                  <a:gs pos="50000">
-                    <a:prstClr val="black"/>
-                  </a:gs>
-                  <a:gs pos="100000">
-                    <a:prstClr val="black"/>
-                  </a:gs>
-                </a:gsLst>
-                <a:lin ang="5400000" scaled="0"/>
-              </a:gradFill>
-              <a:latin typeface="나눔바른펜" panose="020B0503000000000000" pitchFamily="50" charset="-127"/>
-              <a:ea typeface="나눔바른펜" panose="020B0503000000000000" pitchFamily="50" charset="-127"/>
-            </a:endParaRPr>
-          </a:p>
-        </p:txBody>
-      </p:sp>
-      <p:sp>
-        <p:nvSpPr>
-          <p:cNvPr id="55" name="TextBox 54"/>
-          <p:cNvSpPr txBox="1"/>
-          <p:nvPr/>
-        </p:nvSpPr>
-        <p:spPr>
-          <a:xfrm>
-            <a:off x="7262903" y="5403830"/>
-            <a:ext cx="473206" cy="307777"/>
-          </a:xfrm>
-          <a:prstGeom prst="rect">
-            <a:avLst/>
-          </a:prstGeom>
-          <a:noFill/>
-        </p:spPr>
-        <p:txBody>
-          <a:bodyPr wrap="none" rtlCol="0">
-            <a:spAutoFit/>
-          </a:bodyPr>
-          <a:lstStyle/>
-          <a:p>
-            <a:r>
-              <a:rPr lang="ko-KR" altLang="en-US" sz="1400" dirty="0" smtClean="0">
-                <a:gradFill>
-                  <a:gsLst>
-                    <a:gs pos="0">
-                      <a:prstClr val="black"/>
-                    </a:gs>
-                    <a:gs pos="50000">
-                      <a:prstClr val="black"/>
-                    </a:gs>
-                    <a:gs pos="100000">
-                      <a:prstClr val="black"/>
-                    </a:gs>
-                  </a:gsLst>
-                  <a:lin ang="5400000" scaled="0"/>
-                </a:gradFill>
-                <a:latin typeface="나눔바른펜" panose="020B0503000000000000" pitchFamily="50" charset="-127"/>
-                <a:ea typeface="나눔바른펜" panose="020B0503000000000000" pitchFamily="50" charset="-127"/>
-              </a:rPr>
-              <a:t>삭</a:t>
-            </a:r>
-            <a:r>
-              <a:rPr lang="ko-KR" altLang="en-US" sz="1400" dirty="0">
-                <a:gradFill>
-                  <a:gsLst>
-                    <a:gs pos="0">
-                      <a:prstClr val="black"/>
-                    </a:gs>
-                    <a:gs pos="50000">
-                      <a:prstClr val="black"/>
-                    </a:gs>
-                    <a:gs pos="100000">
-                      <a:prstClr val="black"/>
-                    </a:gs>
-                  </a:gsLst>
-                  <a:lin ang="5400000" scaled="0"/>
-                </a:gradFill>
-                <a:latin typeface="나눔바른펜" panose="020B0503000000000000" pitchFamily="50" charset="-127"/>
-                <a:ea typeface="나눔바른펜" panose="020B0503000000000000" pitchFamily="50" charset="-127"/>
-              </a:rPr>
-              <a:t>제</a:t>
-            </a:r>
-            <a:endParaRPr lang="ko-KR" altLang="en-US" sz="1400" dirty="0">
-              <a:gradFill>
-                <a:gsLst>
-                  <a:gs pos="0">
-                    <a:prstClr val="black"/>
-                  </a:gs>
-                  <a:gs pos="50000">
-                    <a:prstClr val="black"/>
-                  </a:gs>
-                  <a:gs pos="100000">
-                    <a:prstClr val="black"/>
-                  </a:gs>
-                </a:gsLst>
-                <a:lin ang="5400000" scaled="0"/>
-              </a:gradFill>
-              <a:latin typeface="나눔바른펜" panose="020B0503000000000000" pitchFamily="50" charset="-127"/>
-              <a:ea typeface="나눔바른펜" panose="020B0503000000000000" pitchFamily="50" charset="-127"/>
-            </a:endParaRPr>
-          </a:p>
-        </p:txBody>
-      </p:sp>
       <p:sp>
         <p:nvSpPr>
           <p:cNvPr id="44" name="직사각형 43"/>
@@ -7093,26 +5794,174 @@
       </p:sp>
       <p:sp>
         <p:nvSpPr>
-          <p:cNvPr id="43" name="오른쪽 화살표 42"/>
+          <p:cNvPr id="13" name="TextBox 12"/>
+          <p:cNvSpPr txBox="1"/>
+          <p:nvPr/>
+        </p:nvSpPr>
+        <p:spPr>
+          <a:xfrm>
+            <a:off x="3131840" y="6407750"/>
+            <a:ext cx="4176464" cy="261610"/>
+          </a:xfrm>
+          <a:prstGeom prst="rect">
+            <a:avLst/>
+          </a:prstGeom>
+          <a:noFill/>
+        </p:spPr>
+        <p:txBody>
+          <a:bodyPr wrap="square" rtlCol="0">
+            <a:spAutoFit/>
+          </a:bodyPr>
+          <a:lstStyle/>
+          <a:p>
+            <a:r>
+              <a:rPr lang="ko-KR" altLang="en-US" sz="1100" dirty="0" smtClean="0">
+                <a:gradFill>
+                  <a:gsLst>
+                    <a:gs pos="0">
+                      <a:schemeClr val="tx1"/>
+                    </a:gs>
+                    <a:gs pos="50000">
+                      <a:schemeClr val="tx1"/>
+                    </a:gs>
+                    <a:gs pos="99000">
+                      <a:schemeClr val="tx1"/>
+                    </a:gs>
+                  </a:gsLst>
+                  <a:lin ang="5400000" scaled="0"/>
+                </a:gradFill>
+                <a:latin typeface="나눔바른펜" panose="020B0503000000000000" pitchFamily="50" charset="-127"/>
+                <a:ea typeface="나눔바른펜" panose="020B0503000000000000" pitchFamily="50" charset="-127"/>
+              </a:rPr>
+              <a:t>영화 리스트는 게시판 형태로</a:t>
+            </a:r>
+            <a:r>
+              <a:rPr lang="en-US" altLang="ko-KR" sz="1100" dirty="0" smtClean="0">
+                <a:gradFill>
+                  <a:gsLst>
+                    <a:gs pos="0">
+                      <a:schemeClr val="tx1"/>
+                    </a:gs>
+                    <a:gs pos="50000">
+                      <a:schemeClr val="tx1"/>
+                    </a:gs>
+                    <a:gs pos="99000">
+                      <a:schemeClr val="tx1"/>
+                    </a:gs>
+                  </a:gsLst>
+                  <a:lin ang="5400000" scaled="0"/>
+                </a:gradFill>
+                <a:latin typeface="나눔바른펜" panose="020B0503000000000000" pitchFamily="50" charset="-127"/>
+                <a:ea typeface="나눔바른펜" panose="020B0503000000000000" pitchFamily="50" charset="-127"/>
+              </a:rPr>
+              <a:t>,  </a:t>
+            </a:r>
+            <a:r>
+              <a:rPr lang="ko-KR" altLang="en-US" sz="1100" dirty="0" smtClean="0">
+                <a:gradFill>
+                  <a:gsLst>
+                    <a:gs pos="0">
+                      <a:schemeClr val="tx1"/>
+                    </a:gs>
+                    <a:gs pos="50000">
+                      <a:schemeClr val="tx1"/>
+                    </a:gs>
+                    <a:gs pos="99000">
+                      <a:schemeClr val="tx1"/>
+                    </a:gs>
+                  </a:gsLst>
+                  <a:lin ang="5400000" scaled="0"/>
+                </a:gradFill>
+                <a:latin typeface="나눔바른펜" panose="020B0503000000000000" pitchFamily="50" charset="-127"/>
+                <a:ea typeface="나눔바른펜" panose="020B0503000000000000" pitchFamily="50" charset="-127"/>
+              </a:rPr>
+              <a:t>한 페이지에 </a:t>
+            </a:r>
+            <a:r>
+              <a:rPr lang="en-US" altLang="ko-KR" sz="1100" dirty="0" smtClean="0">
+                <a:gradFill>
+                  <a:gsLst>
+                    <a:gs pos="0">
+                      <a:schemeClr val="tx1"/>
+                    </a:gs>
+                    <a:gs pos="50000">
+                      <a:schemeClr val="tx1"/>
+                    </a:gs>
+                    <a:gs pos="99000">
+                      <a:schemeClr val="tx1"/>
+                    </a:gs>
+                  </a:gsLst>
+                  <a:lin ang="5400000" scaled="0"/>
+                </a:gradFill>
+                <a:latin typeface="나눔바른펜" panose="020B0503000000000000" pitchFamily="50" charset="-127"/>
+                <a:ea typeface="나눔바른펜" panose="020B0503000000000000" pitchFamily="50" charset="-127"/>
+              </a:rPr>
+              <a:t>10</a:t>
+            </a:r>
+            <a:r>
+              <a:rPr lang="ko-KR" altLang="en-US" sz="1100" dirty="0" smtClean="0">
+                <a:gradFill>
+                  <a:gsLst>
+                    <a:gs pos="0">
+                      <a:schemeClr val="tx1"/>
+                    </a:gs>
+                    <a:gs pos="50000">
+                      <a:schemeClr val="tx1"/>
+                    </a:gs>
+                    <a:gs pos="99000">
+                      <a:schemeClr val="tx1"/>
+                    </a:gs>
+                  </a:gsLst>
+                  <a:lin ang="5400000" scaled="0"/>
+                </a:gradFill>
+                <a:latin typeface="나눔바른펜" panose="020B0503000000000000" pitchFamily="50" charset="-127"/>
+                <a:ea typeface="나눔바른펜" panose="020B0503000000000000" pitchFamily="50" charset="-127"/>
+              </a:rPr>
+              <a:t>개 목록</a:t>
+            </a:r>
+            <a:endParaRPr lang="ko-KR" altLang="en-US" sz="1100" dirty="0">
+              <a:gradFill>
+                <a:gsLst>
+                  <a:gs pos="0">
+                    <a:schemeClr val="tx1"/>
+                  </a:gs>
+                  <a:gs pos="50000">
+                    <a:schemeClr val="tx1"/>
+                  </a:gs>
+                  <a:gs pos="99000">
+                    <a:schemeClr val="tx1"/>
+                  </a:gs>
+                </a:gsLst>
+                <a:lin ang="5400000" scaled="0"/>
+              </a:gradFill>
+              <a:latin typeface="나눔바른펜" panose="020B0503000000000000" pitchFamily="50" charset="-127"/>
+              <a:ea typeface="나눔바른펜" panose="020B0503000000000000" pitchFamily="50" charset="-127"/>
+            </a:endParaRPr>
+          </a:p>
+        </p:txBody>
+      </p:sp>
+      <p:sp>
+        <p:nvSpPr>
+          <p:cNvPr id="65" name="직사각형 64"/>
           <p:cNvSpPr/>
           <p:nvPr/>
         </p:nvSpPr>
         <p:spPr>
-          <a:xfrm rot="18354344">
-            <a:off x="1450740" y="2273830"/>
-            <a:ext cx="553888" cy="451793"/>
+          <a:xfrm>
+            <a:off x="6282408" y="2112097"/>
+            <a:ext cx="2448272" cy="296416"/>
           </a:xfrm>
-          <a:prstGeom prst="rightArrow">
+          <a:prstGeom prst="rect">
             <a:avLst/>
           </a:prstGeom>
-          <a:solidFill>
-            <a:schemeClr val="accent3">
-              <a:lumMod val="60000"/>
-              <a:lumOff val="40000"/>
-            </a:schemeClr>
-          </a:solidFill>
+          <a:noFill/>
           <a:ln>
-            <a:noFill/>
+            <a:solidFill>
+              <a:schemeClr val="accent3">
+                <a:lumMod val="40000"/>
+                <a:lumOff val="60000"/>
+              </a:schemeClr>
+            </a:solidFill>
           </a:ln>
         </p:spPr>
         <p:style>
@@ -7141,6 +5990,1072 @@
                 <a:prstClr val="white"/>
               </a:solidFill>
             </a:endParaRPr>
+          </a:p>
+        </p:txBody>
+      </p:sp>
+      <p:pic>
+        <p:nvPicPr>
+          <p:cNvPr id="66" name="Picture 2" descr="C:\Users\ss\AppData\Local\Microsoft\Windows\Temporary Internet Files\Content.IE5\F9YBAV4I\magnifying-glass-1976105_960_720[1].png"/>
+          <p:cNvPicPr>
+            <a:picLocks noChangeAspect="1" noChangeArrowheads="1"/>
+          </p:cNvPicPr>
+          <p:nvPr/>
+        </p:nvPicPr>
+        <p:blipFill>
+          <a:blip r:embed="rId2" cstate="print">
+            <a:extLst>
+              <a:ext uri="{28A0092B-C50C-407E-A947-70E740481C1C}">
+                <a14:useLocalDpi xmlns:a14="http://schemas.microsoft.com/office/drawing/2010/main" val="0"/>
+              </a:ext>
+            </a:extLst>
+          </a:blip>
+          <a:srcRect/>
+          <a:stretch>
+            <a:fillRect/>
+          </a:stretch>
+        </p:blipFill>
+        <p:spPr bwMode="auto">
+          <a:xfrm>
+            <a:off x="8474124" y="2160240"/>
+            <a:ext cx="188640" cy="188640"/>
+          </a:xfrm>
+          <a:prstGeom prst="rect">
+            <a:avLst/>
+          </a:prstGeom>
+          <a:noFill/>
+          <a:extLst>
+            <a:ext uri="{909E8E84-426E-40DD-AFC4-6F175D3DCCD1}">
+              <a14:hiddenFill xmlns:a14="http://schemas.microsoft.com/office/drawing/2010/main">
+                <a:solidFill>
+                  <a:srgbClr val="FFFFFF"/>
+                </a:solidFill>
+              </a14:hiddenFill>
+            </a:ext>
+          </a:extLst>
+        </p:spPr>
+      </p:pic>
+      <p:graphicFrame>
+        <p:nvGraphicFramePr>
+          <p:cNvPr id="18" name="표 17"/>
+          <p:cNvGraphicFramePr>
+            <a:graphicFrameLocks noGrp="1"/>
+          </p:cNvGraphicFramePr>
+          <p:nvPr>
+            <p:extLst>
+              <p:ext uri="{D42A27DB-BD31-4B8C-83A1-F6EECF244321}">
+                <p14:modId xmlns:p14="http://schemas.microsoft.com/office/powerpoint/2010/main" val="2184375594"/>
+              </p:ext>
+            </p:extLst>
+          </p:nvPr>
+        </p:nvGraphicFramePr>
+        <p:xfrm>
+          <a:off x="290117" y="4365104"/>
+          <a:ext cx="8563764" cy="1514519"/>
+        </p:xfrm>
+        <a:graphic>
+          <a:graphicData uri="http://schemas.openxmlformats.org/drawingml/2006/table">
+            <a:tbl>
+              <a:tblPr firstRow="1" bandRow="1">
+                <a:tableStyleId>{8799B23B-EC83-4686-B30A-512413B5E67A}</a:tableStyleId>
+              </a:tblPr>
+              <a:tblGrid>
+                <a:gridCol w="633597"/>
+                <a:gridCol w="633597"/>
+                <a:gridCol w="1632165"/>
+                <a:gridCol w="1132881"/>
+                <a:gridCol w="1132881"/>
+                <a:gridCol w="1132881"/>
+                <a:gridCol w="1132881"/>
+                <a:gridCol w="1132881"/>
+              </a:tblGrid>
+              <a:tr h="370840">
+                <a:tc>
+                  <a:txBody>
+                    <a:bodyPr/>
+                    <a:lstStyle/>
+                    <a:p>
+                      <a:pPr algn="ctr" latinLnBrk="1"/>
+                      <a:endParaRPr lang="ko-KR" altLang="en-US" sz="1050" dirty="0">
+                        <a:latin typeface="나눔바른펜" panose="020B0503000000000000" pitchFamily="50" charset="-127"/>
+                        <a:ea typeface="나눔바른펜" panose="020B0503000000000000" pitchFamily="50" charset="-127"/>
+                      </a:endParaRPr>
+                    </a:p>
+                  </a:txBody>
+                  <a:tcPr anchor="ctr"/>
+                </a:tc>
+                <a:tc>
+                  <a:txBody>
+                    <a:bodyPr/>
+                    <a:lstStyle/>
+                    <a:p>
+                      <a:pPr algn="ctr" latinLnBrk="1"/>
+                      <a:r>
+                        <a:rPr lang="ko-KR" altLang="en-US" sz="1050" dirty="0" smtClean="0">
+                          <a:gradFill>
+                            <a:gsLst>
+                              <a:gs pos="0">
+                                <a:schemeClr val="tx1"/>
+                              </a:gs>
+                              <a:gs pos="50000">
+                                <a:schemeClr val="tx1"/>
+                              </a:gs>
+                              <a:gs pos="99000">
+                                <a:schemeClr val="tx1"/>
+                              </a:gs>
+                            </a:gsLst>
+                            <a:lin ang="5400000" scaled="0"/>
+                          </a:gradFill>
+                          <a:latin typeface="나눔바른펜" panose="020B0503000000000000" pitchFamily="50" charset="-127"/>
+                          <a:ea typeface="나눔바른펜" panose="020B0503000000000000" pitchFamily="50" charset="-127"/>
+                        </a:rPr>
+                        <a:t>영화 </a:t>
+                      </a:r>
+                      <a:endParaRPr lang="en-US" altLang="ko-KR" sz="1050" dirty="0" smtClean="0">
+                        <a:gradFill>
+                          <a:gsLst>
+                            <a:gs pos="0">
+                              <a:schemeClr val="tx1"/>
+                            </a:gs>
+                            <a:gs pos="50000">
+                              <a:schemeClr val="tx1"/>
+                            </a:gs>
+                            <a:gs pos="99000">
+                              <a:schemeClr val="tx1"/>
+                            </a:gs>
+                          </a:gsLst>
+                          <a:lin ang="5400000" scaled="0"/>
+                        </a:gradFill>
+                        <a:latin typeface="나눔바른펜" panose="020B0503000000000000" pitchFamily="50" charset="-127"/>
+                        <a:ea typeface="나눔바른펜" panose="020B0503000000000000" pitchFamily="50" charset="-127"/>
+                      </a:endParaRPr>
+                    </a:p>
+                    <a:p>
+                      <a:pPr algn="ctr" latinLnBrk="1"/>
+                      <a:r>
+                        <a:rPr lang="ko-KR" altLang="en-US" sz="1050" dirty="0" smtClean="0">
+                          <a:gradFill>
+                            <a:gsLst>
+                              <a:gs pos="0">
+                                <a:schemeClr val="tx1"/>
+                              </a:gs>
+                              <a:gs pos="50000">
+                                <a:schemeClr val="tx1"/>
+                              </a:gs>
+                              <a:gs pos="99000">
+                                <a:schemeClr val="tx1"/>
+                              </a:gs>
+                            </a:gsLst>
+                            <a:lin ang="5400000" scaled="0"/>
+                          </a:gradFill>
+                          <a:latin typeface="나눔바른펜" panose="020B0503000000000000" pitchFamily="50" charset="-127"/>
+                          <a:ea typeface="나눔바른펜" panose="020B0503000000000000" pitchFamily="50" charset="-127"/>
+                        </a:rPr>
+                        <a:t>일련번호 </a:t>
+                      </a:r>
+                      <a:endParaRPr lang="ko-KR" altLang="en-US" sz="1050" dirty="0">
+                        <a:gradFill>
+                          <a:gsLst>
+                            <a:gs pos="0">
+                              <a:schemeClr val="tx1"/>
+                            </a:gs>
+                            <a:gs pos="50000">
+                              <a:schemeClr val="tx1"/>
+                            </a:gs>
+                            <a:gs pos="99000">
+                              <a:schemeClr val="tx1"/>
+                            </a:gs>
+                          </a:gsLst>
+                          <a:lin ang="5400000" scaled="0"/>
+                        </a:gradFill>
+                        <a:latin typeface="나눔바른펜" panose="020B0503000000000000" pitchFamily="50" charset="-127"/>
+                        <a:ea typeface="나눔바른펜" panose="020B0503000000000000" pitchFamily="50" charset="-127"/>
+                      </a:endParaRPr>
+                    </a:p>
+                  </a:txBody>
+                  <a:tcPr anchor="ctr"/>
+                </a:tc>
+                <a:tc>
+                  <a:txBody>
+                    <a:bodyPr/>
+                    <a:lstStyle/>
+                    <a:p>
+                      <a:pPr algn="ctr" latinLnBrk="1"/>
+                      <a:r>
+                        <a:rPr lang="ko-KR" altLang="en-US" sz="1050" dirty="0" smtClean="0">
+                          <a:latin typeface="나눔바른펜" panose="020B0503000000000000" pitchFamily="50" charset="-127"/>
+                          <a:ea typeface="나눔바른펜" panose="020B0503000000000000" pitchFamily="50" charset="-127"/>
+                        </a:rPr>
+                        <a:t>영화명</a:t>
+                      </a:r>
+                      <a:endParaRPr lang="ko-KR" altLang="en-US" sz="1050" dirty="0">
+                        <a:latin typeface="나눔바른펜" panose="020B0503000000000000" pitchFamily="50" charset="-127"/>
+                        <a:ea typeface="나눔바른펜" panose="020B0503000000000000" pitchFamily="50" charset="-127"/>
+                      </a:endParaRPr>
+                    </a:p>
+                  </a:txBody>
+                  <a:tcPr anchor="ctr"/>
+                </a:tc>
+                <a:tc>
+                  <a:txBody>
+                    <a:bodyPr/>
+                    <a:lstStyle/>
+                    <a:p>
+                      <a:pPr algn="ctr" latinLnBrk="1"/>
+                      <a:r>
+                        <a:rPr lang="ko-KR" altLang="en-US" sz="1050" dirty="0" smtClean="0">
+                          <a:latin typeface="나눔바른펜" panose="020B0503000000000000" pitchFamily="50" charset="-127"/>
+                          <a:ea typeface="나눔바른펜" panose="020B0503000000000000" pitchFamily="50" charset="-127"/>
+                        </a:rPr>
+                        <a:t>감독</a:t>
+                      </a:r>
+                      <a:endParaRPr lang="ko-KR" altLang="en-US" sz="1050" dirty="0">
+                        <a:latin typeface="나눔바른펜" panose="020B0503000000000000" pitchFamily="50" charset="-127"/>
+                        <a:ea typeface="나눔바른펜" panose="020B0503000000000000" pitchFamily="50" charset="-127"/>
+                      </a:endParaRPr>
+                    </a:p>
+                  </a:txBody>
+                  <a:tcPr anchor="ctr"/>
+                </a:tc>
+                <a:tc>
+                  <a:txBody>
+                    <a:bodyPr/>
+                    <a:lstStyle/>
+                    <a:p>
+                      <a:pPr algn="ctr" latinLnBrk="1"/>
+                      <a:r>
+                        <a:rPr lang="ko-KR" altLang="en-US" sz="1050" dirty="0" smtClean="0">
+                          <a:latin typeface="나눔바른펜" panose="020B0503000000000000" pitchFamily="50" charset="-127"/>
+                          <a:ea typeface="나눔바른펜" panose="020B0503000000000000" pitchFamily="50" charset="-127"/>
+                        </a:rPr>
+                        <a:t>장르</a:t>
+                      </a:r>
+                      <a:endParaRPr lang="ko-KR" altLang="en-US" sz="1050" dirty="0">
+                        <a:latin typeface="나눔바른펜" panose="020B0503000000000000" pitchFamily="50" charset="-127"/>
+                        <a:ea typeface="나눔바른펜" panose="020B0503000000000000" pitchFamily="50" charset="-127"/>
+                      </a:endParaRPr>
+                    </a:p>
+                  </a:txBody>
+                  <a:tcPr anchor="ctr"/>
+                </a:tc>
+                <a:tc>
+                  <a:txBody>
+                    <a:bodyPr/>
+                    <a:lstStyle/>
+                    <a:p>
+                      <a:pPr algn="ctr" latinLnBrk="1"/>
+                      <a:r>
+                        <a:rPr lang="ko-KR" altLang="en-US" sz="1050" dirty="0" smtClean="0">
+                          <a:latin typeface="나눔바른펜" panose="020B0503000000000000" pitchFamily="50" charset="-127"/>
+                          <a:ea typeface="나눔바른펜" panose="020B0503000000000000" pitchFamily="50" charset="-127"/>
+                        </a:rPr>
+                        <a:t>개봉일</a:t>
+                      </a:r>
+                      <a:endParaRPr lang="ko-KR" altLang="en-US" sz="1050" dirty="0">
+                        <a:latin typeface="나눔바른펜" panose="020B0503000000000000" pitchFamily="50" charset="-127"/>
+                        <a:ea typeface="나눔바른펜" panose="020B0503000000000000" pitchFamily="50" charset="-127"/>
+                      </a:endParaRPr>
+                    </a:p>
+                  </a:txBody>
+                  <a:tcPr anchor="ctr"/>
+                </a:tc>
+                <a:tc>
+                  <a:txBody>
+                    <a:bodyPr/>
+                    <a:lstStyle/>
+                    <a:p>
+                      <a:pPr algn="ctr" latinLnBrk="1"/>
+                      <a:r>
+                        <a:rPr lang="ko-KR" altLang="en-US" sz="1050" dirty="0" smtClean="0">
+                          <a:latin typeface="나눔바른펜" panose="020B0503000000000000" pitchFamily="50" charset="-127"/>
+                          <a:ea typeface="나눔바른펜" panose="020B0503000000000000" pitchFamily="50" charset="-127"/>
+                        </a:rPr>
+                        <a:t>상영종료일</a:t>
+                      </a:r>
+                      <a:endParaRPr lang="ko-KR" altLang="en-US" sz="1050" dirty="0">
+                        <a:latin typeface="나눔바른펜" panose="020B0503000000000000" pitchFamily="50" charset="-127"/>
+                        <a:ea typeface="나눔바른펜" panose="020B0503000000000000" pitchFamily="50" charset="-127"/>
+                      </a:endParaRPr>
+                    </a:p>
+                  </a:txBody>
+                  <a:tcPr anchor="ctr"/>
+                </a:tc>
+                <a:tc>
+                  <a:txBody>
+                    <a:bodyPr/>
+                    <a:lstStyle/>
+                    <a:p>
+                      <a:pPr algn="ctr" latinLnBrk="1"/>
+                      <a:r>
+                        <a:rPr lang="ko-KR" altLang="en-US" sz="1050" dirty="0" smtClean="0">
+                          <a:latin typeface="나눔바른펜" panose="020B0503000000000000" pitchFamily="50" charset="-127"/>
+                          <a:ea typeface="나눔바른펜" panose="020B0503000000000000" pitchFamily="50" charset="-127"/>
+                        </a:rPr>
+                        <a:t>노출여부</a:t>
+                      </a:r>
+                      <a:endParaRPr lang="ko-KR" altLang="en-US" sz="1050" dirty="0">
+                        <a:latin typeface="나눔바른펜" panose="020B0503000000000000" pitchFamily="50" charset="-127"/>
+                        <a:ea typeface="나눔바른펜" panose="020B0503000000000000" pitchFamily="50" charset="-127"/>
+                      </a:endParaRPr>
+                    </a:p>
+                  </a:txBody>
+                  <a:tcPr anchor="ctr"/>
+                </a:tc>
+              </a:tr>
+              <a:tr h="361359">
+                <a:tc>
+                  <a:txBody>
+                    <a:bodyPr/>
+                    <a:lstStyle/>
+                    <a:p>
+                      <a:pPr algn="ctr" latinLnBrk="1"/>
+                      <a:endParaRPr lang="ko-KR" altLang="en-US" sz="1050" dirty="0">
+                        <a:latin typeface="나눔바른펜" panose="020B0503000000000000" pitchFamily="50" charset="-127"/>
+                        <a:ea typeface="나눔바른펜" panose="020B0503000000000000" pitchFamily="50" charset="-127"/>
+                      </a:endParaRPr>
+                    </a:p>
+                  </a:txBody>
+                  <a:tcPr anchor="ctr"/>
+                </a:tc>
+                <a:tc>
+                  <a:txBody>
+                    <a:bodyPr/>
+                    <a:lstStyle/>
+                    <a:p>
+                      <a:pPr algn="ctr" latinLnBrk="1"/>
+                      <a:r>
+                        <a:rPr lang="en-US" altLang="ko-KR" sz="1050" dirty="0" smtClean="0">
+                          <a:latin typeface="나눔바른펜" panose="020B0503000000000000" pitchFamily="50" charset="-127"/>
+                          <a:ea typeface="나눔바른펜" panose="020B0503000000000000" pitchFamily="50" charset="-127"/>
+                        </a:rPr>
+                        <a:t>27</a:t>
+                      </a:r>
+                      <a:endParaRPr lang="ko-KR" altLang="en-US" sz="1050" dirty="0">
+                        <a:latin typeface="나눔바른펜" panose="020B0503000000000000" pitchFamily="50" charset="-127"/>
+                        <a:ea typeface="나눔바른펜" panose="020B0503000000000000" pitchFamily="50" charset="-127"/>
+                      </a:endParaRPr>
+                    </a:p>
+                  </a:txBody>
+                  <a:tcPr anchor="ctr"/>
+                </a:tc>
+                <a:tc>
+                  <a:txBody>
+                    <a:bodyPr/>
+                    <a:lstStyle/>
+                    <a:p>
+                      <a:pPr algn="ctr" latinLnBrk="1"/>
+                      <a:r>
+                        <a:rPr lang="ko-KR" altLang="en-US" sz="1050" dirty="0" smtClean="0">
+                          <a:latin typeface="나눔바른펜" panose="020B0503000000000000" pitchFamily="50" charset="-127"/>
+                          <a:ea typeface="나눔바른펜" panose="020B0503000000000000" pitchFamily="50" charset="-127"/>
+                        </a:rPr>
+                        <a:t>아쿠아맨</a:t>
+                      </a:r>
+                      <a:endParaRPr lang="ko-KR" altLang="en-US" sz="1050" dirty="0">
+                        <a:latin typeface="나눔바른펜" panose="020B0503000000000000" pitchFamily="50" charset="-127"/>
+                        <a:ea typeface="나눔바른펜" panose="020B0503000000000000" pitchFamily="50" charset="-127"/>
+                      </a:endParaRPr>
+                    </a:p>
+                  </a:txBody>
+                  <a:tcPr anchor="ctr"/>
+                </a:tc>
+                <a:tc>
+                  <a:txBody>
+                    <a:bodyPr/>
+                    <a:lstStyle/>
+                    <a:p>
+                      <a:pPr algn="ctr" latinLnBrk="1"/>
+                      <a:r>
+                        <a:rPr lang="ko-KR" altLang="en-US" sz="1050" dirty="0" smtClean="0">
+                          <a:latin typeface="나눔바른펜" panose="020B0503000000000000" pitchFamily="50" charset="-127"/>
+                          <a:ea typeface="나눔바른펜" panose="020B0503000000000000" pitchFamily="50" charset="-127"/>
+                        </a:rPr>
+                        <a:t>최나영</a:t>
+                      </a:r>
+                      <a:endParaRPr lang="ko-KR" altLang="en-US" sz="1050" dirty="0">
+                        <a:latin typeface="나눔바른펜" panose="020B0503000000000000" pitchFamily="50" charset="-127"/>
+                        <a:ea typeface="나눔바른펜" panose="020B0503000000000000" pitchFamily="50" charset="-127"/>
+                      </a:endParaRPr>
+                    </a:p>
+                  </a:txBody>
+                  <a:tcPr anchor="ctr"/>
+                </a:tc>
+                <a:tc>
+                  <a:txBody>
+                    <a:bodyPr/>
+                    <a:lstStyle/>
+                    <a:p>
+                      <a:pPr algn="ctr" latinLnBrk="1"/>
+                      <a:r>
+                        <a:rPr lang="ko-KR" altLang="en-US" sz="1050" dirty="0" smtClean="0">
+                          <a:latin typeface="나눔바른펜" panose="020B0503000000000000" pitchFamily="50" charset="-127"/>
+                          <a:ea typeface="나눔바른펜" panose="020B0503000000000000" pitchFamily="50" charset="-127"/>
+                        </a:rPr>
+                        <a:t>액션</a:t>
+                      </a:r>
+                      <a:r>
+                        <a:rPr lang="en-US" altLang="ko-KR" sz="1050" dirty="0" smtClean="0">
+                          <a:latin typeface="나눔바른펜" panose="020B0503000000000000" pitchFamily="50" charset="-127"/>
+                          <a:ea typeface="나눔바른펜" panose="020B0503000000000000" pitchFamily="50" charset="-127"/>
+                        </a:rPr>
+                        <a:t>, </a:t>
+                      </a:r>
+                      <a:r>
+                        <a:rPr lang="ko-KR" altLang="en-US" sz="1050" dirty="0" smtClean="0">
+                          <a:latin typeface="나눔바른펜" panose="020B0503000000000000" pitchFamily="50" charset="-127"/>
+                          <a:ea typeface="나눔바른펜" panose="020B0503000000000000" pitchFamily="50" charset="-127"/>
+                        </a:rPr>
+                        <a:t>스릴러</a:t>
+                      </a:r>
+                      <a:endParaRPr lang="ko-KR" altLang="en-US" sz="1050" dirty="0">
+                        <a:latin typeface="나눔바른펜" panose="020B0503000000000000" pitchFamily="50" charset="-127"/>
+                        <a:ea typeface="나눔바른펜" panose="020B0503000000000000" pitchFamily="50" charset="-127"/>
+                      </a:endParaRPr>
+                    </a:p>
+                  </a:txBody>
+                  <a:tcPr anchor="ctr"/>
+                </a:tc>
+                <a:tc>
+                  <a:txBody>
+                    <a:bodyPr/>
+                    <a:lstStyle/>
+                    <a:p>
+                      <a:pPr algn="ctr" latinLnBrk="1"/>
+                      <a:r>
+                        <a:rPr lang="en-US" altLang="ko-KR" sz="1050" dirty="0" smtClean="0">
+                          <a:latin typeface="나눔바른펜" panose="020B0503000000000000" pitchFamily="50" charset="-127"/>
+                          <a:ea typeface="나눔바른펜" panose="020B0503000000000000" pitchFamily="50" charset="-127"/>
+                        </a:rPr>
+                        <a:t>2019-01-03</a:t>
+                      </a:r>
+                    </a:p>
+                  </a:txBody>
+                  <a:tcPr anchor="ctr"/>
+                </a:tc>
+                <a:tc>
+                  <a:txBody>
+                    <a:bodyPr/>
+                    <a:lstStyle/>
+                    <a:p>
+                      <a:pPr algn="ctr" latinLnBrk="1"/>
+                      <a:r>
+                        <a:rPr lang="en-US" altLang="ko-KR" sz="1050" dirty="0" smtClean="0">
+                          <a:latin typeface="나눔바른펜" panose="020B0503000000000000" pitchFamily="50" charset="-127"/>
+                          <a:ea typeface="나눔바른펜" panose="020B0503000000000000" pitchFamily="50" charset="-127"/>
+                        </a:rPr>
+                        <a:t>2019-01-29</a:t>
+                      </a:r>
+                      <a:endParaRPr lang="ko-KR" altLang="en-US" sz="1050" dirty="0">
+                        <a:latin typeface="나눔바른펜" panose="020B0503000000000000" pitchFamily="50" charset="-127"/>
+                        <a:ea typeface="나눔바른펜" panose="020B0503000000000000" pitchFamily="50" charset="-127"/>
+                      </a:endParaRPr>
+                    </a:p>
+                  </a:txBody>
+                  <a:tcPr anchor="ctr"/>
+                </a:tc>
+                <a:tc>
+                  <a:txBody>
+                    <a:bodyPr/>
+                    <a:lstStyle/>
+                    <a:p>
+                      <a:pPr algn="ctr" latinLnBrk="1"/>
+                      <a:r>
+                        <a:rPr lang="en-US" altLang="ko-KR" sz="1050" dirty="0" smtClean="0">
+                          <a:latin typeface="나눔바른펜" panose="020B0503000000000000" pitchFamily="50" charset="-127"/>
+                          <a:ea typeface="나눔바른펜" panose="020B0503000000000000" pitchFamily="50" charset="-127"/>
+                        </a:rPr>
+                        <a:t>Y</a:t>
+                      </a:r>
+                      <a:endParaRPr lang="ko-KR" altLang="en-US" sz="1050" dirty="0">
+                        <a:latin typeface="나눔바른펜" panose="020B0503000000000000" pitchFamily="50" charset="-127"/>
+                        <a:ea typeface="나눔바른펜" panose="020B0503000000000000" pitchFamily="50" charset="-127"/>
+                      </a:endParaRPr>
+                    </a:p>
+                  </a:txBody>
+                  <a:tcPr anchor="ctr"/>
+                </a:tc>
+              </a:tr>
+              <a:tr h="370840">
+                <a:tc>
+                  <a:txBody>
+                    <a:bodyPr/>
+                    <a:lstStyle/>
+                    <a:p>
+                      <a:pPr algn="ctr" latinLnBrk="1"/>
+                      <a:endParaRPr lang="ko-KR" altLang="en-US" sz="1050" dirty="0">
+                        <a:latin typeface="나눔바른펜" panose="020B0503000000000000" pitchFamily="50" charset="-127"/>
+                        <a:ea typeface="나눔바른펜" panose="020B0503000000000000" pitchFamily="50" charset="-127"/>
+                      </a:endParaRPr>
+                    </a:p>
+                  </a:txBody>
+                  <a:tcPr anchor="ctr"/>
+                </a:tc>
+                <a:tc>
+                  <a:txBody>
+                    <a:bodyPr/>
+                    <a:lstStyle/>
+                    <a:p>
+                      <a:pPr algn="ctr" latinLnBrk="1"/>
+                      <a:r>
+                        <a:rPr lang="en-US" altLang="ko-KR" sz="1050" dirty="0" smtClean="0">
+                          <a:latin typeface="나눔바른펜" panose="020B0503000000000000" pitchFamily="50" charset="-127"/>
+                          <a:ea typeface="나눔바른펜" panose="020B0503000000000000" pitchFamily="50" charset="-127"/>
+                        </a:rPr>
+                        <a:t>20</a:t>
+                      </a:r>
+                      <a:endParaRPr lang="ko-KR" altLang="en-US" sz="1050" dirty="0">
+                        <a:latin typeface="나눔바른펜" panose="020B0503000000000000" pitchFamily="50" charset="-127"/>
+                        <a:ea typeface="나눔바른펜" panose="020B0503000000000000" pitchFamily="50" charset="-127"/>
+                      </a:endParaRPr>
+                    </a:p>
+                  </a:txBody>
+                  <a:tcPr anchor="ctr"/>
+                </a:tc>
+                <a:tc>
+                  <a:txBody>
+                    <a:bodyPr/>
+                    <a:lstStyle/>
+                    <a:p>
+                      <a:pPr algn="ctr" latinLnBrk="1"/>
+                      <a:r>
+                        <a:rPr lang="ko-KR" altLang="en-US" sz="1050" dirty="0" smtClean="0">
+                          <a:latin typeface="나눔바른펜" panose="020B0503000000000000" pitchFamily="50" charset="-127"/>
+                          <a:ea typeface="나눔바른펜" panose="020B0503000000000000" pitchFamily="50" charset="-127"/>
+                        </a:rPr>
+                        <a:t>마약왕</a:t>
+                      </a:r>
+                      <a:endParaRPr lang="ko-KR" altLang="en-US" sz="1050" dirty="0">
+                        <a:latin typeface="나눔바른펜" panose="020B0503000000000000" pitchFamily="50" charset="-127"/>
+                        <a:ea typeface="나눔바른펜" panose="020B0503000000000000" pitchFamily="50" charset="-127"/>
+                      </a:endParaRPr>
+                    </a:p>
+                  </a:txBody>
+                  <a:tcPr anchor="ctr"/>
+                </a:tc>
+                <a:tc>
+                  <a:txBody>
+                    <a:bodyPr/>
+                    <a:lstStyle/>
+                    <a:p>
+                      <a:pPr algn="ctr" latinLnBrk="1"/>
+                      <a:r>
+                        <a:rPr lang="ko-KR" altLang="en-US" sz="1050" dirty="0" smtClean="0">
+                          <a:latin typeface="나눔바른펜" panose="020B0503000000000000" pitchFamily="50" charset="-127"/>
+                          <a:ea typeface="나눔바른펜" panose="020B0503000000000000" pitchFamily="50" charset="-127"/>
+                        </a:rPr>
+                        <a:t>이아란</a:t>
+                      </a:r>
+                      <a:endParaRPr lang="ko-KR" altLang="en-US" sz="1050" dirty="0">
+                        <a:latin typeface="나눔바른펜" panose="020B0503000000000000" pitchFamily="50" charset="-127"/>
+                        <a:ea typeface="나눔바른펜" panose="020B0503000000000000" pitchFamily="50" charset="-127"/>
+                      </a:endParaRPr>
+                    </a:p>
+                  </a:txBody>
+                  <a:tcPr anchor="ctr"/>
+                </a:tc>
+                <a:tc>
+                  <a:txBody>
+                    <a:bodyPr/>
+                    <a:lstStyle/>
+                    <a:p>
+                      <a:pPr algn="ctr" latinLnBrk="1"/>
+                      <a:r>
+                        <a:rPr lang="ko-KR" altLang="en-US" sz="1050" dirty="0" smtClean="0">
+                          <a:latin typeface="나눔바른펜" panose="020B0503000000000000" pitchFamily="50" charset="-127"/>
+                          <a:ea typeface="나눔바른펜" panose="020B0503000000000000" pitchFamily="50" charset="-127"/>
+                        </a:rPr>
+                        <a:t>범죄</a:t>
+                      </a:r>
+                      <a:endParaRPr lang="ko-KR" altLang="en-US" sz="1050" dirty="0">
+                        <a:latin typeface="나눔바른펜" panose="020B0503000000000000" pitchFamily="50" charset="-127"/>
+                        <a:ea typeface="나눔바른펜" panose="020B0503000000000000" pitchFamily="50" charset="-127"/>
+                      </a:endParaRPr>
+                    </a:p>
+                  </a:txBody>
+                  <a:tcPr anchor="ctr"/>
+                </a:tc>
+                <a:tc>
+                  <a:txBody>
+                    <a:bodyPr/>
+                    <a:lstStyle/>
+                    <a:p>
+                      <a:pPr algn="ctr" latinLnBrk="1"/>
+                      <a:r>
+                        <a:rPr lang="en-US" altLang="ko-KR" sz="1050" dirty="0" smtClean="0">
+                          <a:latin typeface="나눔바른펜" panose="020B0503000000000000" pitchFamily="50" charset="-127"/>
+                          <a:ea typeface="나눔바른펜" panose="020B0503000000000000" pitchFamily="50" charset="-127"/>
+                        </a:rPr>
+                        <a:t>2019-01-02</a:t>
+                      </a:r>
+                      <a:endParaRPr lang="ko-KR" altLang="en-US" sz="1050" dirty="0">
+                        <a:latin typeface="나눔바른펜" panose="020B0503000000000000" pitchFamily="50" charset="-127"/>
+                        <a:ea typeface="나눔바른펜" panose="020B0503000000000000" pitchFamily="50" charset="-127"/>
+                      </a:endParaRPr>
+                    </a:p>
+                  </a:txBody>
+                  <a:tcPr anchor="ctr"/>
+                </a:tc>
+                <a:tc>
+                  <a:txBody>
+                    <a:bodyPr/>
+                    <a:lstStyle/>
+                    <a:p>
+                      <a:pPr algn="ctr" latinLnBrk="1"/>
+                      <a:r>
+                        <a:rPr lang="en-US" altLang="ko-KR" sz="1050" dirty="0" smtClean="0">
+                          <a:latin typeface="나눔바른펜" panose="020B0503000000000000" pitchFamily="50" charset="-127"/>
+                          <a:ea typeface="나눔바른펜" panose="020B0503000000000000" pitchFamily="50" charset="-127"/>
+                        </a:rPr>
+                        <a:t>2019-01-07</a:t>
+                      </a:r>
+                      <a:endParaRPr lang="ko-KR" altLang="en-US" sz="1050" dirty="0">
+                        <a:latin typeface="나눔바른펜" panose="020B0503000000000000" pitchFamily="50" charset="-127"/>
+                        <a:ea typeface="나눔바른펜" panose="020B0503000000000000" pitchFamily="50" charset="-127"/>
+                      </a:endParaRPr>
+                    </a:p>
+                  </a:txBody>
+                  <a:tcPr anchor="ctr"/>
+                </a:tc>
+                <a:tc>
+                  <a:txBody>
+                    <a:bodyPr/>
+                    <a:lstStyle/>
+                    <a:p>
+                      <a:pPr algn="ctr" latinLnBrk="1"/>
+                      <a:r>
+                        <a:rPr lang="en-US" altLang="ko-KR" sz="1050" dirty="0" smtClean="0">
+                          <a:latin typeface="나눔바른펜" panose="020B0503000000000000" pitchFamily="50" charset="-127"/>
+                          <a:ea typeface="나눔바른펜" panose="020B0503000000000000" pitchFamily="50" charset="-127"/>
+                        </a:rPr>
+                        <a:t>N</a:t>
+                      </a:r>
+                      <a:endParaRPr lang="ko-KR" altLang="en-US" sz="1050" dirty="0">
+                        <a:latin typeface="나눔바른펜" panose="020B0503000000000000" pitchFamily="50" charset="-127"/>
+                        <a:ea typeface="나눔바른펜" panose="020B0503000000000000" pitchFamily="50" charset="-127"/>
+                      </a:endParaRPr>
+                    </a:p>
+                  </a:txBody>
+                  <a:tcPr anchor="ctr"/>
+                </a:tc>
+              </a:tr>
+              <a:tr h="370840">
+                <a:tc>
+                  <a:txBody>
+                    <a:bodyPr/>
+                    <a:lstStyle/>
+                    <a:p>
+                      <a:pPr algn="ctr" latinLnBrk="1"/>
+                      <a:endParaRPr lang="ko-KR" altLang="en-US" sz="1050" dirty="0">
+                        <a:latin typeface="나눔바른펜" panose="020B0503000000000000" pitchFamily="50" charset="-127"/>
+                        <a:ea typeface="나눔바른펜" panose="020B0503000000000000" pitchFamily="50" charset="-127"/>
+                      </a:endParaRPr>
+                    </a:p>
+                  </a:txBody>
+                  <a:tcPr anchor="ctr"/>
+                </a:tc>
+                <a:tc>
+                  <a:txBody>
+                    <a:bodyPr/>
+                    <a:lstStyle/>
+                    <a:p>
+                      <a:pPr algn="ctr" latinLnBrk="1"/>
+                      <a:r>
+                        <a:rPr lang="en-US" altLang="ko-KR" sz="1050" dirty="0" smtClean="0">
+                          <a:latin typeface="나눔바른펜" panose="020B0503000000000000" pitchFamily="50" charset="-127"/>
+                          <a:ea typeface="나눔바른펜" panose="020B0503000000000000" pitchFamily="50" charset="-127"/>
+                        </a:rPr>
+                        <a:t>10</a:t>
+                      </a:r>
+                      <a:endParaRPr lang="ko-KR" altLang="en-US" sz="1050" dirty="0">
+                        <a:latin typeface="나눔바른펜" panose="020B0503000000000000" pitchFamily="50" charset="-127"/>
+                        <a:ea typeface="나눔바른펜" panose="020B0503000000000000" pitchFamily="50" charset="-127"/>
+                      </a:endParaRPr>
+                    </a:p>
+                  </a:txBody>
+                  <a:tcPr anchor="ctr"/>
+                </a:tc>
+                <a:tc>
+                  <a:txBody>
+                    <a:bodyPr/>
+                    <a:lstStyle/>
+                    <a:p>
+                      <a:pPr algn="ctr" latinLnBrk="1"/>
+                      <a:r>
+                        <a:rPr lang="ko-KR" altLang="en-US" sz="1050" dirty="0" smtClean="0">
+                          <a:latin typeface="나눔바른펜" panose="020B0503000000000000" pitchFamily="50" charset="-127"/>
+                          <a:ea typeface="나눔바른펜" panose="020B0503000000000000" pitchFamily="50" charset="-127"/>
+                        </a:rPr>
+                        <a:t>주먹왕 랄프</a:t>
+                      </a:r>
+                      <a:endParaRPr lang="ko-KR" altLang="en-US" sz="1050" dirty="0">
+                        <a:latin typeface="나눔바른펜" panose="020B0503000000000000" pitchFamily="50" charset="-127"/>
+                        <a:ea typeface="나눔바른펜" panose="020B0503000000000000" pitchFamily="50" charset="-127"/>
+                      </a:endParaRPr>
+                    </a:p>
+                  </a:txBody>
+                  <a:tcPr anchor="ctr"/>
+                </a:tc>
+                <a:tc>
+                  <a:txBody>
+                    <a:bodyPr/>
+                    <a:lstStyle/>
+                    <a:p>
+                      <a:pPr algn="ctr" latinLnBrk="1"/>
+                      <a:r>
+                        <a:rPr lang="ko-KR" altLang="en-US" sz="1050" dirty="0" smtClean="0">
+                          <a:latin typeface="나눔바른펜" panose="020B0503000000000000" pitchFamily="50" charset="-127"/>
+                          <a:ea typeface="나눔바른펜" panose="020B0503000000000000" pitchFamily="50" charset="-127"/>
+                        </a:rPr>
+                        <a:t>이상윤</a:t>
+                      </a:r>
+                      <a:endParaRPr lang="ko-KR" altLang="en-US" sz="1050" dirty="0">
+                        <a:latin typeface="나눔바른펜" panose="020B0503000000000000" pitchFamily="50" charset="-127"/>
+                        <a:ea typeface="나눔바른펜" panose="020B0503000000000000" pitchFamily="50" charset="-127"/>
+                      </a:endParaRPr>
+                    </a:p>
+                  </a:txBody>
+                  <a:tcPr anchor="ctr"/>
+                </a:tc>
+                <a:tc>
+                  <a:txBody>
+                    <a:bodyPr/>
+                    <a:lstStyle/>
+                    <a:p>
+                      <a:pPr algn="ctr" latinLnBrk="1"/>
+                      <a:r>
+                        <a:rPr lang="ko-KR" altLang="en-US" sz="1050" dirty="0" smtClean="0">
+                          <a:latin typeface="나눔바른펜" panose="020B0503000000000000" pitchFamily="50" charset="-127"/>
+                          <a:ea typeface="나눔바른펜" panose="020B0503000000000000" pitchFamily="50" charset="-127"/>
+                        </a:rPr>
+                        <a:t>어린이</a:t>
+                      </a:r>
+                      <a:endParaRPr lang="ko-KR" altLang="en-US" sz="1050" dirty="0">
+                        <a:latin typeface="나눔바른펜" panose="020B0503000000000000" pitchFamily="50" charset="-127"/>
+                        <a:ea typeface="나눔바른펜" panose="020B0503000000000000" pitchFamily="50" charset="-127"/>
+                      </a:endParaRPr>
+                    </a:p>
+                  </a:txBody>
+                  <a:tcPr anchor="ctr"/>
+                </a:tc>
+                <a:tc>
+                  <a:txBody>
+                    <a:bodyPr/>
+                    <a:lstStyle/>
+                    <a:p>
+                      <a:pPr algn="ctr" latinLnBrk="1"/>
+                      <a:r>
+                        <a:rPr lang="en-US" altLang="ko-KR" sz="1050" dirty="0" smtClean="0">
+                          <a:latin typeface="나눔바른펜" panose="020B0503000000000000" pitchFamily="50" charset="-127"/>
+                          <a:ea typeface="나눔바른펜" panose="020B0503000000000000" pitchFamily="50" charset="-127"/>
+                        </a:rPr>
+                        <a:t>2018-12-01</a:t>
+                      </a:r>
+                      <a:endParaRPr lang="ko-KR" altLang="en-US" sz="1050" dirty="0">
+                        <a:latin typeface="나눔바른펜" panose="020B0503000000000000" pitchFamily="50" charset="-127"/>
+                        <a:ea typeface="나눔바른펜" panose="020B0503000000000000" pitchFamily="50" charset="-127"/>
+                      </a:endParaRPr>
+                    </a:p>
+                  </a:txBody>
+                  <a:tcPr anchor="ctr"/>
+                </a:tc>
+                <a:tc>
+                  <a:txBody>
+                    <a:bodyPr/>
+                    <a:lstStyle/>
+                    <a:p>
+                      <a:pPr algn="ctr" latinLnBrk="1"/>
+                      <a:r>
+                        <a:rPr lang="en-US" altLang="ko-KR" sz="1050" dirty="0" smtClean="0">
+                          <a:latin typeface="나눔바른펜" panose="020B0503000000000000" pitchFamily="50" charset="-127"/>
+                          <a:ea typeface="나눔바른펜" panose="020B0503000000000000" pitchFamily="50" charset="-127"/>
+                        </a:rPr>
+                        <a:t>2018-01-05</a:t>
+                      </a:r>
+                      <a:endParaRPr lang="ko-KR" altLang="en-US" sz="1050" dirty="0">
+                        <a:latin typeface="나눔바른펜" panose="020B0503000000000000" pitchFamily="50" charset="-127"/>
+                        <a:ea typeface="나눔바른펜" panose="020B0503000000000000" pitchFamily="50" charset="-127"/>
+                      </a:endParaRPr>
+                    </a:p>
+                  </a:txBody>
+                  <a:tcPr anchor="ctr"/>
+                </a:tc>
+                <a:tc>
+                  <a:txBody>
+                    <a:bodyPr/>
+                    <a:lstStyle/>
+                    <a:p>
+                      <a:pPr algn="ctr" latinLnBrk="1"/>
+                      <a:r>
+                        <a:rPr lang="en-US" altLang="ko-KR" sz="1050" dirty="0" smtClean="0">
+                          <a:latin typeface="나눔바른펜" panose="020B0503000000000000" pitchFamily="50" charset="-127"/>
+                          <a:ea typeface="나눔바른펜" panose="020B0503000000000000" pitchFamily="50" charset="-127"/>
+                        </a:rPr>
+                        <a:t>N</a:t>
+                      </a:r>
+                      <a:endParaRPr lang="ko-KR" altLang="en-US" sz="1050" dirty="0">
+                        <a:latin typeface="나눔바른펜" panose="020B0503000000000000" pitchFamily="50" charset="-127"/>
+                        <a:ea typeface="나눔바른펜" panose="020B0503000000000000" pitchFamily="50" charset="-127"/>
+                      </a:endParaRPr>
+                    </a:p>
+                  </a:txBody>
+                  <a:tcPr anchor="ctr"/>
+                </a:tc>
+              </a:tr>
+            </a:tbl>
+          </a:graphicData>
+        </a:graphic>
+      </p:graphicFrame>
+      <p:sp>
+        <p:nvSpPr>
+          <p:cNvPr id="19" name="TextBox 18"/>
+          <p:cNvSpPr txBox="1"/>
+          <p:nvPr/>
+        </p:nvSpPr>
+        <p:spPr>
+          <a:xfrm>
+            <a:off x="4402474" y="5939988"/>
+            <a:ext cx="479618" cy="276999"/>
+          </a:xfrm>
+          <a:prstGeom prst="rect">
+            <a:avLst/>
+          </a:prstGeom>
+          <a:noFill/>
+        </p:spPr>
+        <p:txBody>
+          <a:bodyPr wrap="none" rtlCol="0">
+            <a:spAutoFit/>
+          </a:bodyPr>
+          <a:lstStyle/>
+          <a:p>
+            <a:r>
+              <a:rPr lang="en-US" altLang="ko-KR" sz="1200" dirty="0" smtClean="0">
+                <a:gradFill>
+                  <a:gsLst>
+                    <a:gs pos="0">
+                      <a:schemeClr val="tx1"/>
+                    </a:gs>
+                    <a:gs pos="50000">
+                      <a:schemeClr val="tx1"/>
+                    </a:gs>
+                    <a:gs pos="99000">
+                      <a:schemeClr val="tx1"/>
+                    </a:gs>
+                  </a:gsLst>
+                  <a:lin ang="5400000" scaled="0"/>
+                </a:gradFill>
+                <a:latin typeface="나눔바른펜" panose="020B0503000000000000" pitchFamily="50" charset="-127"/>
+                <a:ea typeface="나눔바른펜" panose="020B0503000000000000" pitchFamily="50" charset="-127"/>
+              </a:rPr>
+              <a:t>1|2|3</a:t>
+            </a:r>
+            <a:endParaRPr lang="ko-KR" altLang="en-US" sz="1200" dirty="0">
+              <a:gradFill>
+                <a:gsLst>
+                  <a:gs pos="0">
+                    <a:schemeClr val="tx1"/>
+                  </a:gs>
+                  <a:gs pos="50000">
+                    <a:schemeClr val="tx1"/>
+                  </a:gs>
+                  <a:gs pos="99000">
+                    <a:schemeClr val="tx1"/>
+                  </a:gs>
+                </a:gsLst>
+                <a:lin ang="5400000" scaled="0"/>
+              </a:gradFill>
+              <a:latin typeface="나눔바른펜" panose="020B0503000000000000" pitchFamily="50" charset="-127"/>
+              <a:ea typeface="나눔바른펜" panose="020B0503000000000000" pitchFamily="50" charset="-127"/>
+            </a:endParaRPr>
+          </a:p>
+        </p:txBody>
+      </p:sp>
+      <p:sp>
+        <p:nvSpPr>
+          <p:cNvPr id="67" name="직사각형 66"/>
+          <p:cNvSpPr/>
+          <p:nvPr/>
+        </p:nvSpPr>
+        <p:spPr>
+          <a:xfrm>
+            <a:off x="472244" y="2564904"/>
+            <a:ext cx="8199512" cy="1452535"/>
+          </a:xfrm>
+          <a:prstGeom prst="rect">
+            <a:avLst/>
+          </a:prstGeom>
+          <a:noFill/>
+          <a:ln>
+            <a:solidFill>
+              <a:schemeClr val="accent3">
+                <a:lumMod val="40000"/>
+                <a:lumOff val="60000"/>
+              </a:schemeClr>
+            </a:solidFill>
+          </a:ln>
+        </p:spPr>
+        <p:style>
+          <a:lnRef idx="2">
+            <a:schemeClr val="accent1">
+              <a:shade val="50000"/>
+            </a:schemeClr>
+          </a:lnRef>
+          <a:fillRef idx="1">
+            <a:schemeClr val="accent1"/>
+          </a:fillRef>
+          <a:effectRef idx="0">
+            <a:schemeClr val="accent1"/>
+          </a:effectRef>
+          <a:fontRef idx="minor">
+            <a:schemeClr val="lt1"/>
+          </a:fontRef>
+        </p:style>
+        <p:txBody>
+          <a:bodyPr rtlCol="0" anchor="ctr"/>
+          <a:lstStyle/>
+          <a:p>
+            <a:pPr algn="ctr"/>
+            <a:endParaRPr lang="ko-KR" altLang="en-US" dirty="0">
+              <a:solidFill>
+                <a:prstClr val="white"/>
+              </a:solidFill>
+            </a:endParaRPr>
+          </a:p>
+        </p:txBody>
+      </p:sp>
+      <p:sp>
+        <p:nvSpPr>
+          <p:cNvPr id="68" name="직사각형 67"/>
+          <p:cNvSpPr/>
+          <p:nvPr/>
+        </p:nvSpPr>
+        <p:spPr>
+          <a:xfrm>
+            <a:off x="562112" y="4914281"/>
+            <a:ext cx="72000" cy="72000"/>
+          </a:xfrm>
+          <a:prstGeom prst="rect">
+            <a:avLst/>
+          </a:prstGeom>
+          <a:noFill/>
+          <a:ln w="12700">
+            <a:solidFill>
+              <a:schemeClr val="tx1"/>
+            </a:solidFill>
+          </a:ln>
+        </p:spPr>
+        <p:style>
+          <a:lnRef idx="2">
+            <a:schemeClr val="accent1">
+              <a:shade val="50000"/>
+            </a:schemeClr>
+          </a:lnRef>
+          <a:fillRef idx="1">
+            <a:schemeClr val="accent1"/>
+          </a:fillRef>
+          <a:effectRef idx="0">
+            <a:schemeClr val="accent1"/>
+          </a:effectRef>
+          <a:fontRef idx="minor">
+            <a:schemeClr val="lt1"/>
+          </a:fontRef>
+        </p:style>
+        <p:txBody>
+          <a:bodyPr rtlCol="0" anchor="ctr"/>
+          <a:lstStyle/>
+          <a:p>
+            <a:pPr algn="ctr"/>
+            <a:endParaRPr lang="ko-KR" altLang="en-US"/>
+          </a:p>
+        </p:txBody>
+      </p:sp>
+      <p:sp>
+        <p:nvSpPr>
+          <p:cNvPr id="69" name="직사각형 68"/>
+          <p:cNvSpPr/>
+          <p:nvPr/>
+        </p:nvSpPr>
+        <p:spPr>
+          <a:xfrm>
+            <a:off x="562112" y="5292243"/>
+            <a:ext cx="72000" cy="72000"/>
+          </a:xfrm>
+          <a:prstGeom prst="rect">
+            <a:avLst/>
+          </a:prstGeom>
+          <a:noFill/>
+          <a:ln w="12700">
+            <a:solidFill>
+              <a:schemeClr val="tx1"/>
+            </a:solidFill>
+          </a:ln>
+        </p:spPr>
+        <p:style>
+          <a:lnRef idx="2">
+            <a:schemeClr val="accent1">
+              <a:shade val="50000"/>
+            </a:schemeClr>
+          </a:lnRef>
+          <a:fillRef idx="1">
+            <a:schemeClr val="accent1"/>
+          </a:fillRef>
+          <a:effectRef idx="0">
+            <a:schemeClr val="accent1"/>
+          </a:effectRef>
+          <a:fontRef idx="minor">
+            <a:schemeClr val="lt1"/>
+          </a:fontRef>
+        </p:style>
+        <p:txBody>
+          <a:bodyPr rtlCol="0" anchor="ctr"/>
+          <a:lstStyle/>
+          <a:p>
+            <a:pPr algn="ctr"/>
+            <a:endParaRPr lang="ko-KR" altLang="en-US"/>
+          </a:p>
+        </p:txBody>
+      </p:sp>
+      <p:sp>
+        <p:nvSpPr>
+          <p:cNvPr id="70" name="직사각형 69"/>
+          <p:cNvSpPr/>
+          <p:nvPr/>
+        </p:nvSpPr>
+        <p:spPr>
+          <a:xfrm>
+            <a:off x="562112" y="5661248"/>
+            <a:ext cx="72000" cy="72000"/>
+          </a:xfrm>
+          <a:prstGeom prst="rect">
+            <a:avLst/>
+          </a:prstGeom>
+          <a:noFill/>
+          <a:ln w="12700">
+            <a:solidFill>
+              <a:schemeClr val="tx1"/>
+            </a:solidFill>
+          </a:ln>
+        </p:spPr>
+        <p:style>
+          <a:lnRef idx="2">
+            <a:schemeClr val="accent1">
+              <a:shade val="50000"/>
+            </a:schemeClr>
+          </a:lnRef>
+          <a:fillRef idx="1">
+            <a:schemeClr val="accent1"/>
+          </a:fillRef>
+          <a:effectRef idx="0">
+            <a:schemeClr val="accent1"/>
+          </a:effectRef>
+          <a:fontRef idx="minor">
+            <a:schemeClr val="lt1"/>
+          </a:fontRef>
+        </p:style>
+        <p:txBody>
+          <a:bodyPr rtlCol="0" anchor="ctr"/>
+          <a:lstStyle/>
+          <a:p>
+            <a:pPr algn="ctr"/>
+            <a:endParaRPr lang="ko-KR" altLang="en-US"/>
           </a:p>
         </p:txBody>
       </p:sp>
@@ -7266,13 +7181,6 @@
               </a:rPr>
               <a:t>로고</a:t>
             </a:r>
-            <a:endParaRPr lang="ko-KR" altLang="en-US" sz="4400" b="1" dirty="0">
-              <a:solidFill>
-                <a:prstClr val="black"/>
-              </a:solidFill>
-              <a:latin typeface="나눔바른펜" panose="020B0503000000000000" pitchFamily="50" charset="-127"/>
-              <a:ea typeface="나눔바른펜" panose="020B0503000000000000" pitchFamily="50" charset="-127"/>
-            </a:endParaRPr>
           </a:p>
         </p:txBody>
       </p:sp>
@@ -8025,7 +7933,7 @@
         </p:nvSpPr>
         <p:spPr>
           <a:xfrm>
-            <a:off x="701518" y="3344218"/>
+            <a:off x="701518" y="3209743"/>
             <a:ext cx="1978296" cy="2448272"/>
           </a:xfrm>
           <a:prstGeom prst="rect">
@@ -8078,7 +7986,7 @@
         </p:nvSpPr>
         <p:spPr>
           <a:xfrm>
-            <a:off x="971600" y="4138937"/>
+            <a:off x="971600" y="4004462"/>
             <a:ext cx="1512168" cy="923330"/>
           </a:xfrm>
           <a:prstGeom prst="rect">
@@ -8272,7 +8180,7 @@
         </p:nvSpPr>
         <p:spPr>
           <a:xfrm>
-            <a:off x="3131840" y="2924944"/>
+            <a:off x="3131840" y="2771963"/>
             <a:ext cx="3024336" cy="3970318"/>
           </a:xfrm>
           <a:prstGeom prst="rect">
@@ -9191,7 +9099,7 @@
         </p:nvSpPr>
         <p:spPr>
           <a:xfrm>
-            <a:off x="885121" y="5959152"/>
+            <a:off x="885121" y="5824677"/>
             <a:ext cx="648072" cy="288032"/>
           </a:xfrm>
           <a:prstGeom prst="rect">
@@ -9244,7 +9152,7 @@
         </p:nvSpPr>
         <p:spPr>
           <a:xfrm>
-            <a:off x="994887" y="5949280"/>
+            <a:off x="994887" y="5814805"/>
             <a:ext cx="460382" cy="307777"/>
           </a:xfrm>
           <a:prstGeom prst="rect">
@@ -9300,24 +9208,6 @@
               </a:rPr>
               <a:t>록</a:t>
             </a:r>
-            <a:endParaRPr lang="ko-KR" altLang="en-US" sz="1400" dirty="0">
-              <a:gradFill>
-                <a:gsLst>
-                  <a:gs pos="0">
-                    <a:prstClr val="black"/>
-                  </a:gs>
-                  <a:gs pos="50000">
-                    <a:prstClr val="black"/>
-                  </a:gs>
-                  <a:gs pos="100000">
-                    <a:prstClr val="black"/>
-                  </a:gs>
-                </a:gsLst>
-                <a:lin ang="5400000" scaled="0"/>
-              </a:gradFill>
-              <a:latin typeface="나눔바른펜" panose="020B0503000000000000" pitchFamily="50" charset="-127"/>
-              <a:ea typeface="나눔바른펜" panose="020B0503000000000000" pitchFamily="50" charset="-127"/>
-            </a:endParaRPr>
           </a:p>
         </p:txBody>
       </p:sp>
@@ -9329,7 +9219,7 @@
         </p:nvSpPr>
         <p:spPr>
           <a:xfrm>
-            <a:off x="1620847" y="5958570"/>
+            <a:off x="1620847" y="5824095"/>
             <a:ext cx="648072" cy="288032"/>
           </a:xfrm>
           <a:prstGeom prst="rect">
@@ -9382,7 +9272,7 @@
         </p:nvSpPr>
         <p:spPr>
           <a:xfrm>
-            <a:off x="1730613" y="5957663"/>
+            <a:off x="1730613" y="5823188"/>
             <a:ext cx="457176" cy="307777"/>
           </a:xfrm>
           <a:prstGeom prst="rect">
@@ -9438,24 +9328,6 @@
               </a:rPr>
               <a:t>소</a:t>
             </a:r>
-            <a:endParaRPr lang="ko-KR" altLang="en-US" sz="1400" dirty="0">
-              <a:gradFill>
-                <a:gsLst>
-                  <a:gs pos="0">
-                    <a:prstClr val="black"/>
-                  </a:gs>
-                  <a:gs pos="50000">
-                    <a:prstClr val="black"/>
-                  </a:gs>
-                  <a:gs pos="100000">
-                    <a:prstClr val="black"/>
-                  </a:gs>
-                </a:gsLst>
-                <a:lin ang="5400000" scaled="0"/>
-              </a:gradFill>
-              <a:latin typeface="나눔바른펜" panose="020B0503000000000000" pitchFamily="50" charset="-127"/>
-              <a:ea typeface="나눔바른펜" panose="020B0503000000000000" pitchFamily="50" charset="-127"/>
-            </a:endParaRPr>
           </a:p>
         </p:txBody>
       </p:sp>
@@ -9467,7 +9339,7 @@
         </p:nvSpPr>
         <p:spPr>
           <a:xfrm>
-            <a:off x="3995936" y="2924944"/>
+            <a:off x="3995936" y="2790469"/>
             <a:ext cx="1258782" cy="225703"/>
           </a:xfrm>
           <a:prstGeom prst="rect">
@@ -9621,7 +9493,7 @@
         </p:nvSpPr>
         <p:spPr>
           <a:xfrm>
-            <a:off x="3995936" y="3195046"/>
+            <a:off x="3995936" y="3060571"/>
             <a:ext cx="1258782" cy="225703"/>
           </a:xfrm>
           <a:prstGeom prst="rect">
@@ -9775,7 +9647,7 @@
         </p:nvSpPr>
         <p:spPr>
           <a:xfrm>
-            <a:off x="3995936" y="3465148"/>
+            <a:off x="3995936" y="3330673"/>
             <a:ext cx="1258782" cy="225703"/>
           </a:xfrm>
           <a:prstGeom prst="rect">
@@ -9929,7 +9801,7 @@
         </p:nvSpPr>
         <p:spPr>
           <a:xfrm>
-            <a:off x="4094839" y="3738372"/>
+            <a:off x="4094839" y="3603321"/>
             <a:ext cx="4095298" cy="230832"/>
           </a:xfrm>
           <a:prstGeom prst="rect">
@@ -10245,7 +10117,7 @@
         </p:nvSpPr>
         <p:spPr>
           <a:xfrm>
-            <a:off x="7425307" y="3725997"/>
+            <a:off x="7425307" y="3591522"/>
             <a:ext cx="476991" cy="225703"/>
           </a:xfrm>
           <a:prstGeom prst="rect">
@@ -10399,7 +10271,7 @@
         </p:nvSpPr>
         <p:spPr>
           <a:xfrm>
-            <a:off x="4067944" y="3806978"/>
+            <a:off x="4067944" y="3672503"/>
             <a:ext cx="72000" cy="72000"/>
           </a:xfrm>
           <a:prstGeom prst="rect">
@@ -10445,7 +10317,7 @@
         </p:nvSpPr>
         <p:spPr>
           <a:xfrm>
-            <a:off x="4500000" y="3806978"/>
+            <a:off x="4500000" y="3672503"/>
             <a:ext cx="72000" cy="72000"/>
           </a:xfrm>
           <a:prstGeom prst="rect">
@@ -10491,7 +10363,7 @@
         </p:nvSpPr>
         <p:spPr>
           <a:xfrm>
-            <a:off x="4986118" y="3806978"/>
+            <a:off x="4986118" y="3672503"/>
             <a:ext cx="72000" cy="72000"/>
           </a:xfrm>
           <a:prstGeom prst="rect">
@@ -10537,7 +10409,7 @@
         </p:nvSpPr>
         <p:spPr>
           <a:xfrm>
-            <a:off x="5418174" y="3806978"/>
+            <a:off x="5418174" y="3672503"/>
             <a:ext cx="72000" cy="72000"/>
           </a:xfrm>
           <a:prstGeom prst="rect">
@@ -10583,7 +10455,7 @@
         </p:nvSpPr>
         <p:spPr>
           <a:xfrm>
-            <a:off x="5831996" y="3806970"/>
+            <a:off x="5831996" y="3672495"/>
             <a:ext cx="72000" cy="72000"/>
           </a:xfrm>
           <a:prstGeom prst="rect">
@@ -10629,7 +10501,7 @@
         </p:nvSpPr>
         <p:spPr>
           <a:xfrm>
-            <a:off x="6264052" y="3806970"/>
+            <a:off x="6264052" y="3672495"/>
             <a:ext cx="72000" cy="72000"/>
           </a:xfrm>
           <a:prstGeom prst="rect">
@@ -10675,7 +10547,7 @@
         </p:nvSpPr>
         <p:spPr>
           <a:xfrm>
-            <a:off x="6750170" y="3806970"/>
+            <a:off x="6750170" y="3672495"/>
             <a:ext cx="72000" cy="72000"/>
           </a:xfrm>
           <a:prstGeom prst="rect">
@@ -10721,7 +10593,7 @@
         </p:nvSpPr>
         <p:spPr>
           <a:xfrm>
-            <a:off x="7110506" y="3806970"/>
+            <a:off x="7110506" y="3672495"/>
             <a:ext cx="72000" cy="72000"/>
           </a:xfrm>
           <a:prstGeom prst="rect">
@@ -10767,7 +10639,7 @@
         </p:nvSpPr>
         <p:spPr>
           <a:xfrm>
-            <a:off x="3995936" y="4005064"/>
+            <a:off x="3995936" y="3870589"/>
             <a:ext cx="1258782" cy="225703"/>
           </a:xfrm>
           <a:prstGeom prst="rect">
@@ -10921,7 +10793,7 @@
         </p:nvSpPr>
         <p:spPr>
           <a:xfrm>
-            <a:off x="3995936" y="4292382"/>
+            <a:off x="3995936" y="4157907"/>
             <a:ext cx="1258782" cy="225703"/>
           </a:xfrm>
           <a:prstGeom prst="rect">
@@ -11075,7 +10947,7 @@
         </p:nvSpPr>
         <p:spPr>
           <a:xfrm>
-            <a:off x="4103804" y="4572163"/>
+            <a:off x="4103804" y="4437688"/>
             <a:ext cx="1618292" cy="230832"/>
           </a:xfrm>
           <a:prstGeom prst="rect">
@@ -11139,7 +11011,7 @@
         </p:nvSpPr>
         <p:spPr>
           <a:xfrm>
-            <a:off x="4067944" y="4653144"/>
+            <a:off x="4067944" y="4518669"/>
             <a:ext cx="72000" cy="72000"/>
           </a:xfrm>
           <a:prstGeom prst="rect">
@@ -11185,7 +11057,7 @@
         </p:nvSpPr>
         <p:spPr>
           <a:xfrm>
-            <a:off x="4419315" y="4653136"/>
+            <a:off x="4419315" y="4518661"/>
             <a:ext cx="72000" cy="72000"/>
           </a:xfrm>
           <a:prstGeom prst="rect">
@@ -11231,7 +11103,7 @@
         </p:nvSpPr>
         <p:spPr>
           <a:xfrm>
-            <a:off x="4779067" y="4653136"/>
+            <a:off x="4779067" y="4518661"/>
             <a:ext cx="72000" cy="72000"/>
           </a:xfrm>
           <a:prstGeom prst="rect">
@@ -11277,7 +11149,7 @@
         </p:nvSpPr>
         <p:spPr>
           <a:xfrm>
-            <a:off x="5273870" y="4653136"/>
+            <a:off x="5273870" y="4518661"/>
             <a:ext cx="72000" cy="72000"/>
           </a:xfrm>
           <a:prstGeom prst="rect">
@@ -11323,7 +11195,7 @@
         </p:nvSpPr>
         <p:spPr>
           <a:xfrm>
-            <a:off x="3995936" y="4853919"/>
+            <a:off x="3995936" y="4719444"/>
             <a:ext cx="1258782" cy="225703"/>
           </a:xfrm>
           <a:prstGeom prst="rect">
@@ -11477,7 +11349,7 @@
         </p:nvSpPr>
         <p:spPr>
           <a:xfrm>
-            <a:off x="3995936" y="5147513"/>
+            <a:off x="3995936" y="5013038"/>
             <a:ext cx="1258782" cy="225703"/>
           </a:xfrm>
           <a:prstGeom prst="rect">
@@ -11631,7 +11503,7 @@
         </p:nvSpPr>
         <p:spPr>
           <a:xfrm>
-            <a:off x="3995936" y="5435545"/>
+            <a:off x="3995936" y="5301070"/>
             <a:ext cx="1258782" cy="225703"/>
           </a:xfrm>
           <a:prstGeom prst="rect">
@@ -11785,7 +11657,7 @@
         </p:nvSpPr>
         <p:spPr>
           <a:xfrm>
-            <a:off x="5372765" y="4853919"/>
+            <a:off x="5372765" y="4719444"/>
             <a:ext cx="486126" cy="225703"/>
           </a:xfrm>
           <a:prstGeom prst="roundRect">
@@ -11872,7 +11744,7 @@
         </p:nvSpPr>
         <p:spPr>
           <a:xfrm>
-            <a:off x="5382018" y="5147513"/>
+            <a:off x="5382018" y="5013038"/>
             <a:ext cx="486126" cy="225703"/>
           </a:xfrm>
           <a:prstGeom prst="roundRect">
@@ -11959,7 +11831,7 @@
         </p:nvSpPr>
         <p:spPr>
           <a:xfrm>
-            <a:off x="5373053" y="5447553"/>
+            <a:off x="5373053" y="5313078"/>
             <a:ext cx="297578" cy="225894"/>
           </a:xfrm>
           <a:prstGeom prst="roundRect">
@@ -12011,7 +11883,7 @@
         </p:nvSpPr>
         <p:spPr>
           <a:xfrm>
-            <a:off x="5500481" y="5485119"/>
+            <a:off x="5500481" y="5350644"/>
             <a:ext cx="45719" cy="144016"/>
           </a:xfrm>
           <a:prstGeom prst="rect">
@@ -12057,7 +11929,7 @@
         </p:nvSpPr>
         <p:spPr>
           <a:xfrm rot="16200000">
-            <a:off x="5503175" y="5485119"/>
+            <a:off x="5503175" y="5350644"/>
             <a:ext cx="45719" cy="144016"/>
           </a:xfrm>
           <a:prstGeom prst="rect">
@@ -12103,7 +11975,7 @@
         </p:nvSpPr>
         <p:spPr>
           <a:xfrm>
-            <a:off x="3995936" y="5723577"/>
+            <a:off x="3995936" y="5589102"/>
             <a:ext cx="1258782" cy="585743"/>
           </a:xfrm>
           <a:prstGeom prst="rect">
@@ -12257,7 +12129,7 @@
         </p:nvSpPr>
         <p:spPr>
           <a:xfrm>
-            <a:off x="3995936" y="6359450"/>
+            <a:off x="3995936" y="6224975"/>
             <a:ext cx="1258782" cy="225703"/>
           </a:xfrm>
           <a:prstGeom prst="rect">
@@ -12411,7 +12283,7 @@
         </p:nvSpPr>
         <p:spPr>
           <a:xfrm>
-            <a:off x="5373053" y="6371458"/>
+            <a:off x="5373053" y="6236983"/>
             <a:ext cx="297578" cy="225894"/>
           </a:xfrm>
           <a:prstGeom prst="roundRect">
@@ -12463,7 +12335,7 @@
         </p:nvSpPr>
         <p:spPr>
           <a:xfrm rot="16200000">
-            <a:off x="5503175" y="6409024"/>
+            <a:off x="5503175" y="6274549"/>
             <a:ext cx="45719" cy="144016"/>
           </a:xfrm>
           <a:prstGeom prst="rect">
@@ -12509,7 +12381,7 @@
         </p:nvSpPr>
         <p:spPr>
           <a:xfrm>
-            <a:off x="5503174" y="6409024"/>
+            <a:off x="5503174" y="6274549"/>
             <a:ext cx="45719" cy="144016"/>
           </a:xfrm>
           <a:prstGeom prst="rect">

--- a/plan/영화-관리자.pptx
+++ b/plan/영화-관리자.pptx
@@ -195,7 +195,7 @@
           <a:p>
             <a:fld id="{2B434E3C-E6B0-4BB3-BD7B-E46684830242}" type="datetimeFigureOut">
               <a:rPr lang="ko-KR" altLang="en-US" smtClean="0"/>
-              <a:t>2019-01-08</a:t>
+              <a:t>2019-01-09</a:t>
             </a:fld>
             <a:endParaRPr lang="ko-KR" altLang="en-US"/>
           </a:p>
@@ -728,7 +728,7 @@
           <a:p>
             <a:fld id="{C32C52B6-6A42-4CFC-A148-9FF22F029E8E}" type="datetimeFigureOut">
               <a:rPr lang="ko-KR" altLang="en-US" smtClean="0"/>
-              <a:t>2019-01-08</a:t>
+              <a:t>2019-01-09</a:t>
             </a:fld>
             <a:endParaRPr lang="ko-KR" altLang="en-US"/>
           </a:p>
@@ -898,7 +898,7 @@
           <a:p>
             <a:fld id="{C32C52B6-6A42-4CFC-A148-9FF22F029E8E}" type="datetimeFigureOut">
               <a:rPr lang="ko-KR" altLang="en-US" smtClean="0"/>
-              <a:t>2019-01-08</a:t>
+              <a:t>2019-01-09</a:t>
             </a:fld>
             <a:endParaRPr lang="ko-KR" altLang="en-US"/>
           </a:p>
@@ -1078,7 +1078,7 @@
           <a:p>
             <a:fld id="{C32C52B6-6A42-4CFC-A148-9FF22F029E8E}" type="datetimeFigureOut">
               <a:rPr lang="ko-KR" altLang="en-US" smtClean="0"/>
-              <a:t>2019-01-08</a:t>
+              <a:t>2019-01-09</a:t>
             </a:fld>
             <a:endParaRPr lang="ko-KR" altLang="en-US"/>
           </a:p>
@@ -1248,7 +1248,7 @@
           <a:p>
             <a:fld id="{C32C52B6-6A42-4CFC-A148-9FF22F029E8E}" type="datetimeFigureOut">
               <a:rPr lang="ko-KR" altLang="en-US" smtClean="0"/>
-              <a:t>2019-01-08</a:t>
+              <a:t>2019-01-09</a:t>
             </a:fld>
             <a:endParaRPr lang="ko-KR" altLang="en-US"/>
           </a:p>
@@ -1494,7 +1494,7 @@
           <a:p>
             <a:fld id="{C32C52B6-6A42-4CFC-A148-9FF22F029E8E}" type="datetimeFigureOut">
               <a:rPr lang="ko-KR" altLang="en-US" smtClean="0"/>
-              <a:t>2019-01-08</a:t>
+              <a:t>2019-01-09</a:t>
             </a:fld>
             <a:endParaRPr lang="ko-KR" altLang="en-US"/>
           </a:p>
@@ -1782,7 +1782,7 @@
           <a:p>
             <a:fld id="{C32C52B6-6A42-4CFC-A148-9FF22F029E8E}" type="datetimeFigureOut">
               <a:rPr lang="ko-KR" altLang="en-US" smtClean="0"/>
-              <a:t>2019-01-08</a:t>
+              <a:t>2019-01-09</a:t>
             </a:fld>
             <a:endParaRPr lang="ko-KR" altLang="en-US"/>
           </a:p>
@@ -2204,7 +2204,7 @@
           <a:p>
             <a:fld id="{C32C52B6-6A42-4CFC-A148-9FF22F029E8E}" type="datetimeFigureOut">
               <a:rPr lang="ko-KR" altLang="en-US" smtClean="0"/>
-              <a:t>2019-01-08</a:t>
+              <a:t>2019-01-09</a:t>
             </a:fld>
             <a:endParaRPr lang="ko-KR" altLang="en-US"/>
           </a:p>
@@ -2322,7 +2322,7 @@
           <a:p>
             <a:fld id="{C32C52B6-6A42-4CFC-A148-9FF22F029E8E}" type="datetimeFigureOut">
               <a:rPr lang="ko-KR" altLang="en-US" smtClean="0"/>
-              <a:t>2019-01-08</a:t>
+              <a:t>2019-01-09</a:t>
             </a:fld>
             <a:endParaRPr lang="ko-KR" altLang="en-US"/>
           </a:p>
@@ -2417,7 +2417,7 @@
           <a:p>
             <a:fld id="{C32C52B6-6A42-4CFC-A148-9FF22F029E8E}" type="datetimeFigureOut">
               <a:rPr lang="ko-KR" altLang="en-US" smtClean="0"/>
-              <a:t>2019-01-08</a:t>
+              <a:t>2019-01-09</a:t>
             </a:fld>
             <a:endParaRPr lang="ko-KR" altLang="en-US"/>
           </a:p>
@@ -2694,7 +2694,7 @@
           <a:p>
             <a:fld id="{C32C52B6-6A42-4CFC-A148-9FF22F029E8E}" type="datetimeFigureOut">
               <a:rPr lang="ko-KR" altLang="en-US" smtClean="0"/>
-              <a:t>2019-01-08</a:t>
+              <a:t>2019-01-09</a:t>
             </a:fld>
             <a:endParaRPr lang="ko-KR" altLang="en-US"/>
           </a:p>
@@ -2947,7 +2947,7 @@
           <a:p>
             <a:fld id="{C32C52B6-6A42-4CFC-A148-9FF22F029E8E}" type="datetimeFigureOut">
               <a:rPr lang="ko-KR" altLang="en-US" smtClean="0"/>
-              <a:t>2019-01-08</a:t>
+              <a:t>2019-01-09</a:t>
             </a:fld>
             <a:endParaRPr lang="ko-KR" altLang="en-US"/>
           </a:p>
@@ -3160,7 +3160,7 @@
           <a:p>
             <a:fld id="{C32C52B6-6A42-4CFC-A148-9FF22F029E8E}" type="datetimeFigureOut">
               <a:rPr lang="ko-KR" altLang="en-US" smtClean="0"/>
-              <a:t>2019-01-08</a:t>
+              <a:t>2019-01-09</a:t>
             </a:fld>
             <a:endParaRPr lang="ko-KR" altLang="en-US"/>
           </a:p>
@@ -5948,7 +5948,7 @@
         </p:nvSpPr>
         <p:spPr>
           <a:xfrm>
-            <a:off x="6282408" y="2112097"/>
+            <a:off x="5292080" y="2700265"/>
             <a:ext cx="2448272" cy="296416"/>
           </a:xfrm>
           <a:prstGeom prst="rect">
@@ -6016,7 +6016,7 @@
         </p:blipFill>
         <p:spPr bwMode="auto">
           <a:xfrm>
-            <a:off x="8474124" y="2160240"/>
+            <a:off x="7483796" y="2754153"/>
             <a:ext cx="188640" cy="188640"/>
           </a:xfrm>
           <a:prstGeom prst="rect">
@@ -7059,6 +7059,1294 @@
           </a:p>
         </p:txBody>
       </p:sp>
+      <p:sp>
+        <p:nvSpPr>
+          <p:cNvPr id="5" name="TextBox 4"/>
+          <p:cNvSpPr txBox="1"/>
+          <p:nvPr/>
+        </p:nvSpPr>
+        <p:spPr>
+          <a:xfrm>
+            <a:off x="778326" y="2663807"/>
+            <a:ext cx="715260" cy="369332"/>
+          </a:xfrm>
+          <a:prstGeom prst="rect">
+            <a:avLst/>
+          </a:prstGeom>
+          <a:noFill/>
+        </p:spPr>
+        <p:txBody>
+          <a:bodyPr wrap="none" rtlCol="0">
+            <a:spAutoFit/>
+          </a:bodyPr>
+          <a:lstStyle/>
+          <a:p>
+            <a:r>
+              <a:rPr lang="ko-KR" altLang="en-US" dirty="0" smtClean="0">
+                <a:gradFill>
+                  <a:gsLst>
+                    <a:gs pos="0">
+                      <a:schemeClr val="tx1"/>
+                    </a:gs>
+                    <a:gs pos="50000">
+                      <a:schemeClr val="tx1"/>
+                    </a:gs>
+                    <a:gs pos="100000">
+                      <a:schemeClr val="tx1"/>
+                    </a:gs>
+                  </a:gsLst>
+                  <a:lin ang="5400000" scaled="0"/>
+                </a:gradFill>
+                <a:latin typeface="나눔바른펜" panose="020B0503000000000000" pitchFamily="50" charset="-127"/>
+                <a:ea typeface="나눔바른펜" panose="020B0503000000000000" pitchFamily="50" charset="-127"/>
+              </a:rPr>
+              <a:t>영화명</a:t>
+            </a:r>
+            <a:endParaRPr lang="en-US" altLang="ko-KR" dirty="0" smtClean="0">
+              <a:gradFill>
+                <a:gsLst>
+                  <a:gs pos="0">
+                    <a:schemeClr val="tx1"/>
+                  </a:gs>
+                  <a:gs pos="50000">
+                    <a:schemeClr val="tx1"/>
+                  </a:gs>
+                  <a:gs pos="100000">
+                    <a:schemeClr val="tx1"/>
+                  </a:gs>
+                </a:gsLst>
+                <a:lin ang="5400000" scaled="0"/>
+              </a:gradFill>
+              <a:latin typeface="나눔바른펜" panose="020B0503000000000000" pitchFamily="50" charset="-127"/>
+              <a:ea typeface="나눔바른펜" panose="020B0503000000000000" pitchFamily="50" charset="-127"/>
+            </a:endParaRPr>
+          </a:p>
+        </p:txBody>
+      </p:sp>
+      <p:sp>
+        <p:nvSpPr>
+          <p:cNvPr id="28" name="TextBox 27"/>
+          <p:cNvSpPr txBox="1"/>
+          <p:nvPr/>
+        </p:nvSpPr>
+        <p:spPr>
+          <a:xfrm>
+            <a:off x="4601119" y="2663807"/>
+            <a:ext cx="546945" cy="369332"/>
+          </a:xfrm>
+          <a:prstGeom prst="rect">
+            <a:avLst/>
+          </a:prstGeom>
+          <a:noFill/>
+        </p:spPr>
+        <p:txBody>
+          <a:bodyPr wrap="none" rtlCol="0">
+            <a:spAutoFit/>
+          </a:bodyPr>
+          <a:lstStyle/>
+          <a:p>
+            <a:r>
+              <a:rPr lang="ko-KR" altLang="en-US" dirty="0" smtClean="0">
+                <a:gradFill>
+                  <a:gsLst>
+                    <a:gs pos="0">
+                      <a:schemeClr val="tx1"/>
+                    </a:gs>
+                    <a:gs pos="50000">
+                      <a:schemeClr val="tx1"/>
+                    </a:gs>
+                    <a:gs pos="100000">
+                      <a:schemeClr val="tx1"/>
+                    </a:gs>
+                  </a:gsLst>
+                  <a:lin ang="5400000" scaled="0"/>
+                </a:gradFill>
+                <a:latin typeface="나눔바른펜" panose="020B0503000000000000" pitchFamily="50" charset="-127"/>
+                <a:ea typeface="나눔바른펜" panose="020B0503000000000000" pitchFamily="50" charset="-127"/>
+              </a:rPr>
+              <a:t>감독</a:t>
+            </a:r>
+            <a:endParaRPr lang="en-US" altLang="ko-KR" dirty="0" smtClean="0">
+              <a:gradFill>
+                <a:gsLst>
+                  <a:gs pos="0">
+                    <a:schemeClr val="tx1"/>
+                  </a:gs>
+                  <a:gs pos="50000">
+                    <a:schemeClr val="tx1"/>
+                  </a:gs>
+                  <a:gs pos="100000">
+                    <a:schemeClr val="tx1"/>
+                  </a:gs>
+                </a:gsLst>
+                <a:lin ang="5400000" scaled="0"/>
+              </a:gradFill>
+              <a:latin typeface="나눔바른펜" panose="020B0503000000000000" pitchFamily="50" charset="-127"/>
+              <a:ea typeface="나눔바른펜" panose="020B0503000000000000" pitchFamily="50" charset="-127"/>
+            </a:endParaRPr>
+          </a:p>
+        </p:txBody>
+      </p:sp>
+      <p:sp>
+        <p:nvSpPr>
+          <p:cNvPr id="29" name="직사각형 28"/>
+          <p:cNvSpPr/>
+          <p:nvPr/>
+        </p:nvSpPr>
+        <p:spPr>
+          <a:xfrm>
+            <a:off x="1727684" y="2700265"/>
+            <a:ext cx="2448272" cy="296416"/>
+          </a:xfrm>
+          <a:prstGeom prst="rect">
+            <a:avLst/>
+          </a:prstGeom>
+          <a:noFill/>
+          <a:ln>
+            <a:solidFill>
+              <a:schemeClr val="accent3">
+                <a:lumMod val="40000"/>
+                <a:lumOff val="60000"/>
+              </a:schemeClr>
+            </a:solidFill>
+          </a:ln>
+        </p:spPr>
+        <p:style>
+          <a:lnRef idx="2">
+            <a:schemeClr val="accent1">
+              <a:shade val="50000"/>
+            </a:schemeClr>
+          </a:lnRef>
+          <a:fillRef idx="1">
+            <a:schemeClr val="accent1"/>
+          </a:fillRef>
+          <a:effectRef idx="0">
+            <a:schemeClr val="accent1"/>
+          </a:effectRef>
+          <a:fontRef idx="minor">
+            <a:schemeClr val="lt1"/>
+          </a:fontRef>
+        </p:style>
+        <p:txBody>
+          <a:bodyPr rtlCol="0" anchor="ctr"/>
+          <a:lstStyle/>
+          <a:p>
+            <a:pPr algn="ctr"/>
+            <a:endParaRPr lang="ko-KR" altLang="en-US" dirty="0">
+              <a:solidFill>
+                <a:prstClr val="white"/>
+              </a:solidFill>
+            </a:endParaRPr>
+          </a:p>
+        </p:txBody>
+      </p:sp>
+      <p:pic>
+        <p:nvPicPr>
+          <p:cNvPr id="30" name="Picture 2" descr="C:\Users\ss\AppData\Local\Microsoft\Windows\Temporary Internet Files\Content.IE5\F9YBAV4I\magnifying-glass-1976105_960_720[1].png"/>
+          <p:cNvPicPr>
+            <a:picLocks noChangeAspect="1" noChangeArrowheads="1"/>
+          </p:cNvPicPr>
+          <p:nvPr/>
+        </p:nvPicPr>
+        <p:blipFill>
+          <a:blip r:embed="rId2" cstate="print">
+            <a:extLst>
+              <a:ext uri="{28A0092B-C50C-407E-A947-70E740481C1C}">
+                <a14:useLocalDpi xmlns:a14="http://schemas.microsoft.com/office/drawing/2010/main" val="0"/>
+              </a:ext>
+            </a:extLst>
+          </a:blip>
+          <a:srcRect/>
+          <a:stretch>
+            <a:fillRect/>
+          </a:stretch>
+        </p:blipFill>
+        <p:spPr bwMode="auto">
+          <a:xfrm>
+            <a:off x="3919400" y="2754153"/>
+            <a:ext cx="188640" cy="188640"/>
+          </a:xfrm>
+          <a:prstGeom prst="rect">
+            <a:avLst/>
+          </a:prstGeom>
+          <a:noFill/>
+          <a:extLst>
+            <a:ext uri="{909E8E84-426E-40DD-AFC4-6F175D3DCCD1}">
+              <a14:hiddenFill xmlns:a14="http://schemas.microsoft.com/office/drawing/2010/main">
+                <a:solidFill>
+                  <a:srgbClr val="FFFFFF"/>
+                </a:solidFill>
+              </a14:hiddenFill>
+            </a:ext>
+          </a:extLst>
+        </p:spPr>
+      </p:pic>
+      <p:pic>
+        <p:nvPicPr>
+          <p:cNvPr id="33" name="Picture 2" descr="C:\Users\ss\AppData\Local\Microsoft\Windows\Temporary Internet Files\Content.IE5\F9YBAV4I\magnifying-glass-1976105_960_720[1].png"/>
+          <p:cNvPicPr>
+            <a:picLocks noChangeAspect="1" noChangeArrowheads="1"/>
+          </p:cNvPicPr>
+          <p:nvPr/>
+        </p:nvPicPr>
+        <p:blipFill>
+          <a:blip r:embed="rId2" cstate="print">
+            <a:extLst>
+              <a:ext uri="{28A0092B-C50C-407E-A947-70E740481C1C}">
+                <a14:useLocalDpi xmlns:a14="http://schemas.microsoft.com/office/drawing/2010/main" val="0"/>
+              </a:ext>
+            </a:extLst>
+          </a:blip>
+          <a:srcRect/>
+          <a:stretch>
+            <a:fillRect/>
+          </a:stretch>
+        </p:blipFill>
+        <p:spPr bwMode="auto">
+          <a:xfrm>
+            <a:off x="3919544" y="3158898"/>
+            <a:ext cx="188640" cy="188640"/>
+          </a:xfrm>
+          <a:prstGeom prst="rect">
+            <a:avLst/>
+          </a:prstGeom>
+          <a:noFill/>
+          <a:extLst>
+            <a:ext uri="{909E8E84-426E-40DD-AFC4-6F175D3DCCD1}">
+              <a14:hiddenFill xmlns:a14="http://schemas.microsoft.com/office/drawing/2010/main">
+                <a:solidFill>
+                  <a:srgbClr val="FFFFFF"/>
+                </a:solidFill>
+              </a14:hiddenFill>
+            </a:ext>
+          </a:extLst>
+        </p:spPr>
+      </p:pic>
+      <p:sp>
+        <p:nvSpPr>
+          <p:cNvPr id="34" name="직사각형 33"/>
+          <p:cNvSpPr/>
+          <p:nvPr/>
+        </p:nvSpPr>
+        <p:spPr>
+          <a:xfrm>
+            <a:off x="5292368" y="3105418"/>
+            <a:ext cx="2448272" cy="296416"/>
+          </a:xfrm>
+          <a:prstGeom prst="rect">
+            <a:avLst/>
+          </a:prstGeom>
+          <a:noFill/>
+          <a:ln>
+            <a:solidFill>
+              <a:schemeClr val="accent3">
+                <a:lumMod val="40000"/>
+                <a:lumOff val="60000"/>
+              </a:schemeClr>
+            </a:solidFill>
+          </a:ln>
+        </p:spPr>
+        <p:style>
+          <a:lnRef idx="2">
+            <a:schemeClr val="accent1">
+              <a:shade val="50000"/>
+            </a:schemeClr>
+          </a:lnRef>
+          <a:fillRef idx="1">
+            <a:schemeClr val="accent1"/>
+          </a:fillRef>
+          <a:effectRef idx="0">
+            <a:schemeClr val="accent1"/>
+          </a:effectRef>
+          <a:fontRef idx="minor">
+            <a:schemeClr val="lt1"/>
+          </a:fontRef>
+        </p:style>
+        <p:txBody>
+          <a:bodyPr rtlCol="0" anchor="ctr"/>
+          <a:lstStyle/>
+          <a:p>
+            <a:pPr algn="ctr"/>
+            <a:endParaRPr lang="ko-KR" altLang="en-US" dirty="0">
+              <a:solidFill>
+                <a:prstClr val="white"/>
+              </a:solidFill>
+            </a:endParaRPr>
+          </a:p>
+        </p:txBody>
+      </p:sp>
+      <p:pic>
+        <p:nvPicPr>
+          <p:cNvPr id="35" name="Picture 2" descr="C:\Users\ss\AppData\Local\Microsoft\Windows\Temporary Internet Files\Content.IE5\F9YBAV4I\magnifying-glass-1976105_960_720[1].png"/>
+          <p:cNvPicPr>
+            <a:picLocks noChangeAspect="1" noChangeArrowheads="1"/>
+          </p:cNvPicPr>
+          <p:nvPr/>
+        </p:nvPicPr>
+        <p:blipFill>
+          <a:blip r:embed="rId2" cstate="print">
+            <a:extLst>
+              <a:ext uri="{28A0092B-C50C-407E-A947-70E740481C1C}">
+                <a14:useLocalDpi xmlns:a14="http://schemas.microsoft.com/office/drawing/2010/main" val="0"/>
+              </a:ext>
+            </a:extLst>
+          </a:blip>
+          <a:srcRect/>
+          <a:stretch>
+            <a:fillRect/>
+          </a:stretch>
+        </p:blipFill>
+        <p:spPr bwMode="auto">
+          <a:xfrm>
+            <a:off x="7484084" y="3159306"/>
+            <a:ext cx="188640" cy="188640"/>
+          </a:xfrm>
+          <a:prstGeom prst="rect">
+            <a:avLst/>
+          </a:prstGeom>
+          <a:noFill/>
+          <a:extLst>
+            <a:ext uri="{909E8E84-426E-40DD-AFC4-6F175D3DCCD1}">
+              <a14:hiddenFill xmlns:a14="http://schemas.microsoft.com/office/drawing/2010/main">
+                <a:solidFill>
+                  <a:srgbClr val="FFFFFF"/>
+                </a:solidFill>
+              </a14:hiddenFill>
+            </a:ext>
+          </a:extLst>
+        </p:spPr>
+      </p:pic>
+      <p:sp>
+        <p:nvSpPr>
+          <p:cNvPr id="36" name="TextBox 35"/>
+          <p:cNvSpPr txBox="1"/>
+          <p:nvPr/>
+        </p:nvSpPr>
+        <p:spPr>
+          <a:xfrm>
+            <a:off x="702137" y="3068960"/>
+            <a:ext cx="899605" cy="369332"/>
+          </a:xfrm>
+          <a:prstGeom prst="rect">
+            <a:avLst/>
+          </a:prstGeom>
+          <a:noFill/>
+        </p:spPr>
+        <p:txBody>
+          <a:bodyPr wrap="none" rtlCol="0">
+            <a:spAutoFit/>
+          </a:bodyPr>
+          <a:lstStyle/>
+          <a:p>
+            <a:r>
+              <a:rPr lang="ko-KR" altLang="en-US" smtClean="0">
+                <a:gradFill>
+                  <a:gsLst>
+                    <a:gs pos="0">
+                      <a:schemeClr val="tx1"/>
+                    </a:gs>
+                    <a:gs pos="50000">
+                      <a:schemeClr val="tx1"/>
+                    </a:gs>
+                    <a:gs pos="100000">
+                      <a:schemeClr val="tx1"/>
+                    </a:gs>
+                  </a:gsLst>
+                  <a:lin ang="5400000" scaled="0"/>
+                </a:gradFill>
+                <a:latin typeface="나눔바른펜" panose="020B0503000000000000" pitchFamily="50" charset="-127"/>
+                <a:ea typeface="나눔바른펜" panose="020B0503000000000000" pitchFamily="50" charset="-127"/>
+              </a:rPr>
+              <a:t>출연배우</a:t>
+            </a:r>
+            <a:endParaRPr lang="en-US" altLang="ko-KR" dirty="0" smtClean="0">
+              <a:gradFill>
+                <a:gsLst>
+                  <a:gs pos="0">
+                    <a:schemeClr val="tx1"/>
+                  </a:gs>
+                  <a:gs pos="50000">
+                    <a:schemeClr val="tx1"/>
+                  </a:gs>
+                  <a:gs pos="100000">
+                    <a:schemeClr val="tx1"/>
+                  </a:gs>
+                </a:gsLst>
+                <a:lin ang="5400000" scaled="0"/>
+              </a:gradFill>
+              <a:latin typeface="나눔바른펜" panose="020B0503000000000000" pitchFamily="50" charset="-127"/>
+              <a:ea typeface="나눔바른펜" panose="020B0503000000000000" pitchFamily="50" charset="-127"/>
+            </a:endParaRPr>
+          </a:p>
+        </p:txBody>
+      </p:sp>
+      <p:sp>
+        <p:nvSpPr>
+          <p:cNvPr id="37" name="TextBox 36"/>
+          <p:cNvSpPr txBox="1"/>
+          <p:nvPr/>
+        </p:nvSpPr>
+        <p:spPr>
+          <a:xfrm>
+            <a:off x="4601407" y="3068960"/>
+            <a:ext cx="546945" cy="369332"/>
+          </a:xfrm>
+          <a:prstGeom prst="rect">
+            <a:avLst/>
+          </a:prstGeom>
+          <a:noFill/>
+        </p:spPr>
+        <p:txBody>
+          <a:bodyPr wrap="none" rtlCol="0">
+            <a:spAutoFit/>
+          </a:bodyPr>
+          <a:lstStyle/>
+          <a:p>
+            <a:r>
+              <a:rPr lang="ko-KR" altLang="en-US" dirty="0" smtClean="0">
+                <a:gradFill>
+                  <a:gsLst>
+                    <a:gs pos="0">
+                      <a:schemeClr val="tx1"/>
+                    </a:gs>
+                    <a:gs pos="50000">
+                      <a:schemeClr val="tx1"/>
+                    </a:gs>
+                    <a:gs pos="100000">
+                      <a:schemeClr val="tx1"/>
+                    </a:gs>
+                  </a:gsLst>
+                  <a:lin ang="5400000" scaled="0"/>
+                </a:gradFill>
+                <a:latin typeface="나눔바른펜" panose="020B0503000000000000" pitchFamily="50" charset="-127"/>
+                <a:ea typeface="나눔바른펜" panose="020B0503000000000000" pitchFamily="50" charset="-127"/>
+              </a:rPr>
+              <a:t>장</a:t>
+            </a:r>
+            <a:r>
+              <a:rPr lang="ko-KR" altLang="en-US" dirty="0">
+                <a:gradFill>
+                  <a:gsLst>
+                    <a:gs pos="0">
+                      <a:schemeClr val="tx1"/>
+                    </a:gs>
+                    <a:gs pos="50000">
+                      <a:schemeClr val="tx1"/>
+                    </a:gs>
+                    <a:gs pos="100000">
+                      <a:schemeClr val="tx1"/>
+                    </a:gs>
+                  </a:gsLst>
+                  <a:lin ang="5400000" scaled="0"/>
+                </a:gradFill>
+                <a:latin typeface="나눔바른펜" panose="020B0503000000000000" pitchFamily="50" charset="-127"/>
+                <a:ea typeface="나눔바른펜" panose="020B0503000000000000" pitchFamily="50" charset="-127"/>
+              </a:rPr>
+              <a:t>르</a:t>
+            </a:r>
+            <a:endParaRPr lang="en-US" altLang="ko-KR" dirty="0" smtClean="0">
+              <a:gradFill>
+                <a:gsLst>
+                  <a:gs pos="0">
+                    <a:schemeClr val="tx1"/>
+                  </a:gs>
+                  <a:gs pos="50000">
+                    <a:schemeClr val="tx1"/>
+                  </a:gs>
+                  <a:gs pos="100000">
+                    <a:schemeClr val="tx1"/>
+                  </a:gs>
+                </a:gsLst>
+                <a:lin ang="5400000" scaled="0"/>
+              </a:gradFill>
+              <a:latin typeface="나눔바른펜" panose="020B0503000000000000" pitchFamily="50" charset="-127"/>
+              <a:ea typeface="나눔바른펜" panose="020B0503000000000000" pitchFamily="50" charset="-127"/>
+            </a:endParaRPr>
+          </a:p>
+        </p:txBody>
+      </p:sp>
+      <p:sp>
+        <p:nvSpPr>
+          <p:cNvPr id="38" name="직사각형 37"/>
+          <p:cNvSpPr/>
+          <p:nvPr/>
+        </p:nvSpPr>
+        <p:spPr>
+          <a:xfrm>
+            <a:off x="1727972" y="3105418"/>
+            <a:ext cx="2448272" cy="296416"/>
+          </a:xfrm>
+          <a:prstGeom prst="rect">
+            <a:avLst/>
+          </a:prstGeom>
+          <a:noFill/>
+          <a:ln>
+            <a:solidFill>
+              <a:schemeClr val="accent3">
+                <a:lumMod val="40000"/>
+                <a:lumOff val="60000"/>
+              </a:schemeClr>
+            </a:solidFill>
+          </a:ln>
+        </p:spPr>
+        <p:style>
+          <a:lnRef idx="2">
+            <a:schemeClr val="accent1">
+              <a:shade val="50000"/>
+            </a:schemeClr>
+          </a:lnRef>
+          <a:fillRef idx="1">
+            <a:schemeClr val="accent1"/>
+          </a:fillRef>
+          <a:effectRef idx="0">
+            <a:schemeClr val="accent1"/>
+          </a:effectRef>
+          <a:fontRef idx="minor">
+            <a:schemeClr val="lt1"/>
+          </a:fontRef>
+        </p:style>
+        <p:txBody>
+          <a:bodyPr rtlCol="0" anchor="ctr"/>
+          <a:lstStyle/>
+          <a:p>
+            <a:pPr algn="ctr"/>
+            <a:endParaRPr lang="ko-KR" altLang="en-US" dirty="0">
+              <a:solidFill>
+                <a:prstClr val="white"/>
+              </a:solidFill>
+            </a:endParaRPr>
+          </a:p>
+        </p:txBody>
+      </p:sp>
+      <p:sp>
+        <p:nvSpPr>
+          <p:cNvPr id="40" name="TextBox 39"/>
+          <p:cNvSpPr txBox="1"/>
+          <p:nvPr/>
+        </p:nvSpPr>
+        <p:spPr>
+          <a:xfrm>
+            <a:off x="710751" y="3491716"/>
+            <a:ext cx="899605" cy="369332"/>
+          </a:xfrm>
+          <a:prstGeom prst="rect">
+            <a:avLst/>
+          </a:prstGeom>
+          <a:noFill/>
+        </p:spPr>
+        <p:txBody>
+          <a:bodyPr wrap="none" rtlCol="0">
+            <a:spAutoFit/>
+          </a:bodyPr>
+          <a:lstStyle/>
+          <a:p>
+            <a:r>
+              <a:rPr lang="ko-KR" altLang="en-US" dirty="0" smtClean="0">
+                <a:gradFill>
+                  <a:gsLst>
+                    <a:gs pos="0">
+                      <a:schemeClr val="tx1"/>
+                    </a:gs>
+                    <a:gs pos="50000">
+                      <a:schemeClr val="tx1"/>
+                    </a:gs>
+                    <a:gs pos="100000">
+                      <a:schemeClr val="tx1"/>
+                    </a:gs>
+                  </a:gsLst>
+                  <a:lin ang="5400000" scaled="0"/>
+                </a:gradFill>
+                <a:latin typeface="나눔바른펜" panose="020B0503000000000000" pitchFamily="50" charset="-127"/>
+                <a:ea typeface="나눔바른펜" panose="020B0503000000000000" pitchFamily="50" charset="-127"/>
+              </a:rPr>
+              <a:t>기간검색</a:t>
+            </a:r>
+            <a:endParaRPr lang="en-US" altLang="ko-KR" dirty="0" smtClean="0">
+              <a:gradFill>
+                <a:gsLst>
+                  <a:gs pos="0">
+                    <a:schemeClr val="tx1"/>
+                  </a:gs>
+                  <a:gs pos="50000">
+                    <a:schemeClr val="tx1"/>
+                  </a:gs>
+                  <a:gs pos="100000">
+                    <a:schemeClr val="tx1"/>
+                  </a:gs>
+                </a:gsLst>
+                <a:lin ang="5400000" scaled="0"/>
+              </a:gradFill>
+              <a:latin typeface="나눔바른펜" panose="020B0503000000000000" pitchFamily="50" charset="-127"/>
+              <a:ea typeface="나눔바른펜" panose="020B0503000000000000" pitchFamily="50" charset="-127"/>
+            </a:endParaRPr>
+          </a:p>
+        </p:txBody>
+      </p:sp>
+      <p:sp>
+        <p:nvSpPr>
+          <p:cNvPr id="41" name="직사각형 40"/>
+          <p:cNvSpPr/>
+          <p:nvPr/>
+        </p:nvSpPr>
+        <p:spPr>
+          <a:xfrm>
+            <a:off x="1727972" y="3532366"/>
+            <a:ext cx="648072" cy="288032"/>
+          </a:xfrm>
+          <a:prstGeom prst="rect">
+            <a:avLst/>
+          </a:prstGeom>
+          <a:noFill/>
+          <a:ln>
+            <a:solidFill>
+              <a:schemeClr val="accent3">
+                <a:lumMod val="60000"/>
+                <a:lumOff val="40000"/>
+              </a:schemeClr>
+            </a:solidFill>
+          </a:ln>
+        </p:spPr>
+        <p:style>
+          <a:lnRef idx="2">
+            <a:schemeClr val="accent1">
+              <a:shade val="50000"/>
+            </a:schemeClr>
+          </a:lnRef>
+          <a:fillRef idx="1">
+            <a:schemeClr val="accent1"/>
+          </a:fillRef>
+          <a:effectRef idx="0">
+            <a:schemeClr val="accent1"/>
+          </a:effectRef>
+          <a:fontRef idx="minor">
+            <a:schemeClr val="lt1"/>
+          </a:fontRef>
+        </p:style>
+        <p:txBody>
+          <a:bodyPr rtlCol="0" anchor="ctr"/>
+          <a:lstStyle/>
+          <a:p>
+            <a:pPr algn="ctr"/>
+            <a:r>
+              <a:rPr lang="ko-KR" altLang="en-US" sz="900" dirty="0" smtClean="0">
+                <a:gradFill>
+                  <a:gsLst>
+                    <a:gs pos="0">
+                      <a:schemeClr val="tx1"/>
+                    </a:gs>
+                    <a:gs pos="50000">
+                      <a:schemeClr val="tx1"/>
+                    </a:gs>
+                    <a:gs pos="100000">
+                      <a:schemeClr val="tx1"/>
+                    </a:gs>
+                  </a:gsLst>
+                  <a:lin ang="5400000" scaled="0"/>
+                </a:gradFill>
+                <a:latin typeface="나눔바른펜" panose="020B0503000000000000" pitchFamily="50" charset="-127"/>
+                <a:ea typeface="나눔바른펜" panose="020B0503000000000000" pitchFamily="50" charset="-127"/>
+              </a:rPr>
+              <a:t>최근</a:t>
+            </a:r>
+            <a:r>
+              <a:rPr lang="en-US" altLang="ko-KR" sz="900" dirty="0" smtClean="0">
+                <a:gradFill>
+                  <a:gsLst>
+                    <a:gs pos="0">
+                      <a:schemeClr val="tx1"/>
+                    </a:gs>
+                    <a:gs pos="50000">
+                      <a:schemeClr val="tx1"/>
+                    </a:gs>
+                    <a:gs pos="100000">
+                      <a:schemeClr val="tx1"/>
+                    </a:gs>
+                  </a:gsLst>
+                  <a:lin ang="5400000" scaled="0"/>
+                </a:gradFill>
+                <a:latin typeface="나눔바른펜" panose="020B0503000000000000" pitchFamily="50" charset="-127"/>
+                <a:ea typeface="나눔바른펜" panose="020B0503000000000000" pitchFamily="50" charset="-127"/>
+              </a:rPr>
+              <a:t> 1</a:t>
+            </a:r>
+            <a:r>
+              <a:rPr lang="ko-KR" altLang="en-US" sz="900" dirty="0" smtClean="0">
+                <a:gradFill>
+                  <a:gsLst>
+                    <a:gs pos="0">
+                      <a:schemeClr val="tx1"/>
+                    </a:gs>
+                    <a:gs pos="50000">
+                      <a:schemeClr val="tx1"/>
+                    </a:gs>
+                    <a:gs pos="100000">
+                      <a:schemeClr val="tx1"/>
+                    </a:gs>
+                  </a:gsLst>
+                  <a:lin ang="5400000" scaled="0"/>
+                </a:gradFill>
+                <a:latin typeface="나눔바른펜" panose="020B0503000000000000" pitchFamily="50" charset="-127"/>
+                <a:ea typeface="나눔바른펜" panose="020B0503000000000000" pitchFamily="50" charset="-127"/>
+              </a:rPr>
+              <a:t>개월</a:t>
+            </a:r>
+            <a:endParaRPr lang="ko-KR" altLang="en-US" sz="900" dirty="0">
+              <a:gradFill>
+                <a:gsLst>
+                  <a:gs pos="0">
+                    <a:schemeClr val="tx1"/>
+                  </a:gs>
+                  <a:gs pos="50000">
+                    <a:schemeClr val="tx1"/>
+                  </a:gs>
+                  <a:gs pos="100000">
+                    <a:schemeClr val="tx1"/>
+                  </a:gs>
+                </a:gsLst>
+                <a:lin ang="5400000" scaled="0"/>
+              </a:gradFill>
+              <a:latin typeface="나눔바른펜" panose="020B0503000000000000" pitchFamily="50" charset="-127"/>
+              <a:ea typeface="나눔바른펜" panose="020B0503000000000000" pitchFamily="50" charset="-127"/>
+            </a:endParaRPr>
+          </a:p>
+        </p:txBody>
+      </p:sp>
+      <p:sp>
+        <p:nvSpPr>
+          <p:cNvPr id="42" name="직사각형 41"/>
+          <p:cNvSpPr/>
+          <p:nvPr/>
+        </p:nvSpPr>
+        <p:spPr>
+          <a:xfrm>
+            <a:off x="2510626" y="3532366"/>
+            <a:ext cx="648072" cy="288032"/>
+          </a:xfrm>
+          <a:prstGeom prst="rect">
+            <a:avLst/>
+          </a:prstGeom>
+          <a:noFill/>
+          <a:ln>
+            <a:solidFill>
+              <a:schemeClr val="accent3">
+                <a:lumMod val="60000"/>
+                <a:lumOff val="40000"/>
+              </a:schemeClr>
+            </a:solidFill>
+          </a:ln>
+        </p:spPr>
+        <p:style>
+          <a:lnRef idx="2">
+            <a:schemeClr val="accent1">
+              <a:shade val="50000"/>
+            </a:schemeClr>
+          </a:lnRef>
+          <a:fillRef idx="1">
+            <a:schemeClr val="accent1"/>
+          </a:fillRef>
+          <a:effectRef idx="0">
+            <a:schemeClr val="accent1"/>
+          </a:effectRef>
+          <a:fontRef idx="minor">
+            <a:schemeClr val="lt1"/>
+          </a:fontRef>
+        </p:style>
+        <p:txBody>
+          <a:bodyPr rtlCol="0" anchor="ctr"/>
+          <a:lstStyle/>
+          <a:p>
+            <a:pPr algn="ctr"/>
+            <a:r>
+              <a:rPr lang="ko-KR" altLang="en-US" sz="900" dirty="0" smtClean="0">
+                <a:gradFill>
+                  <a:gsLst>
+                    <a:gs pos="0">
+                      <a:schemeClr val="tx1"/>
+                    </a:gs>
+                    <a:gs pos="50000">
+                      <a:schemeClr val="tx1"/>
+                    </a:gs>
+                    <a:gs pos="100000">
+                      <a:schemeClr val="tx1"/>
+                    </a:gs>
+                  </a:gsLst>
+                  <a:lin ang="5400000" scaled="0"/>
+                </a:gradFill>
+                <a:latin typeface="나눔바른펜" panose="020B0503000000000000" pitchFamily="50" charset="-127"/>
+                <a:ea typeface="나눔바른펜" panose="020B0503000000000000" pitchFamily="50" charset="-127"/>
+              </a:rPr>
+              <a:t>최근</a:t>
+            </a:r>
+            <a:r>
+              <a:rPr lang="en-US" altLang="ko-KR" sz="900" dirty="0" smtClean="0">
+                <a:gradFill>
+                  <a:gsLst>
+                    <a:gs pos="0">
+                      <a:schemeClr val="tx1"/>
+                    </a:gs>
+                    <a:gs pos="50000">
+                      <a:schemeClr val="tx1"/>
+                    </a:gs>
+                    <a:gs pos="100000">
+                      <a:schemeClr val="tx1"/>
+                    </a:gs>
+                  </a:gsLst>
+                  <a:lin ang="5400000" scaled="0"/>
+                </a:gradFill>
+                <a:latin typeface="나눔바른펜" panose="020B0503000000000000" pitchFamily="50" charset="-127"/>
+                <a:ea typeface="나눔바른펜" panose="020B0503000000000000" pitchFamily="50" charset="-127"/>
+              </a:rPr>
+              <a:t> 3</a:t>
+            </a:r>
+            <a:r>
+              <a:rPr lang="ko-KR" altLang="en-US" sz="900" dirty="0" smtClean="0">
+                <a:gradFill>
+                  <a:gsLst>
+                    <a:gs pos="0">
+                      <a:schemeClr val="tx1"/>
+                    </a:gs>
+                    <a:gs pos="50000">
+                      <a:schemeClr val="tx1"/>
+                    </a:gs>
+                    <a:gs pos="100000">
+                      <a:schemeClr val="tx1"/>
+                    </a:gs>
+                  </a:gsLst>
+                  <a:lin ang="5400000" scaled="0"/>
+                </a:gradFill>
+                <a:latin typeface="나눔바른펜" panose="020B0503000000000000" pitchFamily="50" charset="-127"/>
+                <a:ea typeface="나눔바른펜" panose="020B0503000000000000" pitchFamily="50" charset="-127"/>
+              </a:rPr>
+              <a:t>개월</a:t>
+            </a:r>
+            <a:endParaRPr lang="ko-KR" altLang="en-US" sz="900" dirty="0">
+              <a:gradFill>
+                <a:gsLst>
+                  <a:gs pos="0">
+                    <a:schemeClr val="tx1"/>
+                  </a:gs>
+                  <a:gs pos="50000">
+                    <a:schemeClr val="tx1"/>
+                  </a:gs>
+                  <a:gs pos="100000">
+                    <a:schemeClr val="tx1"/>
+                  </a:gs>
+                </a:gsLst>
+                <a:lin ang="5400000" scaled="0"/>
+              </a:gradFill>
+              <a:latin typeface="나눔바른펜" panose="020B0503000000000000" pitchFamily="50" charset="-127"/>
+              <a:ea typeface="나눔바른펜" panose="020B0503000000000000" pitchFamily="50" charset="-127"/>
+            </a:endParaRPr>
+          </a:p>
+        </p:txBody>
+      </p:sp>
+      <p:sp>
+        <p:nvSpPr>
+          <p:cNvPr id="43" name="직사각형 42"/>
+          <p:cNvSpPr/>
+          <p:nvPr/>
+        </p:nvSpPr>
+        <p:spPr>
+          <a:xfrm>
+            <a:off x="3242974" y="3532366"/>
+            <a:ext cx="648072" cy="288032"/>
+          </a:xfrm>
+          <a:prstGeom prst="rect">
+            <a:avLst/>
+          </a:prstGeom>
+          <a:noFill/>
+          <a:ln>
+            <a:solidFill>
+              <a:schemeClr val="accent3">
+                <a:lumMod val="60000"/>
+                <a:lumOff val="40000"/>
+              </a:schemeClr>
+            </a:solidFill>
+          </a:ln>
+        </p:spPr>
+        <p:style>
+          <a:lnRef idx="2">
+            <a:schemeClr val="accent1">
+              <a:shade val="50000"/>
+            </a:schemeClr>
+          </a:lnRef>
+          <a:fillRef idx="1">
+            <a:schemeClr val="accent1"/>
+          </a:fillRef>
+          <a:effectRef idx="0">
+            <a:schemeClr val="accent1"/>
+          </a:effectRef>
+          <a:fontRef idx="minor">
+            <a:schemeClr val="lt1"/>
+          </a:fontRef>
+        </p:style>
+        <p:txBody>
+          <a:bodyPr rtlCol="0" anchor="ctr"/>
+          <a:lstStyle/>
+          <a:p>
+            <a:pPr algn="ctr"/>
+            <a:r>
+              <a:rPr lang="ko-KR" altLang="en-US" sz="900" dirty="0" smtClean="0">
+                <a:gradFill>
+                  <a:gsLst>
+                    <a:gs pos="0">
+                      <a:schemeClr val="tx1"/>
+                    </a:gs>
+                    <a:gs pos="50000">
+                      <a:schemeClr val="tx1"/>
+                    </a:gs>
+                    <a:gs pos="100000">
+                      <a:schemeClr val="tx1"/>
+                    </a:gs>
+                  </a:gsLst>
+                  <a:lin ang="5400000" scaled="0"/>
+                </a:gradFill>
+                <a:latin typeface="나눔바른펜" panose="020B0503000000000000" pitchFamily="50" charset="-127"/>
+                <a:ea typeface="나눔바른펜" panose="020B0503000000000000" pitchFamily="50" charset="-127"/>
+              </a:rPr>
+              <a:t>최근</a:t>
+            </a:r>
+            <a:r>
+              <a:rPr lang="en-US" altLang="ko-KR" sz="900" dirty="0" smtClean="0">
+                <a:gradFill>
+                  <a:gsLst>
+                    <a:gs pos="0">
+                      <a:schemeClr val="tx1"/>
+                    </a:gs>
+                    <a:gs pos="50000">
+                      <a:schemeClr val="tx1"/>
+                    </a:gs>
+                    <a:gs pos="100000">
+                      <a:schemeClr val="tx1"/>
+                    </a:gs>
+                  </a:gsLst>
+                  <a:lin ang="5400000" scaled="0"/>
+                </a:gradFill>
+                <a:latin typeface="나눔바른펜" panose="020B0503000000000000" pitchFamily="50" charset="-127"/>
+                <a:ea typeface="나눔바른펜" panose="020B0503000000000000" pitchFamily="50" charset="-127"/>
+              </a:rPr>
+              <a:t> 6</a:t>
+            </a:r>
+            <a:r>
+              <a:rPr lang="ko-KR" altLang="en-US" sz="900" dirty="0" smtClean="0">
+                <a:gradFill>
+                  <a:gsLst>
+                    <a:gs pos="0">
+                      <a:schemeClr val="tx1"/>
+                    </a:gs>
+                    <a:gs pos="50000">
+                      <a:schemeClr val="tx1"/>
+                    </a:gs>
+                    <a:gs pos="100000">
+                      <a:schemeClr val="tx1"/>
+                    </a:gs>
+                  </a:gsLst>
+                  <a:lin ang="5400000" scaled="0"/>
+                </a:gradFill>
+                <a:latin typeface="나눔바른펜" panose="020B0503000000000000" pitchFamily="50" charset="-127"/>
+                <a:ea typeface="나눔바른펜" panose="020B0503000000000000" pitchFamily="50" charset="-127"/>
+              </a:rPr>
+              <a:t>개월</a:t>
+            </a:r>
+            <a:endParaRPr lang="ko-KR" altLang="en-US" sz="900" dirty="0">
+              <a:gradFill>
+                <a:gsLst>
+                  <a:gs pos="0">
+                    <a:schemeClr val="tx1"/>
+                  </a:gs>
+                  <a:gs pos="50000">
+                    <a:schemeClr val="tx1"/>
+                  </a:gs>
+                  <a:gs pos="100000">
+                    <a:schemeClr val="tx1"/>
+                  </a:gs>
+                </a:gsLst>
+                <a:lin ang="5400000" scaled="0"/>
+              </a:gradFill>
+              <a:latin typeface="나눔바른펜" panose="020B0503000000000000" pitchFamily="50" charset="-127"/>
+              <a:ea typeface="나눔바른펜" panose="020B0503000000000000" pitchFamily="50" charset="-127"/>
+            </a:endParaRPr>
+          </a:p>
+        </p:txBody>
+      </p:sp>
+      <p:sp>
+        <p:nvSpPr>
+          <p:cNvPr id="45" name="직사각형 44"/>
+          <p:cNvSpPr/>
+          <p:nvPr/>
+        </p:nvSpPr>
+        <p:spPr>
+          <a:xfrm>
+            <a:off x="4193020" y="3534972"/>
+            <a:ext cx="1566392" cy="296416"/>
+          </a:xfrm>
+          <a:prstGeom prst="rect">
+            <a:avLst/>
+          </a:prstGeom>
+          <a:noFill/>
+          <a:ln>
+            <a:solidFill>
+              <a:schemeClr val="accent3">
+                <a:lumMod val="40000"/>
+                <a:lumOff val="60000"/>
+              </a:schemeClr>
+            </a:solidFill>
+          </a:ln>
+        </p:spPr>
+        <p:style>
+          <a:lnRef idx="2">
+            <a:schemeClr val="accent1">
+              <a:shade val="50000"/>
+            </a:schemeClr>
+          </a:lnRef>
+          <a:fillRef idx="1">
+            <a:schemeClr val="accent1"/>
+          </a:fillRef>
+          <a:effectRef idx="0">
+            <a:schemeClr val="accent1"/>
+          </a:effectRef>
+          <a:fontRef idx="minor">
+            <a:schemeClr val="lt1"/>
+          </a:fontRef>
+        </p:style>
+        <p:txBody>
+          <a:bodyPr rtlCol="0" anchor="ctr"/>
+          <a:lstStyle/>
+          <a:p>
+            <a:pPr algn="ctr"/>
+            <a:endParaRPr lang="ko-KR" altLang="en-US" dirty="0">
+              <a:solidFill>
+                <a:prstClr val="white"/>
+              </a:solidFill>
+            </a:endParaRPr>
+          </a:p>
+        </p:txBody>
+      </p:sp>
+      <p:sp>
+        <p:nvSpPr>
+          <p:cNvPr id="46" name="직사각형 45"/>
+          <p:cNvSpPr/>
+          <p:nvPr/>
+        </p:nvSpPr>
+        <p:spPr>
+          <a:xfrm>
+            <a:off x="6174248" y="3534972"/>
+            <a:ext cx="1566392" cy="296416"/>
+          </a:xfrm>
+          <a:prstGeom prst="rect">
+            <a:avLst/>
+          </a:prstGeom>
+          <a:noFill/>
+          <a:ln>
+            <a:solidFill>
+              <a:schemeClr val="accent3">
+                <a:lumMod val="40000"/>
+                <a:lumOff val="60000"/>
+              </a:schemeClr>
+            </a:solidFill>
+          </a:ln>
+        </p:spPr>
+        <p:style>
+          <a:lnRef idx="2">
+            <a:schemeClr val="accent1">
+              <a:shade val="50000"/>
+            </a:schemeClr>
+          </a:lnRef>
+          <a:fillRef idx="1">
+            <a:schemeClr val="accent1"/>
+          </a:fillRef>
+          <a:effectRef idx="0">
+            <a:schemeClr val="accent1"/>
+          </a:effectRef>
+          <a:fontRef idx="minor">
+            <a:schemeClr val="lt1"/>
+          </a:fontRef>
+        </p:style>
+        <p:txBody>
+          <a:bodyPr rtlCol="0" anchor="ctr"/>
+          <a:lstStyle/>
+          <a:p>
+            <a:pPr algn="ctr"/>
+            <a:endParaRPr lang="ko-KR" altLang="en-US" dirty="0">
+              <a:solidFill>
+                <a:prstClr val="white"/>
+              </a:solidFill>
+            </a:endParaRPr>
+          </a:p>
+        </p:txBody>
+      </p:sp>
+      <p:sp>
+        <p:nvSpPr>
+          <p:cNvPr id="47" name="TextBox 46"/>
+          <p:cNvSpPr txBox="1"/>
+          <p:nvPr/>
+        </p:nvSpPr>
+        <p:spPr>
+          <a:xfrm>
+            <a:off x="5840717" y="3501008"/>
+            <a:ext cx="306494" cy="369332"/>
+          </a:xfrm>
+          <a:prstGeom prst="rect">
+            <a:avLst/>
+          </a:prstGeom>
+          <a:noFill/>
+        </p:spPr>
+        <p:txBody>
+          <a:bodyPr wrap="none" rtlCol="0">
+            <a:spAutoFit/>
+          </a:bodyPr>
+          <a:lstStyle/>
+          <a:p>
+            <a:r>
+              <a:rPr lang="en-US" altLang="ko-KR" dirty="0" smtClean="0">
+                <a:gradFill>
+                  <a:gsLst>
+                    <a:gs pos="0">
+                      <a:schemeClr val="tx1"/>
+                    </a:gs>
+                    <a:gs pos="50000">
+                      <a:schemeClr val="tx1"/>
+                    </a:gs>
+                    <a:gs pos="100000">
+                      <a:schemeClr val="tx1"/>
+                    </a:gs>
+                  </a:gsLst>
+                  <a:lin ang="5400000" scaled="0"/>
+                </a:gradFill>
+                <a:latin typeface="나눔바른펜" panose="020B0503000000000000" pitchFamily="50" charset="-127"/>
+                <a:ea typeface="나눔바른펜" panose="020B0503000000000000" pitchFamily="50" charset="-127"/>
+              </a:rPr>
+              <a:t>~</a:t>
+            </a:r>
+          </a:p>
+        </p:txBody>
+      </p:sp>
+      <p:sp>
+        <p:nvSpPr>
+          <p:cNvPr id="8" name="TextBox 7"/>
+          <p:cNvSpPr txBox="1"/>
+          <p:nvPr/>
+        </p:nvSpPr>
+        <p:spPr>
+          <a:xfrm>
+            <a:off x="4266038" y="3555086"/>
+            <a:ext cx="1470274" cy="253916"/>
+          </a:xfrm>
+          <a:prstGeom prst="rect">
+            <a:avLst/>
+          </a:prstGeom>
+          <a:noFill/>
+        </p:spPr>
+        <p:txBody>
+          <a:bodyPr wrap="none" rtlCol="0">
+            <a:spAutoFit/>
+          </a:bodyPr>
+          <a:lstStyle/>
+          <a:p>
+            <a:r>
+              <a:rPr lang="en-US" altLang="ko-KR" sz="1050" dirty="0" smtClean="0">
+                <a:gradFill>
+                  <a:gsLst>
+                    <a:gs pos="0">
+                      <a:schemeClr val="tx1"/>
+                    </a:gs>
+                    <a:gs pos="50000">
+                      <a:schemeClr val="tx1"/>
+                    </a:gs>
+                    <a:gs pos="100000">
+                      <a:schemeClr val="tx1"/>
+                    </a:gs>
+                  </a:gsLst>
+                  <a:lin ang="5400000" scaled="0"/>
+                </a:gradFill>
+                <a:latin typeface="나눔바른펜" panose="020B0503000000000000" pitchFamily="50" charset="-127"/>
+                <a:ea typeface="나눔바른펜" panose="020B0503000000000000" pitchFamily="50" charset="-127"/>
+              </a:rPr>
+              <a:t>2018-01-01 </a:t>
+            </a:r>
+            <a:r>
+              <a:rPr lang="ko-KR" altLang="en-US" sz="1050" dirty="0" smtClean="0">
+                <a:gradFill>
+                  <a:gsLst>
+                    <a:gs pos="0">
+                      <a:schemeClr val="tx1"/>
+                    </a:gs>
+                    <a:gs pos="50000">
+                      <a:schemeClr val="tx1"/>
+                    </a:gs>
+                    <a:gs pos="100000">
+                      <a:schemeClr val="tx1"/>
+                    </a:gs>
+                  </a:gsLst>
+                  <a:lin ang="5400000" scaled="0"/>
+                </a:gradFill>
+                <a:latin typeface="나눔바른펜" panose="020B0503000000000000" pitchFamily="50" charset="-127"/>
+                <a:ea typeface="나눔바른펜" panose="020B0503000000000000" pitchFamily="50" charset="-127"/>
+              </a:rPr>
+              <a:t>의 형태로 입력</a:t>
+            </a:r>
+            <a:endParaRPr lang="ko-KR" altLang="en-US" sz="1050" dirty="0">
+              <a:gradFill>
+                <a:gsLst>
+                  <a:gs pos="0">
+                    <a:schemeClr val="tx1"/>
+                  </a:gs>
+                  <a:gs pos="50000">
+                    <a:schemeClr val="tx1"/>
+                  </a:gs>
+                  <a:gs pos="100000">
+                    <a:schemeClr val="tx1"/>
+                  </a:gs>
+                </a:gsLst>
+                <a:lin ang="5400000" scaled="0"/>
+              </a:gradFill>
+              <a:latin typeface="나눔바른펜" panose="020B0503000000000000" pitchFamily="50" charset="-127"/>
+              <a:ea typeface="나눔바른펜" panose="020B0503000000000000" pitchFamily="50" charset="-127"/>
+            </a:endParaRPr>
+          </a:p>
+        </p:txBody>
+      </p:sp>
+      <p:pic>
+        <p:nvPicPr>
+          <p:cNvPr id="48" name="Picture 2" descr="C:\Users\ss\AppData\Local\Microsoft\Windows\Temporary Internet Files\Content.IE5\F9YBAV4I\magnifying-glass-1976105_960_720[1].png"/>
+          <p:cNvPicPr>
+            <a:picLocks noChangeAspect="1" noChangeArrowheads="1"/>
+          </p:cNvPicPr>
+          <p:nvPr/>
+        </p:nvPicPr>
+        <p:blipFill>
+          <a:blip r:embed="rId2" cstate="print">
+            <a:extLst>
+              <a:ext uri="{28A0092B-C50C-407E-A947-70E740481C1C}">
+                <a14:useLocalDpi xmlns:a14="http://schemas.microsoft.com/office/drawing/2010/main" val="0"/>
+              </a:ext>
+            </a:extLst>
+          </a:blip>
+          <a:srcRect/>
+          <a:stretch>
+            <a:fillRect/>
+          </a:stretch>
+        </p:blipFill>
+        <p:spPr bwMode="auto">
+          <a:xfrm>
+            <a:off x="7514576" y="3581698"/>
+            <a:ext cx="188640" cy="188640"/>
+          </a:xfrm>
+          <a:prstGeom prst="rect">
+            <a:avLst/>
+          </a:prstGeom>
+          <a:noFill/>
+          <a:extLst>
+            <a:ext uri="{909E8E84-426E-40DD-AFC4-6F175D3DCCD1}">
+              <a14:hiddenFill xmlns:a14="http://schemas.microsoft.com/office/drawing/2010/main">
+                <a:solidFill>
+                  <a:srgbClr val="FFFFFF"/>
+                </a:solidFill>
+              </a14:hiddenFill>
+            </a:ext>
+          </a:extLst>
+        </p:spPr>
+      </p:pic>
     </p:spTree>
     <p:extLst>
       <p:ext uri="{BB962C8B-B14F-4D97-AF65-F5344CB8AC3E}">

--- a/plan/영화-관리자.pptx
+++ b/plan/영화-관리자.pptx
@@ -7330,7 +7330,7 @@
         </p:nvSpPr>
         <p:spPr>
           <a:xfrm>
-            <a:off x="5292368" y="3105418"/>
+            <a:off x="5141252" y="4350314"/>
             <a:ext cx="2448272" cy="296416"/>
           </a:xfrm>
           <a:prstGeom prst="rect">
@@ -7398,7 +7398,7 @@
         </p:blipFill>
         <p:spPr bwMode="auto">
           <a:xfrm>
-            <a:off x="7484084" y="3159306"/>
+            <a:off x="8654144" y="4149080"/>
             <a:ext cx="188640" cy="188640"/>
           </a:xfrm>
           <a:prstGeom prst="rect">
@@ -8347,6 +8347,975 @@
           </a:extLst>
         </p:spPr>
       </p:pic>
+      <p:sp>
+        <p:nvSpPr>
+          <p:cNvPr id="60" name="TextBox 59"/>
+          <p:cNvSpPr txBox="1"/>
+          <p:nvPr/>
+        </p:nvSpPr>
+        <p:spPr>
+          <a:xfrm>
+            <a:off x="5292080" y="2996681"/>
+            <a:ext cx="2016224" cy="369332"/>
+          </a:xfrm>
+          <a:prstGeom prst="rect">
+            <a:avLst/>
+          </a:prstGeom>
+          <a:noFill/>
+        </p:spPr>
+        <p:txBody>
+          <a:bodyPr wrap="square" rtlCol="0">
+            <a:spAutoFit/>
+          </a:bodyPr>
+          <a:lstStyle/>
+          <a:p>
+            <a:r>
+              <a:rPr lang="ko-KR" altLang="en-US" sz="900" dirty="0" smtClean="0">
+                <a:gradFill>
+                  <a:gsLst>
+                    <a:gs pos="0">
+                      <a:schemeClr val="tx1"/>
+                    </a:gs>
+                    <a:gs pos="50000">
+                      <a:schemeClr val="tx1"/>
+                    </a:gs>
+                    <a:gs pos="100000">
+                      <a:schemeClr val="tx1"/>
+                    </a:gs>
+                  </a:gsLst>
+                  <a:lin ang="5400000" scaled="0"/>
+                </a:gradFill>
+                <a:latin typeface="나눔바른펜" panose="020B0503000000000000" pitchFamily="50" charset="-127"/>
+                <a:ea typeface="나눔바른펜" panose="020B0503000000000000" pitchFamily="50" charset="-127"/>
+              </a:rPr>
+              <a:t>액션</a:t>
+            </a:r>
+            <a:r>
+              <a:rPr lang="en-US" altLang="ko-KR" sz="900" dirty="0">
+                <a:gradFill>
+                  <a:gsLst>
+                    <a:gs pos="0">
+                      <a:schemeClr val="tx1"/>
+                    </a:gs>
+                    <a:gs pos="50000">
+                      <a:schemeClr val="tx1"/>
+                    </a:gs>
+                    <a:gs pos="100000">
+                      <a:schemeClr val="tx1"/>
+                    </a:gs>
+                  </a:gsLst>
+                  <a:lin ang="5400000" scaled="0"/>
+                </a:gradFill>
+                <a:latin typeface="나눔바른펜" panose="020B0503000000000000" pitchFamily="50" charset="-127"/>
+                <a:ea typeface="나눔바른펜" panose="020B0503000000000000" pitchFamily="50" charset="-127"/>
+              </a:rPr>
+              <a:t> </a:t>
+            </a:r>
+            <a:r>
+              <a:rPr lang="en-US" altLang="ko-KR" sz="900" dirty="0" smtClean="0">
+                <a:gradFill>
+                  <a:gsLst>
+                    <a:gs pos="0">
+                      <a:schemeClr val="tx1"/>
+                    </a:gs>
+                    <a:gs pos="50000">
+                      <a:schemeClr val="tx1"/>
+                    </a:gs>
+                    <a:gs pos="100000">
+                      <a:schemeClr val="tx1"/>
+                    </a:gs>
+                  </a:gsLst>
+                  <a:lin ang="5400000" scaled="0"/>
+                </a:gradFill>
+                <a:latin typeface="나눔바른펜" panose="020B0503000000000000" pitchFamily="50" charset="-127"/>
+                <a:ea typeface="나눔바른펜" panose="020B0503000000000000" pitchFamily="50" charset="-127"/>
+              </a:rPr>
+              <a:t>       </a:t>
+            </a:r>
+            <a:r>
+              <a:rPr lang="ko-KR" altLang="en-US" sz="900" dirty="0" smtClean="0">
+                <a:gradFill>
+                  <a:gsLst>
+                    <a:gs pos="0">
+                      <a:schemeClr val="tx1"/>
+                    </a:gs>
+                    <a:gs pos="50000">
+                      <a:schemeClr val="tx1"/>
+                    </a:gs>
+                    <a:gs pos="100000">
+                      <a:schemeClr val="tx1"/>
+                    </a:gs>
+                  </a:gsLst>
+                  <a:lin ang="5400000" scaled="0"/>
+                </a:gradFill>
+                <a:latin typeface="나눔바른펜" panose="020B0503000000000000" pitchFamily="50" charset="-127"/>
+                <a:ea typeface="나눔바른펜" panose="020B0503000000000000" pitchFamily="50" charset="-127"/>
+              </a:rPr>
+              <a:t>스릴러</a:t>
+            </a:r>
+            <a:r>
+              <a:rPr lang="en-US" altLang="ko-KR" sz="900" dirty="0">
+                <a:gradFill>
+                  <a:gsLst>
+                    <a:gs pos="0">
+                      <a:schemeClr val="tx1"/>
+                    </a:gs>
+                    <a:gs pos="50000">
+                      <a:schemeClr val="tx1"/>
+                    </a:gs>
+                    <a:gs pos="100000">
+                      <a:schemeClr val="tx1"/>
+                    </a:gs>
+                  </a:gsLst>
+                  <a:lin ang="5400000" scaled="0"/>
+                </a:gradFill>
+                <a:latin typeface="나눔바른펜" panose="020B0503000000000000" pitchFamily="50" charset="-127"/>
+                <a:ea typeface="나눔바른펜" panose="020B0503000000000000" pitchFamily="50" charset="-127"/>
+              </a:rPr>
+              <a:t> </a:t>
+            </a:r>
+            <a:r>
+              <a:rPr lang="en-US" altLang="ko-KR" sz="900" dirty="0" smtClean="0">
+                <a:gradFill>
+                  <a:gsLst>
+                    <a:gs pos="0">
+                      <a:schemeClr val="tx1"/>
+                    </a:gs>
+                    <a:gs pos="50000">
+                      <a:schemeClr val="tx1"/>
+                    </a:gs>
+                    <a:gs pos="100000">
+                      <a:schemeClr val="tx1"/>
+                    </a:gs>
+                  </a:gsLst>
+                  <a:lin ang="5400000" scaled="0"/>
+                </a:gradFill>
+                <a:latin typeface="나눔바른펜" panose="020B0503000000000000" pitchFamily="50" charset="-127"/>
+                <a:ea typeface="나눔바른펜" panose="020B0503000000000000" pitchFamily="50" charset="-127"/>
+              </a:rPr>
+              <a:t>       </a:t>
+            </a:r>
+            <a:r>
+              <a:rPr lang="ko-KR" altLang="en-US" sz="900" dirty="0" smtClean="0">
+                <a:gradFill>
+                  <a:gsLst>
+                    <a:gs pos="0">
+                      <a:schemeClr val="tx1"/>
+                    </a:gs>
+                    <a:gs pos="50000">
+                      <a:schemeClr val="tx1"/>
+                    </a:gs>
+                    <a:gs pos="100000">
+                      <a:schemeClr val="tx1"/>
+                    </a:gs>
+                  </a:gsLst>
+                  <a:lin ang="5400000" scaled="0"/>
+                </a:gradFill>
+                <a:latin typeface="나눔바른펜" panose="020B0503000000000000" pitchFamily="50" charset="-127"/>
+                <a:ea typeface="나눔바른펜" panose="020B0503000000000000" pitchFamily="50" charset="-127"/>
+              </a:rPr>
+              <a:t>멜로</a:t>
+            </a:r>
+            <a:r>
+              <a:rPr lang="en-US" altLang="ko-KR" sz="900" dirty="0" smtClean="0">
+                <a:gradFill>
+                  <a:gsLst>
+                    <a:gs pos="0">
+                      <a:schemeClr val="tx1"/>
+                    </a:gs>
+                    <a:gs pos="50000">
+                      <a:schemeClr val="tx1"/>
+                    </a:gs>
+                    <a:gs pos="100000">
+                      <a:schemeClr val="tx1"/>
+                    </a:gs>
+                  </a:gsLst>
+                  <a:lin ang="5400000" scaled="0"/>
+                </a:gradFill>
+                <a:latin typeface="나눔바른펜" panose="020B0503000000000000" pitchFamily="50" charset="-127"/>
+                <a:ea typeface="나눔바른펜" panose="020B0503000000000000" pitchFamily="50" charset="-127"/>
+              </a:rPr>
+              <a:t>        </a:t>
+            </a:r>
+            <a:r>
+              <a:rPr lang="ko-KR" altLang="en-US" sz="900" dirty="0" smtClean="0">
+                <a:gradFill>
+                  <a:gsLst>
+                    <a:gs pos="0">
+                      <a:schemeClr val="tx1"/>
+                    </a:gs>
+                    <a:gs pos="50000">
+                      <a:schemeClr val="tx1"/>
+                    </a:gs>
+                    <a:gs pos="100000">
+                      <a:schemeClr val="tx1"/>
+                    </a:gs>
+                  </a:gsLst>
+                  <a:lin ang="5400000" scaled="0"/>
+                </a:gradFill>
+                <a:latin typeface="나눔바른펜" panose="020B0503000000000000" pitchFamily="50" charset="-127"/>
+                <a:ea typeface="나눔바른펜" panose="020B0503000000000000" pitchFamily="50" charset="-127"/>
+              </a:rPr>
+              <a:t>코믹</a:t>
+            </a:r>
+            <a:endParaRPr lang="en-US" altLang="ko-KR" sz="900" dirty="0" smtClean="0">
+              <a:gradFill>
+                <a:gsLst>
+                  <a:gs pos="0">
+                    <a:schemeClr val="tx1"/>
+                  </a:gs>
+                  <a:gs pos="50000">
+                    <a:schemeClr val="tx1"/>
+                  </a:gs>
+                  <a:gs pos="100000">
+                    <a:schemeClr val="tx1"/>
+                  </a:gs>
+                </a:gsLst>
+                <a:lin ang="5400000" scaled="0"/>
+              </a:gradFill>
+              <a:latin typeface="나눔바른펜" panose="020B0503000000000000" pitchFamily="50" charset="-127"/>
+              <a:ea typeface="나눔바른펜" panose="020B0503000000000000" pitchFamily="50" charset="-127"/>
+            </a:endParaRPr>
+          </a:p>
+          <a:p>
+            <a:r>
+              <a:rPr lang="en-US" altLang="ko-KR" sz="900" dirty="0" smtClean="0">
+                <a:gradFill>
+                  <a:gsLst>
+                    <a:gs pos="0">
+                      <a:schemeClr val="tx1"/>
+                    </a:gs>
+                    <a:gs pos="50000">
+                      <a:schemeClr val="tx1"/>
+                    </a:gs>
+                    <a:gs pos="100000">
+                      <a:schemeClr val="tx1"/>
+                    </a:gs>
+                  </a:gsLst>
+                  <a:lin ang="5400000" scaled="0"/>
+                </a:gradFill>
+                <a:latin typeface="나눔바른펜" panose="020B0503000000000000" pitchFamily="50" charset="-127"/>
+                <a:ea typeface="나눔바른펜" panose="020B0503000000000000" pitchFamily="50" charset="-127"/>
+              </a:rPr>
+              <a:t>        </a:t>
+            </a:r>
+          </a:p>
+        </p:txBody>
+      </p:sp>
+      <p:sp>
+        <p:nvSpPr>
+          <p:cNvPr id="61" name="Text Box"/>
+          <p:cNvSpPr/>
+          <p:nvPr/>
+        </p:nvSpPr>
+        <p:spPr>
+          <a:xfrm>
+            <a:off x="6957444" y="3203723"/>
+            <a:ext cx="476991" cy="225703"/>
+          </a:xfrm>
+          <a:prstGeom prst="rect">
+            <a:avLst/>
+          </a:prstGeom>
+          <a:solidFill>
+            <a:srgbClr val="FFFFFF"/>
+          </a:solidFill>
+          <a:ln w="6350">
+            <a:solidFill>
+              <a:srgbClr val="808080"/>
+            </a:solidFill>
+          </a:ln>
+        </p:spPr>
+        <p:style>
+          <a:lnRef idx="2">
+            <a:schemeClr val="accent1">
+              <a:shade val="50000"/>
+            </a:schemeClr>
+          </a:lnRef>
+          <a:fillRef idx="1">
+            <a:schemeClr val="accent1"/>
+          </a:fillRef>
+          <a:effectRef idx="0">
+            <a:schemeClr val="accent1"/>
+          </a:effectRef>
+          <a:fontRef idx="minor">
+            <a:schemeClr val="lt1"/>
+          </a:fontRef>
+        </p:style>
+        <p:txBody>
+          <a:bodyPr rot="0" spcFirstLastPara="0" vert="horz" wrap="square" lIns="91440" tIns="50800" rIns="91440" bIns="50800" numCol="1" spcCol="0" rtlCol="0" fromWordArt="0" anchor="ctr" anchorCtr="0" forceAA="0" compatLnSpc="1">
+            <a:prstTxWarp prst="textNoShape">
+              <a:avLst/>
+            </a:prstTxWarp>
+            <a:normAutofit/>
+          </a:bodyPr>
+          <a:lstStyle>
+            <a:defPPr>
+              <a:defRPr lang="en-US"/>
+            </a:defPPr>
+            <a:lvl1pPr marL="0" algn="l" defTabSz="914400" rtl="0" eaLnBrk="1" latinLnBrk="0" hangingPunct="1">
+              <a:defRPr sz="1800" kern="1200">
+                <a:solidFill>
+                  <a:schemeClr val="lt1"/>
+                </a:solidFill>
+                <a:latin typeface="+mn-lt"/>
+                <a:ea typeface="+mn-ea"/>
+                <a:cs typeface="+mn-cs"/>
+              </a:defRPr>
+            </a:lvl1pPr>
+            <a:lvl2pPr marL="457200" algn="l" defTabSz="914400" rtl="0" eaLnBrk="1" latinLnBrk="0" hangingPunct="1">
+              <a:defRPr sz="1800" kern="1200">
+                <a:solidFill>
+                  <a:schemeClr val="lt1"/>
+                </a:solidFill>
+                <a:latin typeface="+mn-lt"/>
+                <a:ea typeface="+mn-ea"/>
+                <a:cs typeface="+mn-cs"/>
+              </a:defRPr>
+            </a:lvl2pPr>
+            <a:lvl3pPr marL="914400" algn="l" defTabSz="914400" rtl="0" eaLnBrk="1" latinLnBrk="0" hangingPunct="1">
+              <a:defRPr sz="1800" kern="1200">
+                <a:solidFill>
+                  <a:schemeClr val="lt1"/>
+                </a:solidFill>
+                <a:latin typeface="+mn-lt"/>
+                <a:ea typeface="+mn-ea"/>
+                <a:cs typeface="+mn-cs"/>
+              </a:defRPr>
+            </a:lvl3pPr>
+            <a:lvl4pPr marL="1371600" algn="l" defTabSz="914400" rtl="0" eaLnBrk="1" latinLnBrk="0" hangingPunct="1">
+              <a:defRPr sz="1800" kern="1200">
+                <a:solidFill>
+                  <a:schemeClr val="lt1"/>
+                </a:solidFill>
+                <a:latin typeface="+mn-lt"/>
+                <a:ea typeface="+mn-ea"/>
+                <a:cs typeface="+mn-cs"/>
+              </a:defRPr>
+            </a:lvl4pPr>
+            <a:lvl5pPr marL="1828800" algn="l" defTabSz="914400" rtl="0" eaLnBrk="1" latinLnBrk="0" hangingPunct="1">
+              <a:defRPr sz="1800" kern="1200">
+                <a:solidFill>
+                  <a:schemeClr val="lt1"/>
+                </a:solidFill>
+                <a:latin typeface="+mn-lt"/>
+                <a:ea typeface="+mn-ea"/>
+                <a:cs typeface="+mn-cs"/>
+              </a:defRPr>
+            </a:lvl5pPr>
+            <a:lvl6pPr marL="2286000" algn="l" defTabSz="914400" rtl="0" eaLnBrk="1" latinLnBrk="0" hangingPunct="1">
+              <a:defRPr sz="1800" kern="1200">
+                <a:solidFill>
+                  <a:schemeClr val="lt1"/>
+                </a:solidFill>
+                <a:latin typeface="+mn-lt"/>
+                <a:ea typeface="+mn-ea"/>
+                <a:cs typeface="+mn-cs"/>
+              </a:defRPr>
+            </a:lvl6pPr>
+            <a:lvl7pPr marL="2743200" algn="l" defTabSz="914400" rtl="0" eaLnBrk="1" latinLnBrk="0" hangingPunct="1">
+              <a:defRPr sz="1800" kern="1200">
+                <a:solidFill>
+                  <a:schemeClr val="lt1"/>
+                </a:solidFill>
+                <a:latin typeface="+mn-lt"/>
+                <a:ea typeface="+mn-ea"/>
+                <a:cs typeface="+mn-cs"/>
+              </a:defRPr>
+            </a:lvl7pPr>
+            <a:lvl8pPr marL="3200400" algn="l" defTabSz="914400" rtl="0" eaLnBrk="1" latinLnBrk="0" hangingPunct="1">
+              <a:defRPr sz="1800" kern="1200">
+                <a:solidFill>
+                  <a:schemeClr val="lt1"/>
+                </a:solidFill>
+                <a:latin typeface="+mn-lt"/>
+                <a:ea typeface="+mn-ea"/>
+                <a:cs typeface="+mn-cs"/>
+              </a:defRPr>
+            </a:lvl8pPr>
+            <a:lvl9pPr marL="3657600" algn="l" defTabSz="914400" rtl="0" eaLnBrk="1" latinLnBrk="0" hangingPunct="1">
+              <a:defRPr sz="1800" kern="1200">
+                <a:solidFill>
+                  <a:schemeClr val="lt1"/>
+                </a:solidFill>
+                <a:latin typeface="+mn-lt"/>
+                <a:ea typeface="+mn-ea"/>
+                <a:cs typeface="+mn-cs"/>
+              </a:defRPr>
+            </a:lvl9pPr>
+          </a:lstStyle>
+          <a:p>
+            <a:endParaRPr lang="en-US" sz="800" dirty="0" smtClean="0">
+              <a:solidFill>
+                <a:schemeClr val="bg1">
+                  <a:lumMod val="75000"/>
+                </a:schemeClr>
+              </a:solidFill>
+              <a:latin typeface="Segoe UI" panose="020B0502040204020203" pitchFamily="34" charset="0"/>
+              <a:cs typeface="Segoe UI" panose="020B0502040204020203" pitchFamily="34" charset="0"/>
+            </a:endParaRPr>
+          </a:p>
+        </p:txBody>
+      </p:sp>
+      <p:sp>
+        <p:nvSpPr>
+          <p:cNvPr id="62" name="직사각형 61"/>
+          <p:cNvSpPr/>
+          <p:nvPr/>
+        </p:nvSpPr>
+        <p:spPr>
+          <a:xfrm>
+            <a:off x="5265185" y="3065863"/>
+            <a:ext cx="72000" cy="72000"/>
+          </a:xfrm>
+          <a:prstGeom prst="rect">
+            <a:avLst/>
+          </a:prstGeom>
+          <a:noFill/>
+          <a:ln w="12700">
+            <a:solidFill>
+              <a:schemeClr val="tx1"/>
+            </a:solidFill>
+          </a:ln>
+        </p:spPr>
+        <p:style>
+          <a:lnRef idx="2">
+            <a:schemeClr val="accent1">
+              <a:shade val="50000"/>
+            </a:schemeClr>
+          </a:lnRef>
+          <a:fillRef idx="1">
+            <a:schemeClr val="accent1"/>
+          </a:fillRef>
+          <a:effectRef idx="0">
+            <a:schemeClr val="accent1"/>
+          </a:effectRef>
+          <a:fontRef idx="minor">
+            <a:schemeClr val="lt1"/>
+          </a:fontRef>
+        </p:style>
+        <p:txBody>
+          <a:bodyPr rtlCol="0" anchor="ctr"/>
+          <a:lstStyle/>
+          <a:p>
+            <a:pPr algn="ctr"/>
+            <a:endParaRPr lang="ko-KR" altLang="en-US"/>
+          </a:p>
+        </p:txBody>
+      </p:sp>
+      <p:sp>
+        <p:nvSpPr>
+          <p:cNvPr id="63" name="직사각형 62"/>
+          <p:cNvSpPr/>
+          <p:nvPr/>
+        </p:nvSpPr>
+        <p:spPr>
+          <a:xfrm>
+            <a:off x="5697241" y="3065863"/>
+            <a:ext cx="72000" cy="72000"/>
+          </a:xfrm>
+          <a:prstGeom prst="rect">
+            <a:avLst/>
+          </a:prstGeom>
+          <a:noFill/>
+          <a:ln w="12700">
+            <a:solidFill>
+              <a:schemeClr val="tx1"/>
+            </a:solidFill>
+          </a:ln>
+        </p:spPr>
+        <p:style>
+          <a:lnRef idx="2">
+            <a:schemeClr val="accent1">
+              <a:shade val="50000"/>
+            </a:schemeClr>
+          </a:lnRef>
+          <a:fillRef idx="1">
+            <a:schemeClr val="accent1"/>
+          </a:fillRef>
+          <a:effectRef idx="0">
+            <a:schemeClr val="accent1"/>
+          </a:effectRef>
+          <a:fontRef idx="minor">
+            <a:schemeClr val="lt1"/>
+          </a:fontRef>
+        </p:style>
+        <p:txBody>
+          <a:bodyPr rtlCol="0" anchor="ctr"/>
+          <a:lstStyle/>
+          <a:p>
+            <a:pPr algn="ctr"/>
+            <a:endParaRPr lang="ko-KR" altLang="en-US"/>
+          </a:p>
+        </p:txBody>
+      </p:sp>
+      <p:sp>
+        <p:nvSpPr>
+          <p:cNvPr id="64" name="직사각형 63"/>
+          <p:cNvSpPr/>
+          <p:nvPr/>
+        </p:nvSpPr>
+        <p:spPr>
+          <a:xfrm>
+            <a:off x="6185921" y="3065863"/>
+            <a:ext cx="72000" cy="72000"/>
+          </a:xfrm>
+          <a:prstGeom prst="rect">
+            <a:avLst/>
+          </a:prstGeom>
+          <a:noFill/>
+          <a:ln w="12700">
+            <a:solidFill>
+              <a:schemeClr val="tx1"/>
+            </a:solidFill>
+          </a:ln>
+        </p:spPr>
+        <p:style>
+          <a:lnRef idx="2">
+            <a:schemeClr val="accent1">
+              <a:shade val="50000"/>
+            </a:schemeClr>
+          </a:lnRef>
+          <a:fillRef idx="1">
+            <a:schemeClr val="accent1"/>
+          </a:fillRef>
+          <a:effectRef idx="0">
+            <a:schemeClr val="accent1"/>
+          </a:effectRef>
+          <a:fontRef idx="minor">
+            <a:schemeClr val="lt1"/>
+          </a:fontRef>
+        </p:style>
+        <p:txBody>
+          <a:bodyPr rtlCol="0" anchor="ctr"/>
+          <a:lstStyle/>
+          <a:p>
+            <a:pPr algn="ctr"/>
+            <a:endParaRPr lang="ko-KR" altLang="en-US"/>
+          </a:p>
+        </p:txBody>
+      </p:sp>
+      <p:sp>
+        <p:nvSpPr>
+          <p:cNvPr id="71" name="직사각형 70"/>
+          <p:cNvSpPr/>
+          <p:nvPr/>
+        </p:nvSpPr>
+        <p:spPr>
+          <a:xfrm>
+            <a:off x="6615415" y="3065863"/>
+            <a:ext cx="72000" cy="72000"/>
+          </a:xfrm>
+          <a:prstGeom prst="rect">
+            <a:avLst/>
+          </a:prstGeom>
+          <a:noFill/>
+          <a:ln w="12700">
+            <a:solidFill>
+              <a:schemeClr val="tx1"/>
+            </a:solidFill>
+          </a:ln>
+        </p:spPr>
+        <p:style>
+          <a:lnRef idx="2">
+            <a:schemeClr val="accent1">
+              <a:shade val="50000"/>
+            </a:schemeClr>
+          </a:lnRef>
+          <a:fillRef idx="1">
+            <a:schemeClr val="accent1"/>
+          </a:fillRef>
+          <a:effectRef idx="0">
+            <a:schemeClr val="accent1"/>
+          </a:effectRef>
+          <a:fontRef idx="minor">
+            <a:schemeClr val="lt1"/>
+          </a:fontRef>
+        </p:style>
+        <p:txBody>
+          <a:bodyPr rtlCol="0" anchor="ctr"/>
+          <a:lstStyle/>
+          <a:p>
+            <a:pPr algn="ctr"/>
+            <a:endParaRPr lang="ko-KR" altLang="en-US"/>
+          </a:p>
+        </p:txBody>
+      </p:sp>
+      <p:sp>
+        <p:nvSpPr>
+          <p:cNvPr id="76" name="직사각형 75"/>
+          <p:cNvSpPr/>
+          <p:nvPr/>
+        </p:nvSpPr>
+        <p:spPr>
+          <a:xfrm>
+            <a:off x="5264338" y="3246888"/>
+            <a:ext cx="72000" cy="72000"/>
+          </a:xfrm>
+          <a:prstGeom prst="rect">
+            <a:avLst/>
+          </a:prstGeom>
+          <a:noFill/>
+          <a:ln w="12700">
+            <a:solidFill>
+              <a:schemeClr val="tx1"/>
+            </a:solidFill>
+          </a:ln>
+        </p:spPr>
+        <p:style>
+          <a:lnRef idx="2">
+            <a:schemeClr val="accent1">
+              <a:shade val="50000"/>
+            </a:schemeClr>
+          </a:lnRef>
+          <a:fillRef idx="1">
+            <a:schemeClr val="accent1"/>
+          </a:fillRef>
+          <a:effectRef idx="0">
+            <a:schemeClr val="accent1"/>
+          </a:effectRef>
+          <a:fontRef idx="minor">
+            <a:schemeClr val="lt1"/>
+          </a:fontRef>
+        </p:style>
+        <p:txBody>
+          <a:bodyPr rtlCol="0" anchor="ctr"/>
+          <a:lstStyle/>
+          <a:p>
+            <a:pPr algn="ctr"/>
+            <a:endParaRPr lang="ko-KR" altLang="en-US" dirty="0"/>
+          </a:p>
+        </p:txBody>
+      </p:sp>
+      <p:sp>
+        <p:nvSpPr>
+          <p:cNvPr id="77" name="직사각형 76"/>
+          <p:cNvSpPr/>
+          <p:nvPr/>
+        </p:nvSpPr>
+        <p:spPr>
+          <a:xfrm>
+            <a:off x="5697241" y="3246888"/>
+            <a:ext cx="72000" cy="72000"/>
+          </a:xfrm>
+          <a:prstGeom prst="rect">
+            <a:avLst/>
+          </a:prstGeom>
+          <a:noFill/>
+          <a:ln w="12700">
+            <a:solidFill>
+              <a:schemeClr val="tx1"/>
+            </a:solidFill>
+          </a:ln>
+        </p:spPr>
+        <p:style>
+          <a:lnRef idx="2">
+            <a:schemeClr val="accent1">
+              <a:shade val="50000"/>
+            </a:schemeClr>
+          </a:lnRef>
+          <a:fillRef idx="1">
+            <a:schemeClr val="accent1"/>
+          </a:fillRef>
+          <a:effectRef idx="0">
+            <a:schemeClr val="accent1"/>
+          </a:effectRef>
+          <a:fontRef idx="minor">
+            <a:schemeClr val="lt1"/>
+          </a:fontRef>
+        </p:style>
+        <p:txBody>
+          <a:bodyPr rtlCol="0" anchor="ctr"/>
+          <a:lstStyle/>
+          <a:p>
+            <a:pPr algn="ctr"/>
+            <a:endParaRPr lang="ko-KR" altLang="en-US"/>
+          </a:p>
+        </p:txBody>
+      </p:sp>
+      <p:sp>
+        <p:nvSpPr>
+          <p:cNvPr id="78" name="직사각형 77"/>
+          <p:cNvSpPr/>
+          <p:nvPr/>
+        </p:nvSpPr>
+        <p:spPr>
+          <a:xfrm>
+            <a:off x="6185921" y="3246888"/>
+            <a:ext cx="72000" cy="72000"/>
+          </a:xfrm>
+          <a:prstGeom prst="rect">
+            <a:avLst/>
+          </a:prstGeom>
+          <a:noFill/>
+          <a:ln w="12700">
+            <a:solidFill>
+              <a:schemeClr val="tx1"/>
+            </a:solidFill>
+          </a:ln>
+        </p:spPr>
+        <p:style>
+          <a:lnRef idx="2">
+            <a:schemeClr val="accent1">
+              <a:shade val="50000"/>
+            </a:schemeClr>
+          </a:lnRef>
+          <a:fillRef idx="1">
+            <a:schemeClr val="accent1"/>
+          </a:fillRef>
+          <a:effectRef idx="0">
+            <a:schemeClr val="accent1"/>
+          </a:effectRef>
+          <a:fontRef idx="minor">
+            <a:schemeClr val="lt1"/>
+          </a:fontRef>
+        </p:style>
+        <p:txBody>
+          <a:bodyPr rtlCol="0" anchor="ctr"/>
+          <a:lstStyle/>
+          <a:p>
+            <a:pPr algn="ctr"/>
+            <a:endParaRPr lang="ko-KR" altLang="en-US"/>
+          </a:p>
+        </p:txBody>
+      </p:sp>
+      <p:sp>
+        <p:nvSpPr>
+          <p:cNvPr id="79" name="직사각형 78"/>
+          <p:cNvSpPr/>
+          <p:nvPr/>
+        </p:nvSpPr>
+        <p:spPr>
+          <a:xfrm>
+            <a:off x="6615415" y="3246888"/>
+            <a:ext cx="72000" cy="72000"/>
+          </a:xfrm>
+          <a:prstGeom prst="rect">
+            <a:avLst/>
+          </a:prstGeom>
+          <a:noFill/>
+          <a:ln w="12700">
+            <a:solidFill>
+              <a:schemeClr val="tx1"/>
+            </a:solidFill>
+          </a:ln>
+        </p:spPr>
+        <p:style>
+          <a:lnRef idx="2">
+            <a:schemeClr val="accent1">
+              <a:shade val="50000"/>
+            </a:schemeClr>
+          </a:lnRef>
+          <a:fillRef idx="1">
+            <a:schemeClr val="accent1"/>
+          </a:fillRef>
+          <a:effectRef idx="0">
+            <a:schemeClr val="accent1"/>
+          </a:effectRef>
+          <a:fontRef idx="minor">
+            <a:schemeClr val="lt1"/>
+          </a:fontRef>
+        </p:style>
+        <p:txBody>
+          <a:bodyPr rtlCol="0" anchor="ctr"/>
+          <a:lstStyle/>
+          <a:p>
+            <a:pPr algn="ctr"/>
+            <a:endParaRPr lang="ko-KR" altLang="en-US"/>
+          </a:p>
+        </p:txBody>
+      </p:sp>
+      <p:sp>
+        <p:nvSpPr>
+          <p:cNvPr id="81" name="TextBox 80"/>
+          <p:cNvSpPr txBox="1"/>
+          <p:nvPr/>
+        </p:nvSpPr>
+        <p:spPr>
+          <a:xfrm>
+            <a:off x="5292080" y="3169540"/>
+            <a:ext cx="2016224" cy="369332"/>
+          </a:xfrm>
+          <a:prstGeom prst="rect">
+            <a:avLst/>
+          </a:prstGeom>
+          <a:noFill/>
+        </p:spPr>
+        <p:txBody>
+          <a:bodyPr wrap="square" rtlCol="0">
+            <a:spAutoFit/>
+          </a:bodyPr>
+          <a:lstStyle/>
+          <a:p>
+            <a:r>
+              <a:rPr lang="ko-KR" altLang="en-US" sz="900" dirty="0" smtClean="0">
+                <a:gradFill>
+                  <a:gsLst>
+                    <a:gs pos="0">
+                      <a:schemeClr val="tx1"/>
+                    </a:gs>
+                    <a:gs pos="50000">
+                      <a:schemeClr val="tx1"/>
+                    </a:gs>
+                    <a:gs pos="100000">
+                      <a:schemeClr val="tx1"/>
+                    </a:gs>
+                  </a:gsLst>
+                  <a:lin ang="5400000" scaled="0"/>
+                </a:gradFill>
+                <a:latin typeface="나눔바른펜" panose="020B0503000000000000" pitchFamily="50" charset="-127"/>
+                <a:ea typeface="나눔바른펜" panose="020B0503000000000000" pitchFamily="50" charset="-127"/>
+              </a:rPr>
+              <a:t>범</a:t>
+            </a:r>
+            <a:r>
+              <a:rPr lang="ko-KR" altLang="en-US" sz="900" dirty="0">
+                <a:gradFill>
+                  <a:gsLst>
+                    <a:gs pos="0">
+                      <a:schemeClr val="tx1"/>
+                    </a:gs>
+                    <a:gs pos="50000">
+                      <a:schemeClr val="tx1"/>
+                    </a:gs>
+                    <a:gs pos="100000">
+                      <a:schemeClr val="tx1"/>
+                    </a:gs>
+                  </a:gsLst>
+                  <a:lin ang="5400000" scaled="0"/>
+                </a:gradFill>
+                <a:latin typeface="나눔바른펜" panose="020B0503000000000000" pitchFamily="50" charset="-127"/>
+                <a:ea typeface="나눔바른펜" panose="020B0503000000000000" pitchFamily="50" charset="-127"/>
+              </a:rPr>
+              <a:t>죄</a:t>
+            </a:r>
+            <a:r>
+              <a:rPr lang="en-US" altLang="ko-KR" sz="900" dirty="0" smtClean="0">
+                <a:gradFill>
+                  <a:gsLst>
+                    <a:gs pos="0">
+                      <a:schemeClr val="tx1"/>
+                    </a:gs>
+                    <a:gs pos="50000">
+                      <a:schemeClr val="tx1"/>
+                    </a:gs>
+                    <a:gs pos="100000">
+                      <a:schemeClr val="tx1"/>
+                    </a:gs>
+                  </a:gsLst>
+                  <a:lin ang="5400000" scaled="0"/>
+                </a:gradFill>
+                <a:latin typeface="나눔바른펜" panose="020B0503000000000000" pitchFamily="50" charset="-127"/>
+                <a:ea typeface="나눔바른펜" panose="020B0503000000000000" pitchFamily="50" charset="-127"/>
+              </a:rPr>
+              <a:t>        </a:t>
+            </a:r>
+            <a:r>
+              <a:rPr lang="ko-KR" altLang="en-US" sz="900" dirty="0" smtClean="0">
+                <a:gradFill>
+                  <a:gsLst>
+                    <a:gs pos="0">
+                      <a:schemeClr val="tx1"/>
+                    </a:gs>
+                    <a:gs pos="50000">
+                      <a:schemeClr val="tx1"/>
+                    </a:gs>
+                    <a:gs pos="100000">
+                      <a:schemeClr val="tx1"/>
+                    </a:gs>
+                  </a:gsLst>
+                  <a:lin ang="5400000" scaled="0"/>
+                </a:gradFill>
+                <a:latin typeface="나눔바른펜" panose="020B0503000000000000" pitchFamily="50" charset="-127"/>
+                <a:ea typeface="나눔바른펜" panose="020B0503000000000000" pitchFamily="50" charset="-127"/>
+              </a:rPr>
+              <a:t>판타지</a:t>
+            </a:r>
+            <a:r>
+              <a:rPr lang="en-US" altLang="ko-KR" sz="900" dirty="0" smtClean="0">
+                <a:gradFill>
+                  <a:gsLst>
+                    <a:gs pos="0">
+                      <a:schemeClr val="tx1"/>
+                    </a:gs>
+                    <a:gs pos="50000">
+                      <a:schemeClr val="tx1"/>
+                    </a:gs>
+                    <a:gs pos="100000">
+                      <a:schemeClr val="tx1"/>
+                    </a:gs>
+                  </a:gsLst>
+                  <a:lin ang="5400000" scaled="0"/>
+                </a:gradFill>
+                <a:latin typeface="나눔바른펜" panose="020B0503000000000000" pitchFamily="50" charset="-127"/>
+                <a:ea typeface="나눔바른펜" panose="020B0503000000000000" pitchFamily="50" charset="-127"/>
+              </a:rPr>
+              <a:t>         SF         </a:t>
+            </a:r>
+            <a:r>
+              <a:rPr lang="ko-KR" altLang="en-US" sz="900" dirty="0" smtClean="0">
+                <a:gradFill>
+                  <a:gsLst>
+                    <a:gs pos="0">
+                      <a:schemeClr val="tx1"/>
+                    </a:gs>
+                    <a:gs pos="50000">
+                      <a:schemeClr val="tx1"/>
+                    </a:gs>
+                    <a:gs pos="100000">
+                      <a:schemeClr val="tx1"/>
+                    </a:gs>
+                  </a:gsLst>
+                  <a:lin ang="5400000" scaled="0"/>
+                </a:gradFill>
+                <a:latin typeface="나눔바른펜" panose="020B0503000000000000" pitchFamily="50" charset="-127"/>
+                <a:ea typeface="나눔바른펜" panose="020B0503000000000000" pitchFamily="50" charset="-127"/>
+              </a:rPr>
+              <a:t>기타</a:t>
+            </a:r>
+            <a:endParaRPr lang="en-US" altLang="ko-KR" sz="900" dirty="0" smtClean="0">
+              <a:gradFill>
+                <a:gsLst>
+                  <a:gs pos="0">
+                    <a:schemeClr val="tx1"/>
+                  </a:gs>
+                  <a:gs pos="50000">
+                    <a:schemeClr val="tx1"/>
+                  </a:gs>
+                  <a:gs pos="100000">
+                    <a:schemeClr val="tx1"/>
+                  </a:gs>
+                </a:gsLst>
+                <a:lin ang="5400000" scaled="0"/>
+              </a:gradFill>
+              <a:latin typeface="나눔바른펜" panose="020B0503000000000000" pitchFamily="50" charset="-127"/>
+              <a:ea typeface="나눔바른펜" panose="020B0503000000000000" pitchFamily="50" charset="-127"/>
+            </a:endParaRPr>
+          </a:p>
+          <a:p>
+            <a:r>
+              <a:rPr lang="en-US" altLang="ko-KR" sz="900" dirty="0" smtClean="0">
+                <a:gradFill>
+                  <a:gsLst>
+                    <a:gs pos="0">
+                      <a:schemeClr val="tx1"/>
+                    </a:gs>
+                    <a:gs pos="50000">
+                      <a:schemeClr val="tx1"/>
+                    </a:gs>
+                    <a:gs pos="100000">
+                      <a:schemeClr val="tx1"/>
+                    </a:gs>
+                  </a:gsLst>
+                  <a:lin ang="5400000" scaled="0"/>
+                </a:gradFill>
+                <a:latin typeface="나눔바른펜" panose="020B0503000000000000" pitchFamily="50" charset="-127"/>
+                <a:ea typeface="나눔바른펜" panose="020B0503000000000000" pitchFamily="50" charset="-127"/>
+              </a:rPr>
+              <a:t>        </a:t>
+            </a:r>
+          </a:p>
+        </p:txBody>
+      </p:sp>
     </p:spTree>
     <p:extLst>
       <p:ext uri="{BB962C8B-B14F-4D97-AF65-F5344CB8AC3E}">
